--- a/게임 소프트웨어 공학/ppt/게임 소프트웨어 공학 (Lecture 2).pptx
+++ b/게임 소프트웨어 공학/ppt/게임 소프트웨어 공학 (Lecture 2).pptx
@@ -228,7 +228,7 @@
           <a:p>
             <a:fld id="{B83E6ACC-2BC2-4696-B17F-58B7A0A446DF}" type="datetimeFigureOut">
               <a:rPr lang="ko-KR" altLang="en-US" smtClean="0"/>
-              <a:t>2018-10-05</a:t>
+              <a:t>2018-10-12</a:t>
             </a:fld>
             <a:endParaRPr lang="ko-KR" altLang="en-US"/>
           </a:p>
@@ -624,7 +624,7 @@
           <a:p>
             <a:fld id="{75886E34-028A-43C2-8D62-DB379F692A64}" type="datetimeFigureOut">
               <a:rPr lang="ko-KR" altLang="en-US" smtClean="0"/>
-              <a:t>2018-10-05</a:t>
+              <a:t>2018-10-12</a:t>
             </a:fld>
             <a:endParaRPr lang="ko-KR" altLang="en-US"/>
           </a:p>
@@ -792,7 +792,7 @@
           <a:p>
             <a:fld id="{75886E34-028A-43C2-8D62-DB379F692A64}" type="datetimeFigureOut">
               <a:rPr lang="ko-KR" altLang="en-US" smtClean="0"/>
-              <a:t>2018-10-05</a:t>
+              <a:t>2018-10-12</a:t>
             </a:fld>
             <a:endParaRPr lang="ko-KR" altLang="en-US"/>
           </a:p>
@@ -970,7 +970,7 @@
           <a:p>
             <a:fld id="{75886E34-028A-43C2-8D62-DB379F692A64}" type="datetimeFigureOut">
               <a:rPr lang="ko-KR" altLang="en-US" smtClean="0"/>
-              <a:t>2018-10-05</a:t>
+              <a:t>2018-10-12</a:t>
             </a:fld>
             <a:endParaRPr lang="ko-KR" altLang="en-US"/>
           </a:p>
@@ -1138,7 +1138,7 @@
           <a:p>
             <a:fld id="{75886E34-028A-43C2-8D62-DB379F692A64}" type="datetimeFigureOut">
               <a:rPr lang="ko-KR" altLang="en-US" smtClean="0"/>
-              <a:t>2018-10-05</a:t>
+              <a:t>2018-10-12</a:t>
             </a:fld>
             <a:endParaRPr lang="ko-KR" altLang="en-US"/>
           </a:p>
@@ -1383,7 +1383,7 @@
           <a:p>
             <a:fld id="{75886E34-028A-43C2-8D62-DB379F692A64}" type="datetimeFigureOut">
               <a:rPr lang="ko-KR" altLang="en-US" smtClean="0"/>
-              <a:t>2018-10-05</a:t>
+              <a:t>2018-10-12</a:t>
             </a:fld>
             <a:endParaRPr lang="ko-KR" altLang="en-US"/>
           </a:p>
@@ -1612,7 +1612,7 @@
           <a:p>
             <a:fld id="{75886E34-028A-43C2-8D62-DB379F692A64}" type="datetimeFigureOut">
               <a:rPr lang="ko-KR" altLang="en-US" smtClean="0"/>
-              <a:t>2018-10-05</a:t>
+              <a:t>2018-10-12</a:t>
             </a:fld>
             <a:endParaRPr lang="ko-KR" altLang="en-US"/>
           </a:p>
@@ -1976,7 +1976,7 @@
           <a:p>
             <a:fld id="{75886E34-028A-43C2-8D62-DB379F692A64}" type="datetimeFigureOut">
               <a:rPr lang="ko-KR" altLang="en-US" smtClean="0"/>
-              <a:t>2018-10-05</a:t>
+              <a:t>2018-10-12</a:t>
             </a:fld>
             <a:endParaRPr lang="ko-KR" altLang="en-US"/>
           </a:p>
@@ -2093,7 +2093,7 @@
           <a:p>
             <a:fld id="{75886E34-028A-43C2-8D62-DB379F692A64}" type="datetimeFigureOut">
               <a:rPr lang="ko-KR" altLang="en-US" smtClean="0"/>
-              <a:t>2018-10-05</a:t>
+              <a:t>2018-10-12</a:t>
             </a:fld>
             <a:endParaRPr lang="ko-KR" altLang="en-US"/>
           </a:p>
@@ -2188,7 +2188,7 @@
           <a:p>
             <a:fld id="{75886E34-028A-43C2-8D62-DB379F692A64}" type="datetimeFigureOut">
               <a:rPr lang="ko-KR" altLang="en-US" smtClean="0"/>
-              <a:t>2018-10-05</a:t>
+              <a:t>2018-10-12</a:t>
             </a:fld>
             <a:endParaRPr lang="ko-KR" altLang="en-US"/>
           </a:p>
@@ -2463,7 +2463,7 @@
           <a:p>
             <a:fld id="{75886E34-028A-43C2-8D62-DB379F692A64}" type="datetimeFigureOut">
               <a:rPr lang="ko-KR" altLang="en-US" smtClean="0"/>
-              <a:t>2018-10-05</a:t>
+              <a:t>2018-10-12</a:t>
             </a:fld>
             <a:endParaRPr lang="ko-KR" altLang="en-US"/>
           </a:p>
@@ -2715,7 +2715,7 @@
           <a:p>
             <a:fld id="{75886E34-028A-43C2-8D62-DB379F692A64}" type="datetimeFigureOut">
               <a:rPr lang="ko-KR" altLang="en-US" smtClean="0"/>
-              <a:t>2018-10-05</a:t>
+              <a:t>2018-10-12</a:t>
             </a:fld>
             <a:endParaRPr lang="ko-KR" altLang="en-US"/>
           </a:p>
@@ -2926,7 +2926,7 @@
           <a:p>
             <a:fld id="{75886E34-028A-43C2-8D62-DB379F692A64}" type="datetimeFigureOut">
               <a:rPr lang="ko-KR" altLang="en-US" smtClean="0"/>
-              <a:t>2018-10-05</a:t>
+              <a:t>2018-10-12</a:t>
             </a:fld>
             <a:endParaRPr lang="ko-KR" altLang="en-US"/>
           </a:p>
@@ -5508,6 +5508,80 @@
               <a:t>PUSH</a:t>
             </a:r>
             <a:endParaRPr lang="ko-KR" altLang="en-US" sz="3200" dirty="0"/>
+          </a:p>
+        </p:txBody>
+      </p:sp>
+      <p:cxnSp>
+        <p:nvCxnSpPr>
+          <p:cNvPr id="9" name="직선 화살표 연결선 8">
+            <a:extLst>
+              <a:ext uri="{FF2B5EF4-FFF2-40B4-BE49-F238E27FC236}">
+                <a16:creationId xmlns:a16="http://schemas.microsoft.com/office/drawing/2014/main" id="{8CE5DFA2-4D1D-49A3-8386-EBC6CA2FA855}"/>
+              </a:ext>
+            </a:extLst>
+          </p:cNvPr>
+          <p:cNvCxnSpPr/>
+          <p:nvPr/>
+        </p:nvCxnSpPr>
+        <p:spPr>
+          <a:xfrm flipH="1">
+            <a:off x="5117123" y="3640015"/>
+            <a:ext cx="2413977" cy="0"/>
+          </a:xfrm>
+          <a:prstGeom prst="straightConnector1">
+            <a:avLst/>
+          </a:prstGeom>
+          <a:ln>
+            <a:tailEnd type="triangle"/>
+          </a:ln>
+        </p:spPr>
+        <p:style>
+          <a:lnRef idx="1">
+            <a:schemeClr val="accent1"/>
+          </a:lnRef>
+          <a:fillRef idx="0">
+            <a:schemeClr val="accent1"/>
+          </a:fillRef>
+          <a:effectRef idx="0">
+            <a:schemeClr val="accent1"/>
+          </a:effectRef>
+          <a:fontRef idx="minor">
+            <a:schemeClr val="tx1"/>
+          </a:fontRef>
+        </p:style>
+      </p:cxnSp>
+      <p:sp>
+        <p:nvSpPr>
+          <p:cNvPr id="10" name="TextBox 9">
+            <a:extLst>
+              <a:ext uri="{FF2B5EF4-FFF2-40B4-BE49-F238E27FC236}">
+                <a16:creationId xmlns:a16="http://schemas.microsoft.com/office/drawing/2014/main" id="{00E224BA-7724-43C8-B37C-59B010D9FCA6}"/>
+              </a:ext>
+            </a:extLst>
+          </p:cNvPr>
+          <p:cNvSpPr txBox="1"/>
+          <p:nvPr/>
+        </p:nvSpPr>
+        <p:spPr>
+          <a:xfrm>
+            <a:off x="5671038" y="2804746"/>
+            <a:ext cx="1002324" cy="369332"/>
+          </a:xfrm>
+          <a:prstGeom prst="rect">
+            <a:avLst/>
+          </a:prstGeom>
+          <a:noFill/>
+        </p:spPr>
+        <p:txBody>
+          <a:bodyPr wrap="square" rtlCol="0">
+            <a:spAutoFit/>
+          </a:bodyPr>
+          <a:lstStyle/>
+          <a:p>
+            <a:r>
+              <a:rPr lang="en-US" altLang="ko-KR" dirty="0"/>
+              <a:t>Clone</a:t>
+            </a:r>
           </a:p>
         </p:txBody>
       </p:sp>
@@ -6276,6 +6350,82 @@
           </a:p>
         </p:txBody>
       </p:sp>
+      <p:sp>
+        <p:nvSpPr>
+          <p:cNvPr id="2" name="TextBox 1">
+            <a:extLst>
+              <a:ext uri="{FF2B5EF4-FFF2-40B4-BE49-F238E27FC236}">
+                <a16:creationId xmlns:a16="http://schemas.microsoft.com/office/drawing/2014/main" id="{E81F7C17-D11C-4986-A080-F0061E6AA91E}"/>
+              </a:ext>
+            </a:extLst>
+          </p:cNvPr>
+          <p:cNvSpPr txBox="1"/>
+          <p:nvPr/>
+        </p:nvSpPr>
+        <p:spPr>
+          <a:xfrm>
+            <a:off x="6089161" y="6445862"/>
+            <a:ext cx="1512277" cy="369332"/>
+          </a:xfrm>
+          <a:prstGeom prst="rect">
+            <a:avLst/>
+          </a:prstGeom>
+          <a:noFill/>
+        </p:spPr>
+        <p:txBody>
+          <a:bodyPr wrap="square" rtlCol="0">
+            <a:spAutoFit/>
+          </a:bodyPr>
+          <a:lstStyle/>
+          <a:p>
+            <a:r>
+              <a:rPr lang="en-US" altLang="ko-KR" dirty="0"/>
+              <a:t>Clone</a:t>
+            </a:r>
+          </a:p>
+        </p:txBody>
+      </p:sp>
+      <p:cxnSp>
+        <p:nvCxnSpPr>
+          <p:cNvPr id="10" name="직선 화살표 연결선 9">
+            <a:extLst>
+              <a:ext uri="{FF2B5EF4-FFF2-40B4-BE49-F238E27FC236}">
+                <a16:creationId xmlns:a16="http://schemas.microsoft.com/office/drawing/2014/main" id="{16A23725-65DC-4433-AD8C-C3064A7E1184}"/>
+              </a:ext>
+            </a:extLst>
+          </p:cNvPr>
+          <p:cNvCxnSpPr>
+            <a:cxnSpLocks/>
+          </p:cNvCxnSpPr>
+          <p:nvPr/>
+        </p:nvCxnSpPr>
+        <p:spPr>
+          <a:xfrm flipH="1">
+            <a:off x="6007100" y="6260123"/>
+            <a:ext cx="1510324" cy="0"/>
+          </a:xfrm>
+          <a:prstGeom prst="straightConnector1">
+            <a:avLst/>
+          </a:prstGeom>
+          <a:ln>
+            <a:tailEnd type="triangle"/>
+          </a:ln>
+        </p:spPr>
+        <p:style>
+          <a:lnRef idx="1">
+            <a:schemeClr val="accent1"/>
+          </a:lnRef>
+          <a:fillRef idx="0">
+            <a:schemeClr val="accent1"/>
+          </a:fillRef>
+          <a:effectRef idx="0">
+            <a:schemeClr val="accent1"/>
+          </a:effectRef>
+          <a:fontRef idx="minor">
+            <a:schemeClr val="tx1"/>
+          </a:fontRef>
+        </p:style>
+      </p:cxnSp>
     </p:spTree>
     <p:extLst>
       <p:ext uri="{BB962C8B-B14F-4D97-AF65-F5344CB8AC3E}">
@@ -7016,6 +7166,91 @@
             <a:r>
               <a:rPr lang="ko-KR" altLang="en-US" dirty="0"/>
               <a:t>서버 다운 시 작업 진행 및 복구 가능</a:t>
+            </a:r>
+          </a:p>
+        </p:txBody>
+      </p:sp>
+      <p:sp>
+        <p:nvSpPr>
+          <p:cNvPr id="4" name="타원 3">
+            <a:extLst>
+              <a:ext uri="{FF2B5EF4-FFF2-40B4-BE49-F238E27FC236}">
+                <a16:creationId xmlns:a16="http://schemas.microsoft.com/office/drawing/2014/main" id="{AD108050-0D99-4EDA-8ADD-4BD64264B840}"/>
+              </a:ext>
+            </a:extLst>
+          </p:cNvPr>
+          <p:cNvSpPr/>
+          <p:nvPr/>
+        </p:nvSpPr>
+        <p:spPr>
+          <a:xfrm>
+            <a:off x="565638" y="562340"/>
+            <a:ext cx="272562" cy="237393"/>
+          </a:xfrm>
+          <a:prstGeom prst="ellipse">
+            <a:avLst/>
+          </a:prstGeom>
+        </p:spPr>
+        <p:style>
+          <a:lnRef idx="2">
+            <a:schemeClr val="accent1">
+              <a:shade val="50000"/>
+            </a:schemeClr>
+          </a:lnRef>
+          <a:fillRef idx="1">
+            <a:schemeClr val="accent1"/>
+          </a:fillRef>
+          <a:effectRef idx="0">
+            <a:schemeClr val="accent1"/>
+          </a:effectRef>
+          <a:fontRef idx="minor">
+            <a:schemeClr val="lt1"/>
+          </a:fontRef>
+        </p:style>
+        <p:txBody>
+          <a:bodyPr rtlCol="0" anchor="ctr"/>
+          <a:lstStyle/>
+          <a:p>
+            <a:pPr algn="ctr"/>
+            <a:endParaRPr lang="ko-KR" altLang="en-US"/>
+          </a:p>
+        </p:txBody>
+      </p:sp>
+      <p:sp>
+        <p:nvSpPr>
+          <p:cNvPr id="5" name="TextBox 4">
+            <a:extLst>
+              <a:ext uri="{FF2B5EF4-FFF2-40B4-BE49-F238E27FC236}">
+                <a16:creationId xmlns:a16="http://schemas.microsoft.com/office/drawing/2014/main" id="{04095460-8775-4EA5-A85D-57C4D112B92B}"/>
+              </a:ext>
+            </a:extLst>
+          </p:cNvPr>
+          <p:cNvSpPr txBox="1"/>
+          <p:nvPr/>
+        </p:nvSpPr>
+        <p:spPr>
+          <a:xfrm>
+            <a:off x="1134208" y="365125"/>
+            <a:ext cx="1107830" cy="369332"/>
+          </a:xfrm>
+          <a:prstGeom prst="rect">
+            <a:avLst/>
+          </a:prstGeom>
+          <a:noFill/>
+        </p:spPr>
+        <p:txBody>
+          <a:bodyPr wrap="square" rtlCol="0">
+            <a:spAutoFit/>
+          </a:bodyPr>
+          <a:lstStyle/>
+          <a:p>
+            <a:r>
+              <a:rPr lang="en-US" altLang="ko-KR"/>
+              <a:t>2</a:t>
+            </a:r>
+            <a:r>
+              <a:rPr lang="ko-KR" altLang="en-US" dirty="0"/>
+              <a:t>가지</a:t>
             </a:r>
           </a:p>
         </p:txBody>

--- a/게임 소프트웨어 공학/ppt/게임 소프트웨어 공학 (Lecture 2).pptx
+++ b/게임 소프트웨어 공학/ppt/게임 소프트웨어 공학 (Lecture 2).pptx
@@ -5,7 +5,7 @@
     <p:sldMasterId id="2147483648" r:id="rId1"/>
   </p:sldMasterIdLst>
   <p:notesMasterIdLst>
-    <p:notesMasterId r:id="rId31"/>
+    <p:notesMasterId r:id="rId37"/>
   </p:notesMasterIdLst>
   <p:sldIdLst>
     <p:sldId id="256" r:id="rId2"/>
@@ -37,6 +37,12 @@
     <p:sldId id="286" r:id="rId28"/>
     <p:sldId id="287" r:id="rId29"/>
     <p:sldId id="288" r:id="rId30"/>
+    <p:sldId id="289" r:id="rId31"/>
+    <p:sldId id="290" r:id="rId32"/>
+    <p:sldId id="291" r:id="rId33"/>
+    <p:sldId id="292" r:id="rId34"/>
+    <p:sldId id="293" r:id="rId35"/>
+    <p:sldId id="294" r:id="rId36"/>
   </p:sldIdLst>
   <p:sldSz cx="12192000" cy="6858000"/>
   <p:notesSz cx="6858000" cy="9144000"/>
@@ -146,6 +152,74 @@
 </p:presentation>
 </file>
 
+<file path=ppt/commentAuthors.xml><?xml version="1.0" encoding="utf-8"?>
+<p:cmAuthorLst xmlns:a="http://schemas.openxmlformats.org/drawingml/2006/main" xmlns:r="http://schemas.openxmlformats.org/officeDocument/2006/relationships" xmlns:p="http://schemas.openxmlformats.org/presentationml/2006/main">
+  <p:cmAuthor id="1" name="원동욱" initials="원" lastIdx="1" clrIdx="0">
+    <p:extLst>
+      <p:ext uri="{19B8F6BF-5375-455C-9EA6-DF929625EA0E}">
+        <p15:presenceInfo xmlns:p15="http://schemas.microsoft.com/office/powerpoint/2012/main" userId="S::dw5450@kpu.ac.kr::b05183ba-b58f-4000-a933-3b10aed731b3" providerId="AD"/>
+      </p:ext>
+    </p:extLst>
+  </p:cmAuthor>
+</p:cmAuthorLst>
+</file>
+
+<file path=ppt/comments/comment1.xml><?xml version="1.0" encoding="utf-8"?>
+<p:cmLst xmlns:a="http://schemas.openxmlformats.org/drawingml/2006/main" xmlns:r="http://schemas.openxmlformats.org/officeDocument/2006/relationships" xmlns:p="http://schemas.openxmlformats.org/presentationml/2006/main">
+  <p:cm authorId="1" dt="2018-11-14T18:17:18.936" idx="1">
+    <p:pos x="10" y="10"/>
+    <p:text/>
+    <p:extLst>
+      <p:ext uri="{C676402C-5697-4E1C-873F-D02D1690AC5C}">
+        <p15:threadingInfo xmlns:p15="http://schemas.microsoft.com/office/powerpoint/2012/main" timeZoneBias="-540"/>
+      </p:ext>
+    </p:extLst>
+  </p:cm>
+</p:cmLst>
+</file>
+
+<file path=ppt/comments/comment2.xml><?xml version="1.0" encoding="utf-8"?>
+<p:cmLst xmlns:a="http://schemas.openxmlformats.org/drawingml/2006/main" xmlns:r="http://schemas.openxmlformats.org/officeDocument/2006/relationships" xmlns:p="http://schemas.openxmlformats.org/presentationml/2006/main">
+  <p:cm authorId="1" dt="2018-11-14T18:17:18.936" idx="1">
+    <p:pos x="10" y="10"/>
+    <p:text/>
+    <p:extLst>
+      <p:ext uri="{C676402C-5697-4E1C-873F-D02D1690AC5C}">
+        <p15:threadingInfo xmlns:p15="http://schemas.microsoft.com/office/powerpoint/2012/main" timeZoneBias="-540"/>
+      </p:ext>
+    </p:extLst>
+  </p:cm>
+</p:cmLst>
+</file>
+
+<file path=ppt/comments/comment3.xml><?xml version="1.0" encoding="utf-8"?>
+<p:cmLst xmlns:a="http://schemas.openxmlformats.org/drawingml/2006/main" xmlns:r="http://schemas.openxmlformats.org/officeDocument/2006/relationships" xmlns:p="http://schemas.openxmlformats.org/presentationml/2006/main">
+  <p:cm authorId="1" dt="2018-11-14T18:17:18.936" idx="1">
+    <p:pos x="10" y="10"/>
+    <p:text/>
+    <p:extLst>
+      <p:ext uri="{C676402C-5697-4E1C-873F-D02D1690AC5C}">
+        <p15:threadingInfo xmlns:p15="http://schemas.microsoft.com/office/powerpoint/2012/main" timeZoneBias="-540"/>
+      </p:ext>
+    </p:extLst>
+  </p:cm>
+</p:cmLst>
+</file>
+
+<file path=ppt/comments/comment4.xml><?xml version="1.0" encoding="utf-8"?>
+<p:cmLst xmlns:a="http://schemas.openxmlformats.org/drawingml/2006/main" xmlns:r="http://schemas.openxmlformats.org/officeDocument/2006/relationships" xmlns:p="http://schemas.openxmlformats.org/presentationml/2006/main">
+  <p:cm authorId="1" dt="2018-11-14T18:17:18.936" idx="1">
+    <p:pos x="10" y="10"/>
+    <p:text/>
+    <p:extLst>
+      <p:ext uri="{C676402C-5697-4E1C-873F-D02D1690AC5C}">
+        <p15:threadingInfo xmlns:p15="http://schemas.microsoft.com/office/powerpoint/2012/main" timeZoneBias="-540"/>
+      </p:ext>
+    </p:extLst>
+  </p:cm>
+</p:cmLst>
+</file>
+
 <file path=ppt/notesMasters/notesMaster1.xml><?xml version="1.0" encoding="utf-8"?>
 <p:notesMaster xmlns:a="http://schemas.openxmlformats.org/drawingml/2006/main" xmlns:r="http://schemas.openxmlformats.org/officeDocument/2006/relationships" xmlns:p="http://schemas.openxmlformats.org/presentationml/2006/main">
   <p:cSld>
@@ -228,7 +302,7 @@
           <a:p>
             <a:fld id="{B83E6ACC-2BC2-4696-B17F-58B7A0A446DF}" type="datetimeFigureOut">
               <a:rPr lang="ko-KR" altLang="en-US" smtClean="0"/>
-              <a:t>2018-10-12</a:t>
+              <a:t>2018-11-16</a:t>
             </a:fld>
             <a:endParaRPr lang="ko-KR" altLang="en-US"/>
           </a:p>
@@ -624,7 +698,7 @@
           <a:p>
             <a:fld id="{75886E34-028A-43C2-8D62-DB379F692A64}" type="datetimeFigureOut">
               <a:rPr lang="ko-KR" altLang="en-US" smtClean="0"/>
-              <a:t>2018-10-12</a:t>
+              <a:t>2018-11-16</a:t>
             </a:fld>
             <a:endParaRPr lang="ko-KR" altLang="en-US"/>
           </a:p>
@@ -792,7 +866,7 @@
           <a:p>
             <a:fld id="{75886E34-028A-43C2-8D62-DB379F692A64}" type="datetimeFigureOut">
               <a:rPr lang="ko-KR" altLang="en-US" smtClean="0"/>
-              <a:t>2018-10-12</a:t>
+              <a:t>2018-11-16</a:t>
             </a:fld>
             <a:endParaRPr lang="ko-KR" altLang="en-US"/>
           </a:p>
@@ -970,7 +1044,7 @@
           <a:p>
             <a:fld id="{75886E34-028A-43C2-8D62-DB379F692A64}" type="datetimeFigureOut">
               <a:rPr lang="ko-KR" altLang="en-US" smtClean="0"/>
-              <a:t>2018-10-12</a:t>
+              <a:t>2018-11-16</a:t>
             </a:fld>
             <a:endParaRPr lang="ko-KR" altLang="en-US"/>
           </a:p>
@@ -1138,7 +1212,7 @@
           <a:p>
             <a:fld id="{75886E34-028A-43C2-8D62-DB379F692A64}" type="datetimeFigureOut">
               <a:rPr lang="ko-KR" altLang="en-US" smtClean="0"/>
-              <a:t>2018-10-12</a:t>
+              <a:t>2018-11-16</a:t>
             </a:fld>
             <a:endParaRPr lang="ko-KR" altLang="en-US"/>
           </a:p>
@@ -1383,7 +1457,7 @@
           <a:p>
             <a:fld id="{75886E34-028A-43C2-8D62-DB379F692A64}" type="datetimeFigureOut">
               <a:rPr lang="ko-KR" altLang="en-US" smtClean="0"/>
-              <a:t>2018-10-12</a:t>
+              <a:t>2018-11-16</a:t>
             </a:fld>
             <a:endParaRPr lang="ko-KR" altLang="en-US"/>
           </a:p>
@@ -1612,7 +1686,7 @@
           <a:p>
             <a:fld id="{75886E34-028A-43C2-8D62-DB379F692A64}" type="datetimeFigureOut">
               <a:rPr lang="ko-KR" altLang="en-US" smtClean="0"/>
-              <a:t>2018-10-12</a:t>
+              <a:t>2018-11-16</a:t>
             </a:fld>
             <a:endParaRPr lang="ko-KR" altLang="en-US"/>
           </a:p>
@@ -1976,7 +2050,7 @@
           <a:p>
             <a:fld id="{75886E34-028A-43C2-8D62-DB379F692A64}" type="datetimeFigureOut">
               <a:rPr lang="ko-KR" altLang="en-US" smtClean="0"/>
-              <a:t>2018-10-12</a:t>
+              <a:t>2018-11-16</a:t>
             </a:fld>
             <a:endParaRPr lang="ko-KR" altLang="en-US"/>
           </a:p>
@@ -2093,7 +2167,7 @@
           <a:p>
             <a:fld id="{75886E34-028A-43C2-8D62-DB379F692A64}" type="datetimeFigureOut">
               <a:rPr lang="ko-KR" altLang="en-US" smtClean="0"/>
-              <a:t>2018-10-12</a:t>
+              <a:t>2018-11-16</a:t>
             </a:fld>
             <a:endParaRPr lang="ko-KR" altLang="en-US"/>
           </a:p>
@@ -2188,7 +2262,7 @@
           <a:p>
             <a:fld id="{75886E34-028A-43C2-8D62-DB379F692A64}" type="datetimeFigureOut">
               <a:rPr lang="ko-KR" altLang="en-US" smtClean="0"/>
-              <a:t>2018-10-12</a:t>
+              <a:t>2018-11-16</a:t>
             </a:fld>
             <a:endParaRPr lang="ko-KR" altLang="en-US"/>
           </a:p>
@@ -2463,7 +2537,7 @@
           <a:p>
             <a:fld id="{75886E34-028A-43C2-8D62-DB379F692A64}" type="datetimeFigureOut">
               <a:rPr lang="ko-KR" altLang="en-US" smtClean="0"/>
-              <a:t>2018-10-12</a:t>
+              <a:t>2018-11-16</a:t>
             </a:fld>
             <a:endParaRPr lang="ko-KR" altLang="en-US"/>
           </a:p>
@@ -2715,7 +2789,7 @@
           <a:p>
             <a:fld id="{75886E34-028A-43C2-8D62-DB379F692A64}" type="datetimeFigureOut">
               <a:rPr lang="ko-KR" altLang="en-US" smtClean="0"/>
-              <a:t>2018-10-12</a:t>
+              <a:t>2018-11-16</a:t>
             </a:fld>
             <a:endParaRPr lang="ko-KR" altLang="en-US"/>
           </a:p>
@@ -2926,7 +3000,7 @@
           <a:p>
             <a:fld id="{75886E34-028A-43C2-8D62-DB379F692A64}" type="datetimeFigureOut">
               <a:rPr lang="ko-KR" altLang="en-US" smtClean="0"/>
-              <a:t>2018-10-12</a:t>
+              <a:t>2018-11-16</a:t>
             </a:fld>
             <a:endParaRPr lang="ko-KR" altLang="en-US"/>
           </a:p>
@@ -8405,6 +8479,6019 @@
     <p:extLst>
       <p:ext uri="{BB962C8B-B14F-4D97-AF65-F5344CB8AC3E}">
         <p14:creationId xmlns:p14="http://schemas.microsoft.com/office/powerpoint/2010/main" val="2437725840"/>
+      </p:ext>
+    </p:extLst>
+  </p:cSld>
+  <p:clrMapOvr>
+    <a:masterClrMapping/>
+  </p:clrMapOvr>
+</p:sld>
+</file>
+
+<file path=ppt/slides/slide30.xml><?xml version="1.0" encoding="utf-8"?>
+<p:sld xmlns:a="http://schemas.openxmlformats.org/drawingml/2006/main" xmlns:r="http://schemas.openxmlformats.org/officeDocument/2006/relationships" xmlns:p="http://schemas.openxmlformats.org/presentationml/2006/main">
+  <p:cSld>
+    <p:spTree>
+      <p:nvGrpSpPr>
+        <p:cNvPr id="1" name=""/>
+        <p:cNvGrpSpPr/>
+        <p:nvPr/>
+      </p:nvGrpSpPr>
+      <p:grpSpPr>
+        <a:xfrm>
+          <a:off x="0" y="0"/>
+          <a:ext cx="0" cy="0"/>
+          <a:chOff x="0" y="0"/>
+          <a:chExt cx="0" cy="0"/>
+        </a:xfrm>
+      </p:grpSpPr>
+      <p:sp>
+        <p:nvSpPr>
+          <p:cNvPr id="4" name="타원 3">
+            <a:extLst>
+              <a:ext uri="{FF2B5EF4-FFF2-40B4-BE49-F238E27FC236}">
+                <a16:creationId xmlns:a16="http://schemas.microsoft.com/office/drawing/2014/main" id="{F88841CF-047A-4CEB-9852-4662E4858D5E}"/>
+              </a:ext>
+            </a:extLst>
+          </p:cNvPr>
+          <p:cNvSpPr/>
+          <p:nvPr/>
+        </p:nvSpPr>
+        <p:spPr>
+          <a:xfrm>
+            <a:off x="1034560" y="2577778"/>
+            <a:ext cx="993531" cy="984738"/>
+          </a:xfrm>
+          <a:prstGeom prst="ellipse">
+            <a:avLst/>
+          </a:prstGeom>
+        </p:spPr>
+        <p:style>
+          <a:lnRef idx="2">
+            <a:schemeClr val="accent1">
+              <a:shade val="50000"/>
+            </a:schemeClr>
+          </a:lnRef>
+          <a:fillRef idx="1">
+            <a:schemeClr val="accent1"/>
+          </a:fillRef>
+          <a:effectRef idx="0">
+            <a:schemeClr val="accent1"/>
+          </a:effectRef>
+          <a:fontRef idx="minor">
+            <a:schemeClr val="lt1"/>
+          </a:fontRef>
+        </p:style>
+        <p:txBody>
+          <a:bodyPr rtlCol="0" anchor="ctr"/>
+          <a:lstStyle/>
+          <a:p>
+            <a:pPr algn="ctr"/>
+            <a:r>
+              <a:rPr lang="en-US" altLang="ko-KR" dirty="0"/>
+              <a:t>c2</a:t>
+            </a:r>
+            <a:endParaRPr lang="ko-KR" altLang="en-US" dirty="0"/>
+          </a:p>
+        </p:txBody>
+      </p:sp>
+      <p:sp>
+        <p:nvSpPr>
+          <p:cNvPr id="5" name="타원 4">
+            <a:extLst>
+              <a:ext uri="{FF2B5EF4-FFF2-40B4-BE49-F238E27FC236}">
+                <a16:creationId xmlns:a16="http://schemas.microsoft.com/office/drawing/2014/main" id="{BCC57C4B-34F9-4281-9ADE-12D798169C6B}"/>
+              </a:ext>
+            </a:extLst>
+          </p:cNvPr>
+          <p:cNvSpPr/>
+          <p:nvPr/>
+        </p:nvSpPr>
+        <p:spPr>
+          <a:xfrm>
+            <a:off x="2939560" y="3429000"/>
+            <a:ext cx="993531" cy="984738"/>
+          </a:xfrm>
+          <a:prstGeom prst="ellipse">
+            <a:avLst/>
+          </a:prstGeom>
+        </p:spPr>
+        <p:style>
+          <a:lnRef idx="2">
+            <a:schemeClr val="accent1">
+              <a:shade val="50000"/>
+            </a:schemeClr>
+          </a:lnRef>
+          <a:fillRef idx="1">
+            <a:schemeClr val="accent1"/>
+          </a:fillRef>
+          <a:effectRef idx="0">
+            <a:schemeClr val="accent1"/>
+          </a:effectRef>
+          <a:fontRef idx="minor">
+            <a:schemeClr val="lt1"/>
+          </a:fontRef>
+        </p:style>
+        <p:txBody>
+          <a:bodyPr rtlCol="0" anchor="ctr"/>
+          <a:lstStyle/>
+          <a:p>
+            <a:pPr algn="ctr"/>
+            <a:r>
+              <a:rPr lang="en-US" altLang="ko-KR" dirty="0"/>
+              <a:t>c3</a:t>
+            </a:r>
+            <a:endParaRPr lang="ko-KR" altLang="en-US" dirty="0"/>
+          </a:p>
+        </p:txBody>
+      </p:sp>
+      <p:sp>
+        <p:nvSpPr>
+          <p:cNvPr id="6" name="타원 5">
+            <a:extLst>
+              <a:ext uri="{FF2B5EF4-FFF2-40B4-BE49-F238E27FC236}">
+                <a16:creationId xmlns:a16="http://schemas.microsoft.com/office/drawing/2014/main" id="{BBC9B532-A672-426F-80A9-0D1BE00EA970}"/>
+              </a:ext>
+            </a:extLst>
+          </p:cNvPr>
+          <p:cNvSpPr/>
+          <p:nvPr/>
+        </p:nvSpPr>
+        <p:spPr>
+          <a:xfrm>
+            <a:off x="2860430" y="1840634"/>
+            <a:ext cx="993531" cy="984738"/>
+          </a:xfrm>
+          <a:prstGeom prst="ellipse">
+            <a:avLst/>
+          </a:prstGeom>
+        </p:spPr>
+        <p:style>
+          <a:lnRef idx="2">
+            <a:schemeClr val="accent1">
+              <a:shade val="50000"/>
+            </a:schemeClr>
+          </a:lnRef>
+          <a:fillRef idx="1">
+            <a:schemeClr val="accent1"/>
+          </a:fillRef>
+          <a:effectRef idx="0">
+            <a:schemeClr val="accent1"/>
+          </a:effectRef>
+          <a:fontRef idx="minor">
+            <a:schemeClr val="lt1"/>
+          </a:fontRef>
+        </p:style>
+        <p:txBody>
+          <a:bodyPr rtlCol="0" anchor="ctr"/>
+          <a:lstStyle/>
+          <a:p>
+            <a:pPr algn="ctr"/>
+            <a:r>
+              <a:rPr lang="en-US" altLang="ko-KR" dirty="0"/>
+              <a:t>c4</a:t>
+            </a:r>
+            <a:endParaRPr lang="ko-KR" altLang="en-US" dirty="0"/>
+          </a:p>
+        </p:txBody>
+      </p:sp>
+      <p:sp>
+        <p:nvSpPr>
+          <p:cNvPr id="7" name="TextBox 6">
+            <a:extLst>
+              <a:ext uri="{FF2B5EF4-FFF2-40B4-BE49-F238E27FC236}">
+                <a16:creationId xmlns:a16="http://schemas.microsoft.com/office/drawing/2014/main" id="{0C23AF10-ED06-4FC3-B513-A9D16D0C023C}"/>
+              </a:ext>
+            </a:extLst>
+          </p:cNvPr>
+          <p:cNvSpPr txBox="1"/>
+          <p:nvPr/>
+        </p:nvSpPr>
+        <p:spPr>
+          <a:xfrm>
+            <a:off x="5758962" y="1274885"/>
+            <a:ext cx="879230" cy="369332"/>
+          </a:xfrm>
+          <a:prstGeom prst="rect">
+            <a:avLst/>
+          </a:prstGeom>
+          <a:noFill/>
+        </p:spPr>
+        <p:txBody>
+          <a:bodyPr wrap="square" rtlCol="0">
+            <a:spAutoFit/>
+          </a:bodyPr>
+          <a:lstStyle/>
+          <a:p>
+            <a:r>
+              <a:rPr lang="en-US" altLang="ko-KR" dirty="0"/>
+              <a:t>base</a:t>
+            </a:r>
+            <a:endParaRPr lang="ko-KR" altLang="en-US" dirty="0"/>
+          </a:p>
+        </p:txBody>
+      </p:sp>
+      <p:sp>
+        <p:nvSpPr>
+          <p:cNvPr id="8" name="TextBox 7">
+            <a:extLst>
+              <a:ext uri="{FF2B5EF4-FFF2-40B4-BE49-F238E27FC236}">
+                <a16:creationId xmlns:a16="http://schemas.microsoft.com/office/drawing/2014/main" id="{636A0FF2-CFB8-43E2-AE13-C492E19B7E60}"/>
+              </a:ext>
+            </a:extLst>
+          </p:cNvPr>
+          <p:cNvSpPr txBox="1"/>
+          <p:nvPr/>
+        </p:nvSpPr>
+        <p:spPr>
+          <a:xfrm>
+            <a:off x="7450017" y="1274885"/>
+            <a:ext cx="879230" cy="369332"/>
+          </a:xfrm>
+          <a:prstGeom prst="rect">
+            <a:avLst/>
+          </a:prstGeom>
+          <a:noFill/>
+        </p:spPr>
+        <p:txBody>
+          <a:bodyPr wrap="square" rtlCol="0">
+            <a:spAutoFit/>
+          </a:bodyPr>
+          <a:lstStyle/>
+          <a:p>
+            <a:r>
+              <a:rPr lang="en-US" altLang="ko-KR" dirty="0"/>
+              <a:t>base</a:t>
+            </a:r>
+            <a:endParaRPr lang="ko-KR" altLang="en-US" dirty="0"/>
+          </a:p>
+        </p:txBody>
+      </p:sp>
+      <p:sp>
+        <p:nvSpPr>
+          <p:cNvPr id="9" name="TextBox 8">
+            <a:extLst>
+              <a:ext uri="{FF2B5EF4-FFF2-40B4-BE49-F238E27FC236}">
+                <a16:creationId xmlns:a16="http://schemas.microsoft.com/office/drawing/2014/main" id="{BE99680D-B974-4745-93A4-3BF2B1E1BDBC}"/>
+              </a:ext>
+            </a:extLst>
+          </p:cNvPr>
+          <p:cNvSpPr txBox="1"/>
+          <p:nvPr/>
+        </p:nvSpPr>
+        <p:spPr>
+          <a:xfrm>
+            <a:off x="9334500" y="1274885"/>
+            <a:ext cx="879230" cy="369332"/>
+          </a:xfrm>
+          <a:prstGeom prst="rect">
+            <a:avLst/>
+          </a:prstGeom>
+          <a:noFill/>
+        </p:spPr>
+        <p:txBody>
+          <a:bodyPr wrap="square" rtlCol="0">
+            <a:spAutoFit/>
+          </a:bodyPr>
+          <a:lstStyle/>
+          <a:p>
+            <a:r>
+              <a:rPr lang="en-US" altLang="ko-KR" dirty="0"/>
+              <a:t>base</a:t>
+            </a:r>
+            <a:endParaRPr lang="ko-KR" altLang="en-US" dirty="0"/>
+          </a:p>
+        </p:txBody>
+      </p:sp>
+      <p:sp>
+        <p:nvSpPr>
+          <p:cNvPr id="10" name="TextBox 9">
+            <a:extLst>
+              <a:ext uri="{FF2B5EF4-FFF2-40B4-BE49-F238E27FC236}">
+                <a16:creationId xmlns:a16="http://schemas.microsoft.com/office/drawing/2014/main" id="{B25C5514-D7B8-4692-933E-4A3CA06B9942}"/>
+              </a:ext>
+            </a:extLst>
+          </p:cNvPr>
+          <p:cNvSpPr txBox="1"/>
+          <p:nvPr/>
+        </p:nvSpPr>
+        <p:spPr>
+          <a:xfrm>
+            <a:off x="5758962" y="1799603"/>
+            <a:ext cx="993530" cy="369332"/>
+          </a:xfrm>
+          <a:prstGeom prst="rect">
+            <a:avLst/>
+          </a:prstGeom>
+          <a:noFill/>
+        </p:spPr>
+        <p:txBody>
+          <a:bodyPr wrap="square" rtlCol="0">
+            <a:spAutoFit/>
+          </a:bodyPr>
+          <a:lstStyle/>
+          <a:p>
+            <a:r>
+              <a:rPr lang="en-US" altLang="ko-KR" dirty="0"/>
+              <a:t>a.txt :2</a:t>
+            </a:r>
+            <a:endParaRPr lang="ko-KR" altLang="en-US" dirty="0"/>
+          </a:p>
+        </p:txBody>
+      </p:sp>
+      <p:sp>
+        <p:nvSpPr>
+          <p:cNvPr id="11" name="TextBox 10">
+            <a:extLst>
+              <a:ext uri="{FF2B5EF4-FFF2-40B4-BE49-F238E27FC236}">
+                <a16:creationId xmlns:a16="http://schemas.microsoft.com/office/drawing/2014/main" id="{59E9971C-741A-4157-8E95-9DBD89B7B79F}"/>
+              </a:ext>
+            </a:extLst>
+          </p:cNvPr>
+          <p:cNvSpPr txBox="1"/>
+          <p:nvPr/>
+        </p:nvSpPr>
+        <p:spPr>
+          <a:xfrm>
+            <a:off x="7450017" y="1796617"/>
+            <a:ext cx="1254368" cy="369332"/>
+          </a:xfrm>
+          <a:prstGeom prst="rect">
+            <a:avLst/>
+          </a:prstGeom>
+          <a:noFill/>
+        </p:spPr>
+        <p:txBody>
+          <a:bodyPr wrap="square" rtlCol="0">
+            <a:spAutoFit/>
+          </a:bodyPr>
+          <a:lstStyle/>
+          <a:p>
+            <a:r>
+              <a:rPr lang="en-US" altLang="ko-KR" dirty="0"/>
+              <a:t>Base : 4</a:t>
+            </a:r>
+            <a:endParaRPr lang="ko-KR" altLang="en-US" dirty="0"/>
+          </a:p>
+        </p:txBody>
+      </p:sp>
+      <p:sp>
+        <p:nvSpPr>
+          <p:cNvPr id="12" name="TextBox 11">
+            <a:extLst>
+              <a:ext uri="{FF2B5EF4-FFF2-40B4-BE49-F238E27FC236}">
+                <a16:creationId xmlns:a16="http://schemas.microsoft.com/office/drawing/2014/main" id="{FE7E03C0-F33B-4C41-92C7-73391B5AEB1E}"/>
+              </a:ext>
+            </a:extLst>
+          </p:cNvPr>
+          <p:cNvSpPr txBox="1"/>
+          <p:nvPr/>
+        </p:nvSpPr>
+        <p:spPr>
+          <a:xfrm>
+            <a:off x="9334500" y="1796617"/>
+            <a:ext cx="1128346" cy="369332"/>
+          </a:xfrm>
+          <a:prstGeom prst="rect">
+            <a:avLst/>
+          </a:prstGeom>
+          <a:noFill/>
+        </p:spPr>
+        <p:txBody>
+          <a:bodyPr wrap="square" rtlCol="0">
+            <a:spAutoFit/>
+          </a:bodyPr>
+          <a:lstStyle/>
+          <a:p>
+            <a:r>
+              <a:rPr lang="en-US" altLang="ko-KR" dirty="0"/>
+              <a:t>Base : 3</a:t>
+            </a:r>
+            <a:endParaRPr lang="ko-KR" altLang="en-US" dirty="0"/>
+          </a:p>
+        </p:txBody>
+      </p:sp>
+      <p:cxnSp>
+        <p:nvCxnSpPr>
+          <p:cNvPr id="14" name="직선 화살표 연결선 13">
+            <a:extLst>
+              <a:ext uri="{FF2B5EF4-FFF2-40B4-BE49-F238E27FC236}">
+                <a16:creationId xmlns:a16="http://schemas.microsoft.com/office/drawing/2014/main" id="{673FEAAF-3CB4-4436-8BD0-C8319B1B0EC6}"/>
+              </a:ext>
+            </a:extLst>
+          </p:cNvPr>
+          <p:cNvCxnSpPr>
+            <a:cxnSpLocks/>
+            <a:stCxn id="6" idx="2"/>
+            <a:endCxn id="4" idx="7"/>
+          </p:cNvCxnSpPr>
+          <p:nvPr/>
+        </p:nvCxnSpPr>
+        <p:spPr>
+          <a:xfrm flipH="1">
+            <a:off x="1882592" y="2333003"/>
+            <a:ext cx="977838" cy="388987"/>
+          </a:xfrm>
+          <a:prstGeom prst="straightConnector1">
+            <a:avLst/>
+          </a:prstGeom>
+          <a:ln>
+            <a:tailEnd type="triangle"/>
+          </a:ln>
+        </p:spPr>
+        <p:style>
+          <a:lnRef idx="1">
+            <a:schemeClr val="accent1"/>
+          </a:lnRef>
+          <a:fillRef idx="0">
+            <a:schemeClr val="accent1"/>
+          </a:fillRef>
+          <a:effectRef idx="0">
+            <a:schemeClr val="accent1"/>
+          </a:effectRef>
+          <a:fontRef idx="minor">
+            <a:schemeClr val="tx1"/>
+          </a:fontRef>
+        </p:style>
+      </p:cxnSp>
+      <p:cxnSp>
+        <p:nvCxnSpPr>
+          <p:cNvPr id="17" name="직선 화살표 연결선 16">
+            <a:extLst>
+              <a:ext uri="{FF2B5EF4-FFF2-40B4-BE49-F238E27FC236}">
+                <a16:creationId xmlns:a16="http://schemas.microsoft.com/office/drawing/2014/main" id="{B6118486-042F-4D4F-8CD3-BFB0D5B64F9C}"/>
+              </a:ext>
+            </a:extLst>
+          </p:cNvPr>
+          <p:cNvCxnSpPr>
+            <a:cxnSpLocks/>
+            <a:stCxn id="5" idx="2"/>
+            <a:endCxn id="4" idx="5"/>
+          </p:cNvCxnSpPr>
+          <p:nvPr/>
+        </p:nvCxnSpPr>
+        <p:spPr>
+          <a:xfrm flipH="1" flipV="1">
+            <a:off x="1882592" y="3418304"/>
+            <a:ext cx="1056968" cy="503065"/>
+          </a:xfrm>
+          <a:prstGeom prst="straightConnector1">
+            <a:avLst/>
+          </a:prstGeom>
+          <a:ln>
+            <a:tailEnd type="triangle"/>
+          </a:ln>
+        </p:spPr>
+        <p:style>
+          <a:lnRef idx="1">
+            <a:schemeClr val="accent1"/>
+          </a:lnRef>
+          <a:fillRef idx="0">
+            <a:schemeClr val="accent1"/>
+          </a:fillRef>
+          <a:effectRef idx="0">
+            <a:schemeClr val="accent1"/>
+          </a:effectRef>
+          <a:fontRef idx="minor">
+            <a:schemeClr val="tx1"/>
+          </a:fontRef>
+        </p:style>
+      </p:cxnSp>
+      <p:sp>
+        <p:nvSpPr>
+          <p:cNvPr id="21" name="TextBox 20">
+            <a:extLst>
+              <a:ext uri="{FF2B5EF4-FFF2-40B4-BE49-F238E27FC236}">
+                <a16:creationId xmlns:a16="http://schemas.microsoft.com/office/drawing/2014/main" id="{BB51C2DF-AF7D-4DE1-BC40-C856DBF8D77F}"/>
+              </a:ext>
+            </a:extLst>
+          </p:cNvPr>
+          <p:cNvSpPr txBox="1"/>
+          <p:nvPr/>
+        </p:nvSpPr>
+        <p:spPr>
+          <a:xfrm>
+            <a:off x="5679831" y="2816580"/>
+            <a:ext cx="5029200" cy="646331"/>
+          </a:xfrm>
+          <a:prstGeom prst="rect">
+            <a:avLst/>
+          </a:prstGeom>
+          <a:noFill/>
+        </p:spPr>
+        <p:txBody>
+          <a:bodyPr wrap="square" rtlCol="0">
+            <a:spAutoFit/>
+          </a:bodyPr>
+          <a:lstStyle/>
+          <a:p>
+            <a:r>
+              <a:rPr lang="ko-KR" altLang="en-US" dirty="0"/>
+              <a:t>두 번 비교가 다 다를 경우 </a:t>
+            </a:r>
+            <a:r>
+              <a:rPr lang="en-US" altLang="ko-KR" dirty="0"/>
+              <a:t>-&gt; Merge </a:t>
+            </a:r>
+            <a:r>
+              <a:rPr lang="ko-KR" altLang="en-US" dirty="0"/>
+              <a:t>필요</a:t>
+            </a:r>
+            <a:r>
+              <a:rPr lang="en-US" altLang="ko-KR" dirty="0"/>
+              <a:t>!</a:t>
+            </a:r>
+          </a:p>
+          <a:p>
+            <a:r>
+              <a:rPr lang="ko-KR" altLang="en-US" dirty="0"/>
+              <a:t>자동 </a:t>
+            </a:r>
+            <a:r>
+              <a:rPr lang="en-US" altLang="ko-KR" dirty="0"/>
+              <a:t>merge </a:t>
+            </a:r>
+            <a:r>
+              <a:rPr lang="ko-KR" altLang="en-US" dirty="0"/>
+              <a:t>시도</a:t>
+            </a:r>
+          </a:p>
+        </p:txBody>
+      </p:sp>
+      <p:sp>
+        <p:nvSpPr>
+          <p:cNvPr id="22" name="화살표: 아래쪽 21">
+            <a:extLst>
+              <a:ext uri="{FF2B5EF4-FFF2-40B4-BE49-F238E27FC236}">
+                <a16:creationId xmlns:a16="http://schemas.microsoft.com/office/drawing/2014/main" id="{4B710AD5-B071-4735-A628-022C923E0075}"/>
+              </a:ext>
+            </a:extLst>
+          </p:cNvPr>
+          <p:cNvSpPr/>
+          <p:nvPr/>
+        </p:nvSpPr>
+        <p:spPr>
+          <a:xfrm>
+            <a:off x="7485186" y="2291862"/>
+            <a:ext cx="808892" cy="448408"/>
+          </a:xfrm>
+          <a:prstGeom prst="downArrow">
+            <a:avLst/>
+          </a:prstGeom>
+        </p:spPr>
+        <p:style>
+          <a:lnRef idx="2">
+            <a:schemeClr val="accent1">
+              <a:shade val="50000"/>
+            </a:schemeClr>
+          </a:lnRef>
+          <a:fillRef idx="1">
+            <a:schemeClr val="accent1"/>
+          </a:fillRef>
+          <a:effectRef idx="0">
+            <a:schemeClr val="accent1"/>
+          </a:effectRef>
+          <a:fontRef idx="minor">
+            <a:schemeClr val="lt1"/>
+          </a:fontRef>
+        </p:style>
+        <p:txBody>
+          <a:bodyPr rtlCol="0" anchor="ctr"/>
+          <a:lstStyle/>
+          <a:p>
+            <a:pPr algn="ctr"/>
+            <a:endParaRPr lang="ko-KR" altLang="en-US"/>
+          </a:p>
+        </p:txBody>
+      </p:sp>
+      <p:sp>
+        <p:nvSpPr>
+          <p:cNvPr id="23" name="화살표: 아래쪽 22">
+            <a:extLst>
+              <a:ext uri="{FF2B5EF4-FFF2-40B4-BE49-F238E27FC236}">
+                <a16:creationId xmlns:a16="http://schemas.microsoft.com/office/drawing/2014/main" id="{5A04A6B6-572E-4277-9F35-152478B0355E}"/>
+              </a:ext>
+            </a:extLst>
+          </p:cNvPr>
+          <p:cNvSpPr/>
+          <p:nvPr/>
+        </p:nvSpPr>
+        <p:spPr>
+          <a:xfrm>
+            <a:off x="5932609" y="3703423"/>
+            <a:ext cx="1639766" cy="471170"/>
+          </a:xfrm>
+          <a:prstGeom prst="downArrow">
+            <a:avLst/>
+          </a:prstGeom>
+        </p:spPr>
+        <p:style>
+          <a:lnRef idx="2">
+            <a:schemeClr val="accent1">
+              <a:shade val="50000"/>
+            </a:schemeClr>
+          </a:lnRef>
+          <a:fillRef idx="1">
+            <a:schemeClr val="accent1"/>
+          </a:fillRef>
+          <a:effectRef idx="0">
+            <a:schemeClr val="accent1"/>
+          </a:effectRef>
+          <a:fontRef idx="minor">
+            <a:schemeClr val="lt1"/>
+          </a:fontRef>
+        </p:style>
+        <p:txBody>
+          <a:bodyPr rtlCol="0" anchor="ctr"/>
+          <a:lstStyle/>
+          <a:p>
+            <a:pPr algn="ctr"/>
+            <a:r>
+              <a:rPr lang="en-US" altLang="ko-KR" dirty="0"/>
+              <a:t>ok</a:t>
+            </a:r>
+            <a:endParaRPr lang="ko-KR" altLang="en-US" dirty="0"/>
+          </a:p>
+        </p:txBody>
+      </p:sp>
+      <p:sp>
+        <p:nvSpPr>
+          <p:cNvPr id="24" name="설명선: 아래쪽 화살표 23">
+            <a:extLst>
+              <a:ext uri="{FF2B5EF4-FFF2-40B4-BE49-F238E27FC236}">
+                <a16:creationId xmlns:a16="http://schemas.microsoft.com/office/drawing/2014/main" id="{1239CFAD-D7CC-474E-A943-EEF7E38F8E5C}"/>
+              </a:ext>
+            </a:extLst>
+          </p:cNvPr>
+          <p:cNvSpPr/>
+          <p:nvPr/>
+        </p:nvSpPr>
+        <p:spPr>
+          <a:xfrm>
+            <a:off x="2582007" y="563202"/>
+            <a:ext cx="1550376" cy="929275"/>
+          </a:xfrm>
+          <a:prstGeom prst="downArrowCallout">
+            <a:avLst/>
+          </a:prstGeom>
+        </p:spPr>
+        <p:style>
+          <a:lnRef idx="2">
+            <a:schemeClr val="accent1">
+              <a:shade val="50000"/>
+            </a:schemeClr>
+          </a:lnRef>
+          <a:fillRef idx="1">
+            <a:schemeClr val="accent1"/>
+          </a:fillRef>
+          <a:effectRef idx="0">
+            <a:schemeClr val="accent1"/>
+          </a:effectRef>
+          <a:fontRef idx="minor">
+            <a:schemeClr val="lt1"/>
+          </a:fontRef>
+        </p:style>
+        <p:txBody>
+          <a:bodyPr rtlCol="0" anchor="ctr"/>
+          <a:lstStyle/>
+          <a:p>
+            <a:pPr algn="ctr"/>
+            <a:r>
+              <a:rPr lang="en-US" altLang="ko-KR" dirty="0"/>
+              <a:t>Master</a:t>
+            </a:r>
+            <a:endParaRPr lang="ko-KR" altLang="en-US" dirty="0"/>
+          </a:p>
+        </p:txBody>
+      </p:sp>
+      <p:sp>
+        <p:nvSpPr>
+          <p:cNvPr id="28" name="TextBox 27">
+            <a:extLst>
+              <a:ext uri="{FF2B5EF4-FFF2-40B4-BE49-F238E27FC236}">
+                <a16:creationId xmlns:a16="http://schemas.microsoft.com/office/drawing/2014/main" id="{4CE041D9-EF56-42E3-AAB0-71620D41D26A}"/>
+              </a:ext>
+            </a:extLst>
+          </p:cNvPr>
+          <p:cNvSpPr txBox="1"/>
+          <p:nvPr/>
+        </p:nvSpPr>
+        <p:spPr>
+          <a:xfrm>
+            <a:off x="3050930" y="3055631"/>
+            <a:ext cx="852854" cy="369332"/>
+          </a:xfrm>
+          <a:prstGeom prst="rect">
+            <a:avLst/>
+          </a:prstGeom>
+          <a:noFill/>
+        </p:spPr>
+        <p:txBody>
+          <a:bodyPr wrap="square" rtlCol="0">
+            <a:spAutoFit/>
+          </a:bodyPr>
+          <a:lstStyle/>
+          <a:p>
+            <a:r>
+              <a:rPr lang="en-US" altLang="ko-KR" dirty="0"/>
+              <a:t>main</a:t>
+            </a:r>
+            <a:endParaRPr lang="ko-KR" altLang="en-US" dirty="0"/>
+          </a:p>
+        </p:txBody>
+      </p:sp>
+      <p:sp>
+        <p:nvSpPr>
+          <p:cNvPr id="29" name="TextBox 28">
+            <a:extLst>
+              <a:ext uri="{FF2B5EF4-FFF2-40B4-BE49-F238E27FC236}">
+                <a16:creationId xmlns:a16="http://schemas.microsoft.com/office/drawing/2014/main" id="{22B752EE-9A5B-4A58-9AA5-770B559C3040}"/>
+              </a:ext>
+            </a:extLst>
+          </p:cNvPr>
+          <p:cNvSpPr txBox="1"/>
+          <p:nvPr/>
+        </p:nvSpPr>
+        <p:spPr>
+          <a:xfrm>
+            <a:off x="3001107" y="1465954"/>
+            <a:ext cx="852854" cy="369332"/>
+          </a:xfrm>
+          <a:prstGeom prst="rect">
+            <a:avLst/>
+          </a:prstGeom>
+          <a:noFill/>
+        </p:spPr>
+        <p:txBody>
+          <a:bodyPr wrap="square" rtlCol="0">
+            <a:spAutoFit/>
+          </a:bodyPr>
+          <a:lstStyle/>
+          <a:p>
+            <a:r>
+              <a:rPr lang="en-US" altLang="ko-KR" dirty="0"/>
+              <a:t>main</a:t>
+            </a:r>
+            <a:endParaRPr lang="ko-KR" altLang="en-US" dirty="0"/>
+          </a:p>
+        </p:txBody>
+      </p:sp>
+      <p:sp>
+        <p:nvSpPr>
+          <p:cNvPr id="30" name="TextBox 29">
+            <a:extLst>
+              <a:ext uri="{FF2B5EF4-FFF2-40B4-BE49-F238E27FC236}">
+                <a16:creationId xmlns:a16="http://schemas.microsoft.com/office/drawing/2014/main" id="{80A20AEA-C378-4EB7-BDAC-CC96450BBDE2}"/>
+              </a:ext>
+            </a:extLst>
+          </p:cNvPr>
+          <p:cNvSpPr txBox="1"/>
+          <p:nvPr/>
+        </p:nvSpPr>
+        <p:spPr>
+          <a:xfrm>
+            <a:off x="6271113" y="4602745"/>
+            <a:ext cx="1301262" cy="369332"/>
+          </a:xfrm>
+          <a:prstGeom prst="rect">
+            <a:avLst/>
+          </a:prstGeom>
+          <a:noFill/>
+        </p:spPr>
+        <p:txBody>
+          <a:bodyPr wrap="square" rtlCol="0">
+            <a:spAutoFit/>
+          </a:bodyPr>
+          <a:lstStyle/>
+          <a:p>
+            <a:r>
+              <a:rPr lang="en-US" altLang="ko-KR" dirty="0" err="1"/>
+              <a:t>gogo</a:t>
+            </a:r>
+            <a:endParaRPr lang="ko-KR" altLang="en-US" dirty="0"/>
+          </a:p>
+        </p:txBody>
+      </p:sp>
+      <p:sp>
+        <p:nvSpPr>
+          <p:cNvPr id="31" name="화살표: 아래쪽 30">
+            <a:extLst>
+              <a:ext uri="{FF2B5EF4-FFF2-40B4-BE49-F238E27FC236}">
+                <a16:creationId xmlns:a16="http://schemas.microsoft.com/office/drawing/2014/main" id="{E3D2276F-8FBE-42E5-AABE-83FAC446B0AE}"/>
+              </a:ext>
+            </a:extLst>
+          </p:cNvPr>
+          <p:cNvSpPr/>
+          <p:nvPr/>
+        </p:nvSpPr>
+        <p:spPr>
+          <a:xfrm>
+            <a:off x="8704385" y="3692769"/>
+            <a:ext cx="1758461" cy="471170"/>
+          </a:xfrm>
+          <a:prstGeom prst="downArrow">
+            <a:avLst/>
+          </a:prstGeom>
+        </p:spPr>
+        <p:style>
+          <a:lnRef idx="2">
+            <a:schemeClr val="accent1">
+              <a:shade val="50000"/>
+            </a:schemeClr>
+          </a:lnRef>
+          <a:fillRef idx="1">
+            <a:schemeClr val="accent1"/>
+          </a:fillRef>
+          <a:effectRef idx="0">
+            <a:schemeClr val="accent1"/>
+          </a:effectRef>
+          <a:fontRef idx="minor">
+            <a:schemeClr val="lt1"/>
+          </a:fontRef>
+        </p:style>
+        <p:txBody>
+          <a:bodyPr rtlCol="0" anchor="ctr"/>
+          <a:lstStyle/>
+          <a:p>
+            <a:pPr algn="ctr"/>
+            <a:r>
+              <a:rPr lang="en-US" altLang="ko-KR" dirty="0"/>
+              <a:t>Nope</a:t>
+            </a:r>
+            <a:endParaRPr lang="ko-KR" altLang="en-US" dirty="0"/>
+          </a:p>
+        </p:txBody>
+      </p:sp>
+      <p:sp>
+        <p:nvSpPr>
+          <p:cNvPr id="32" name="폭발: 14pt 31">
+            <a:extLst>
+              <a:ext uri="{FF2B5EF4-FFF2-40B4-BE49-F238E27FC236}">
+                <a16:creationId xmlns:a16="http://schemas.microsoft.com/office/drawing/2014/main" id="{6DFC479D-8726-4458-94DB-1FE13852129A}"/>
+              </a:ext>
+            </a:extLst>
+          </p:cNvPr>
+          <p:cNvSpPr/>
+          <p:nvPr/>
+        </p:nvSpPr>
+        <p:spPr>
+          <a:xfrm>
+            <a:off x="8634046" y="4413738"/>
+            <a:ext cx="2189285" cy="747347"/>
+          </a:xfrm>
+          <a:prstGeom prst="irregularSeal2">
+            <a:avLst/>
+          </a:prstGeom>
+          <a:solidFill>
+            <a:srgbClr val="C00000"/>
+          </a:solidFill>
+        </p:spPr>
+        <p:style>
+          <a:lnRef idx="2">
+            <a:schemeClr val="accent1">
+              <a:shade val="50000"/>
+            </a:schemeClr>
+          </a:lnRef>
+          <a:fillRef idx="1">
+            <a:schemeClr val="accent1"/>
+          </a:fillRef>
+          <a:effectRef idx="0">
+            <a:schemeClr val="accent1"/>
+          </a:effectRef>
+          <a:fontRef idx="minor">
+            <a:schemeClr val="lt1"/>
+          </a:fontRef>
+        </p:style>
+        <p:txBody>
+          <a:bodyPr rtlCol="0" anchor="ctr"/>
+          <a:lstStyle/>
+          <a:p>
+            <a:pPr algn="ctr"/>
+            <a:r>
+              <a:rPr lang="en-US" altLang="ko-KR" dirty="0"/>
+              <a:t>conflict</a:t>
+            </a:r>
+            <a:endParaRPr lang="ko-KR" altLang="en-US" dirty="0"/>
+          </a:p>
+        </p:txBody>
+      </p:sp>
+      <p:sp>
+        <p:nvSpPr>
+          <p:cNvPr id="33" name="TextBox 32">
+            <a:extLst>
+              <a:ext uri="{FF2B5EF4-FFF2-40B4-BE49-F238E27FC236}">
+                <a16:creationId xmlns:a16="http://schemas.microsoft.com/office/drawing/2014/main" id="{7DD4151D-B924-46CA-BFD5-A0E2098874B9}"/>
+              </a:ext>
+            </a:extLst>
+          </p:cNvPr>
+          <p:cNvSpPr txBox="1"/>
+          <p:nvPr/>
+        </p:nvSpPr>
+        <p:spPr>
+          <a:xfrm>
+            <a:off x="0" y="104250"/>
+            <a:ext cx="2212730" cy="369332"/>
+          </a:xfrm>
+          <a:prstGeom prst="rect">
+            <a:avLst/>
+          </a:prstGeom>
+          <a:noFill/>
+        </p:spPr>
+        <p:txBody>
+          <a:bodyPr wrap="square" rtlCol="0">
+            <a:spAutoFit/>
+          </a:bodyPr>
+          <a:lstStyle/>
+          <a:p>
+            <a:r>
+              <a:rPr lang="en-US" altLang="ko-KR" dirty="0"/>
+              <a:t>3 way merge</a:t>
+            </a:r>
+            <a:endParaRPr lang="ko-KR" altLang="en-US" dirty="0"/>
+          </a:p>
+        </p:txBody>
+      </p:sp>
+    </p:spTree>
+    <p:extLst>
+      <p:ext uri="{BB962C8B-B14F-4D97-AF65-F5344CB8AC3E}">
+        <p14:creationId xmlns:p14="http://schemas.microsoft.com/office/powerpoint/2010/main" val="527337363"/>
+      </p:ext>
+    </p:extLst>
+  </p:cSld>
+  <p:clrMapOvr>
+    <a:masterClrMapping/>
+  </p:clrMapOvr>
+</p:sld>
+</file>
+
+<file path=ppt/slides/slide31.xml><?xml version="1.0" encoding="utf-8"?>
+<p:sld xmlns:a="http://schemas.openxmlformats.org/drawingml/2006/main" xmlns:r="http://schemas.openxmlformats.org/officeDocument/2006/relationships" xmlns:p="http://schemas.openxmlformats.org/presentationml/2006/main">
+  <p:cSld>
+    <p:spTree>
+      <p:nvGrpSpPr>
+        <p:cNvPr id="1" name=""/>
+        <p:cNvGrpSpPr/>
+        <p:nvPr/>
+      </p:nvGrpSpPr>
+      <p:grpSpPr>
+        <a:xfrm>
+          <a:off x="0" y="0"/>
+          <a:ext cx="0" cy="0"/>
+          <a:chOff x="0" y="0"/>
+          <a:chExt cx="0" cy="0"/>
+        </a:xfrm>
+      </p:grpSpPr>
+      <p:sp>
+        <p:nvSpPr>
+          <p:cNvPr id="4" name="타원 3">
+            <a:extLst>
+              <a:ext uri="{FF2B5EF4-FFF2-40B4-BE49-F238E27FC236}">
+                <a16:creationId xmlns:a16="http://schemas.microsoft.com/office/drawing/2014/main" id="{F88841CF-047A-4CEB-9852-4662E4858D5E}"/>
+              </a:ext>
+            </a:extLst>
+          </p:cNvPr>
+          <p:cNvSpPr/>
+          <p:nvPr/>
+        </p:nvSpPr>
+        <p:spPr>
+          <a:xfrm>
+            <a:off x="744780" y="1905920"/>
+            <a:ext cx="993531" cy="984738"/>
+          </a:xfrm>
+          <a:prstGeom prst="ellipse">
+            <a:avLst/>
+          </a:prstGeom>
+        </p:spPr>
+        <p:style>
+          <a:lnRef idx="2">
+            <a:schemeClr val="accent1">
+              <a:shade val="50000"/>
+            </a:schemeClr>
+          </a:lnRef>
+          <a:fillRef idx="1">
+            <a:schemeClr val="accent1"/>
+          </a:fillRef>
+          <a:effectRef idx="0">
+            <a:schemeClr val="accent1"/>
+          </a:effectRef>
+          <a:fontRef idx="minor">
+            <a:schemeClr val="lt1"/>
+          </a:fontRef>
+        </p:style>
+        <p:txBody>
+          <a:bodyPr rtlCol="0" anchor="ctr"/>
+          <a:lstStyle/>
+          <a:p>
+            <a:pPr algn="ctr"/>
+            <a:r>
+              <a:rPr lang="en-US" altLang="ko-KR" dirty="0"/>
+              <a:t>c2</a:t>
+            </a:r>
+            <a:endParaRPr lang="ko-KR" altLang="en-US" dirty="0"/>
+          </a:p>
+        </p:txBody>
+      </p:sp>
+      <p:sp>
+        <p:nvSpPr>
+          <p:cNvPr id="5" name="타원 4">
+            <a:extLst>
+              <a:ext uri="{FF2B5EF4-FFF2-40B4-BE49-F238E27FC236}">
+                <a16:creationId xmlns:a16="http://schemas.microsoft.com/office/drawing/2014/main" id="{BCC57C4B-34F9-4281-9ADE-12D798169C6B}"/>
+              </a:ext>
+            </a:extLst>
+          </p:cNvPr>
+          <p:cNvSpPr/>
+          <p:nvPr/>
+        </p:nvSpPr>
+        <p:spPr>
+          <a:xfrm>
+            <a:off x="2649780" y="2757142"/>
+            <a:ext cx="993531" cy="984738"/>
+          </a:xfrm>
+          <a:prstGeom prst="ellipse">
+            <a:avLst/>
+          </a:prstGeom>
+        </p:spPr>
+        <p:style>
+          <a:lnRef idx="2">
+            <a:schemeClr val="accent1">
+              <a:shade val="50000"/>
+            </a:schemeClr>
+          </a:lnRef>
+          <a:fillRef idx="1">
+            <a:schemeClr val="accent1"/>
+          </a:fillRef>
+          <a:effectRef idx="0">
+            <a:schemeClr val="accent1"/>
+          </a:effectRef>
+          <a:fontRef idx="minor">
+            <a:schemeClr val="lt1"/>
+          </a:fontRef>
+        </p:style>
+        <p:txBody>
+          <a:bodyPr rtlCol="0" anchor="ctr"/>
+          <a:lstStyle/>
+          <a:p>
+            <a:pPr algn="ctr"/>
+            <a:r>
+              <a:rPr lang="en-US" altLang="ko-KR" dirty="0"/>
+              <a:t>c3</a:t>
+            </a:r>
+            <a:endParaRPr lang="ko-KR" altLang="en-US" dirty="0"/>
+          </a:p>
+        </p:txBody>
+      </p:sp>
+      <p:sp>
+        <p:nvSpPr>
+          <p:cNvPr id="7" name="TextBox 6">
+            <a:extLst>
+              <a:ext uri="{FF2B5EF4-FFF2-40B4-BE49-F238E27FC236}">
+                <a16:creationId xmlns:a16="http://schemas.microsoft.com/office/drawing/2014/main" id="{0C23AF10-ED06-4FC3-B513-A9D16D0C023C}"/>
+              </a:ext>
+            </a:extLst>
+          </p:cNvPr>
+          <p:cNvSpPr txBox="1"/>
+          <p:nvPr/>
+        </p:nvSpPr>
+        <p:spPr>
+          <a:xfrm>
+            <a:off x="5758962" y="1274885"/>
+            <a:ext cx="879230" cy="369332"/>
+          </a:xfrm>
+          <a:prstGeom prst="rect">
+            <a:avLst/>
+          </a:prstGeom>
+          <a:noFill/>
+        </p:spPr>
+        <p:txBody>
+          <a:bodyPr wrap="square" rtlCol="0">
+            <a:spAutoFit/>
+          </a:bodyPr>
+          <a:lstStyle/>
+          <a:p>
+            <a:r>
+              <a:rPr lang="en-US" altLang="ko-KR" dirty="0">
+                <a:solidFill>
+                  <a:srgbClr val="FF0000"/>
+                </a:solidFill>
+              </a:rPr>
+              <a:t>base</a:t>
+            </a:r>
+            <a:endParaRPr lang="ko-KR" altLang="en-US" dirty="0">
+              <a:solidFill>
+                <a:srgbClr val="FF0000"/>
+              </a:solidFill>
+            </a:endParaRPr>
+          </a:p>
+        </p:txBody>
+      </p:sp>
+      <p:sp>
+        <p:nvSpPr>
+          <p:cNvPr id="8" name="TextBox 7">
+            <a:extLst>
+              <a:ext uri="{FF2B5EF4-FFF2-40B4-BE49-F238E27FC236}">
+                <a16:creationId xmlns:a16="http://schemas.microsoft.com/office/drawing/2014/main" id="{636A0FF2-CFB8-43E2-AE13-C492E19B7E60}"/>
+              </a:ext>
+            </a:extLst>
+          </p:cNvPr>
+          <p:cNvSpPr txBox="1"/>
+          <p:nvPr/>
+        </p:nvSpPr>
+        <p:spPr>
+          <a:xfrm>
+            <a:off x="7450017" y="1274885"/>
+            <a:ext cx="879230" cy="369332"/>
+          </a:xfrm>
+          <a:prstGeom prst="rect">
+            <a:avLst/>
+          </a:prstGeom>
+          <a:noFill/>
+        </p:spPr>
+        <p:txBody>
+          <a:bodyPr wrap="square" rtlCol="0">
+            <a:spAutoFit/>
+          </a:bodyPr>
+          <a:lstStyle/>
+          <a:p>
+            <a:r>
+              <a:rPr lang="en-US" altLang="ko-KR" dirty="0">
+                <a:solidFill>
+                  <a:srgbClr val="FF0000"/>
+                </a:solidFill>
+              </a:rPr>
+              <a:t>Main</a:t>
+            </a:r>
+            <a:endParaRPr lang="ko-KR" altLang="en-US" dirty="0">
+              <a:solidFill>
+                <a:srgbClr val="FF0000"/>
+              </a:solidFill>
+            </a:endParaRPr>
+          </a:p>
+        </p:txBody>
+      </p:sp>
+      <p:sp>
+        <p:nvSpPr>
+          <p:cNvPr id="9" name="TextBox 8">
+            <a:extLst>
+              <a:ext uri="{FF2B5EF4-FFF2-40B4-BE49-F238E27FC236}">
+                <a16:creationId xmlns:a16="http://schemas.microsoft.com/office/drawing/2014/main" id="{BE99680D-B974-4745-93A4-3BF2B1E1BDBC}"/>
+              </a:ext>
+            </a:extLst>
+          </p:cNvPr>
+          <p:cNvSpPr txBox="1"/>
+          <p:nvPr/>
+        </p:nvSpPr>
+        <p:spPr>
+          <a:xfrm>
+            <a:off x="9334500" y="1274885"/>
+            <a:ext cx="879230" cy="369332"/>
+          </a:xfrm>
+          <a:prstGeom prst="rect">
+            <a:avLst/>
+          </a:prstGeom>
+          <a:noFill/>
+        </p:spPr>
+        <p:txBody>
+          <a:bodyPr wrap="square" rtlCol="0">
+            <a:spAutoFit/>
+          </a:bodyPr>
+          <a:lstStyle/>
+          <a:p>
+            <a:r>
+              <a:rPr lang="en-US" altLang="ko-KR" dirty="0">
+                <a:solidFill>
+                  <a:srgbClr val="FF0000"/>
+                </a:solidFill>
+              </a:rPr>
+              <a:t>Sub</a:t>
+            </a:r>
+            <a:endParaRPr lang="ko-KR" altLang="en-US" dirty="0">
+              <a:solidFill>
+                <a:srgbClr val="FF0000"/>
+              </a:solidFill>
+            </a:endParaRPr>
+          </a:p>
+        </p:txBody>
+      </p:sp>
+      <p:sp>
+        <p:nvSpPr>
+          <p:cNvPr id="10" name="TextBox 9">
+            <a:extLst>
+              <a:ext uri="{FF2B5EF4-FFF2-40B4-BE49-F238E27FC236}">
+                <a16:creationId xmlns:a16="http://schemas.microsoft.com/office/drawing/2014/main" id="{B25C5514-D7B8-4692-933E-4A3CA06B9942}"/>
+              </a:ext>
+            </a:extLst>
+          </p:cNvPr>
+          <p:cNvSpPr txBox="1"/>
+          <p:nvPr/>
+        </p:nvSpPr>
+        <p:spPr>
+          <a:xfrm>
+            <a:off x="5758962" y="1799603"/>
+            <a:ext cx="993530" cy="369332"/>
+          </a:xfrm>
+          <a:prstGeom prst="rect">
+            <a:avLst/>
+          </a:prstGeom>
+          <a:noFill/>
+        </p:spPr>
+        <p:txBody>
+          <a:bodyPr wrap="square" rtlCol="0">
+            <a:spAutoFit/>
+          </a:bodyPr>
+          <a:lstStyle/>
+          <a:p>
+            <a:r>
+              <a:rPr lang="en-US" altLang="ko-KR" dirty="0"/>
+              <a:t>a.txt :2</a:t>
+            </a:r>
+            <a:endParaRPr lang="ko-KR" altLang="en-US" dirty="0"/>
+          </a:p>
+        </p:txBody>
+      </p:sp>
+      <p:sp>
+        <p:nvSpPr>
+          <p:cNvPr id="11" name="TextBox 10">
+            <a:extLst>
+              <a:ext uri="{FF2B5EF4-FFF2-40B4-BE49-F238E27FC236}">
+                <a16:creationId xmlns:a16="http://schemas.microsoft.com/office/drawing/2014/main" id="{59E9971C-741A-4157-8E95-9DBD89B7B79F}"/>
+              </a:ext>
+            </a:extLst>
+          </p:cNvPr>
+          <p:cNvSpPr txBox="1"/>
+          <p:nvPr/>
+        </p:nvSpPr>
+        <p:spPr>
+          <a:xfrm>
+            <a:off x="7450017" y="1796617"/>
+            <a:ext cx="1254368" cy="369332"/>
+          </a:xfrm>
+          <a:prstGeom prst="rect">
+            <a:avLst/>
+          </a:prstGeom>
+          <a:noFill/>
+        </p:spPr>
+        <p:txBody>
+          <a:bodyPr wrap="square" rtlCol="0">
+            <a:spAutoFit/>
+          </a:bodyPr>
+          <a:lstStyle/>
+          <a:p>
+            <a:r>
+              <a:rPr lang="en-US" altLang="ko-KR" dirty="0"/>
+              <a:t>Base : 4</a:t>
+            </a:r>
+            <a:endParaRPr lang="ko-KR" altLang="en-US" dirty="0"/>
+          </a:p>
+        </p:txBody>
+      </p:sp>
+      <p:sp>
+        <p:nvSpPr>
+          <p:cNvPr id="12" name="TextBox 11">
+            <a:extLst>
+              <a:ext uri="{FF2B5EF4-FFF2-40B4-BE49-F238E27FC236}">
+                <a16:creationId xmlns:a16="http://schemas.microsoft.com/office/drawing/2014/main" id="{FE7E03C0-F33B-4C41-92C7-73391B5AEB1E}"/>
+              </a:ext>
+            </a:extLst>
+          </p:cNvPr>
+          <p:cNvSpPr txBox="1"/>
+          <p:nvPr/>
+        </p:nvSpPr>
+        <p:spPr>
+          <a:xfrm>
+            <a:off x="9334500" y="1796617"/>
+            <a:ext cx="1128346" cy="369332"/>
+          </a:xfrm>
+          <a:prstGeom prst="rect">
+            <a:avLst/>
+          </a:prstGeom>
+          <a:noFill/>
+        </p:spPr>
+        <p:txBody>
+          <a:bodyPr wrap="square" rtlCol="0">
+            <a:spAutoFit/>
+          </a:bodyPr>
+          <a:lstStyle/>
+          <a:p>
+            <a:r>
+              <a:rPr lang="en-US" altLang="ko-KR" dirty="0"/>
+              <a:t>Base : 3</a:t>
+            </a:r>
+            <a:endParaRPr lang="ko-KR" altLang="en-US" dirty="0"/>
+          </a:p>
+        </p:txBody>
+      </p:sp>
+      <p:cxnSp>
+        <p:nvCxnSpPr>
+          <p:cNvPr id="17" name="직선 화살표 연결선 16">
+            <a:extLst>
+              <a:ext uri="{FF2B5EF4-FFF2-40B4-BE49-F238E27FC236}">
+                <a16:creationId xmlns:a16="http://schemas.microsoft.com/office/drawing/2014/main" id="{B6118486-042F-4D4F-8CD3-BFB0D5B64F9C}"/>
+              </a:ext>
+            </a:extLst>
+          </p:cNvPr>
+          <p:cNvCxnSpPr>
+            <a:cxnSpLocks/>
+            <a:stCxn id="5" idx="2"/>
+            <a:endCxn id="4" idx="5"/>
+          </p:cNvCxnSpPr>
+          <p:nvPr/>
+        </p:nvCxnSpPr>
+        <p:spPr>
+          <a:xfrm flipH="1" flipV="1">
+            <a:off x="1592812" y="2746446"/>
+            <a:ext cx="1056968" cy="503065"/>
+          </a:xfrm>
+          <a:prstGeom prst="straightConnector1">
+            <a:avLst/>
+          </a:prstGeom>
+          <a:ln>
+            <a:tailEnd type="triangle"/>
+          </a:ln>
+        </p:spPr>
+        <p:style>
+          <a:lnRef idx="1">
+            <a:schemeClr val="accent1"/>
+          </a:lnRef>
+          <a:fillRef idx="0">
+            <a:schemeClr val="accent1"/>
+          </a:fillRef>
+          <a:effectRef idx="0">
+            <a:schemeClr val="accent1"/>
+          </a:effectRef>
+          <a:fontRef idx="minor">
+            <a:schemeClr val="tx1"/>
+          </a:fontRef>
+        </p:style>
+      </p:cxnSp>
+      <p:sp>
+        <p:nvSpPr>
+          <p:cNvPr id="21" name="TextBox 20">
+            <a:extLst>
+              <a:ext uri="{FF2B5EF4-FFF2-40B4-BE49-F238E27FC236}">
+                <a16:creationId xmlns:a16="http://schemas.microsoft.com/office/drawing/2014/main" id="{BB51C2DF-AF7D-4DE1-BC40-C856DBF8D77F}"/>
+              </a:ext>
+            </a:extLst>
+          </p:cNvPr>
+          <p:cNvSpPr txBox="1"/>
+          <p:nvPr/>
+        </p:nvSpPr>
+        <p:spPr>
+          <a:xfrm>
+            <a:off x="4906108" y="2852514"/>
+            <a:ext cx="5917223" cy="369332"/>
+          </a:xfrm>
+          <a:prstGeom prst="rect">
+            <a:avLst/>
+          </a:prstGeom>
+          <a:noFill/>
+        </p:spPr>
+        <p:txBody>
+          <a:bodyPr wrap="square" rtlCol="0">
+            <a:spAutoFit/>
+          </a:bodyPr>
+          <a:lstStyle/>
+          <a:p>
+            <a:r>
+              <a:rPr lang="ko-KR" altLang="en-US" dirty="0"/>
+              <a:t>두 번 비교가 하나만 다를 경우 </a:t>
+            </a:r>
+            <a:r>
+              <a:rPr lang="en-US" altLang="ko-KR" dirty="0"/>
+              <a:t>-&gt; </a:t>
+            </a:r>
+            <a:r>
+              <a:rPr lang="ko-KR" altLang="en-US" dirty="0"/>
+              <a:t>다른 놈이 우선시 됨</a:t>
+            </a:r>
+            <a:r>
+              <a:rPr lang="en-US" altLang="ko-KR" dirty="0"/>
+              <a:t>.</a:t>
+            </a:r>
+            <a:endParaRPr lang="ko-KR" altLang="en-US" dirty="0"/>
+          </a:p>
+        </p:txBody>
+      </p:sp>
+      <p:sp>
+        <p:nvSpPr>
+          <p:cNvPr id="22" name="화살표: 아래쪽 21">
+            <a:extLst>
+              <a:ext uri="{FF2B5EF4-FFF2-40B4-BE49-F238E27FC236}">
+                <a16:creationId xmlns:a16="http://schemas.microsoft.com/office/drawing/2014/main" id="{4B710AD5-B071-4735-A628-022C923E0075}"/>
+              </a:ext>
+            </a:extLst>
+          </p:cNvPr>
+          <p:cNvSpPr/>
+          <p:nvPr/>
+        </p:nvSpPr>
+        <p:spPr>
+          <a:xfrm>
+            <a:off x="7485186" y="2291862"/>
+            <a:ext cx="808892" cy="448408"/>
+          </a:xfrm>
+          <a:prstGeom prst="downArrow">
+            <a:avLst/>
+          </a:prstGeom>
+        </p:spPr>
+        <p:style>
+          <a:lnRef idx="2">
+            <a:schemeClr val="accent1">
+              <a:shade val="50000"/>
+            </a:schemeClr>
+          </a:lnRef>
+          <a:fillRef idx="1">
+            <a:schemeClr val="accent1"/>
+          </a:fillRef>
+          <a:effectRef idx="0">
+            <a:schemeClr val="accent1"/>
+          </a:effectRef>
+          <a:fontRef idx="minor">
+            <a:schemeClr val="lt1"/>
+          </a:fontRef>
+        </p:style>
+        <p:txBody>
+          <a:bodyPr rtlCol="0" anchor="ctr"/>
+          <a:lstStyle/>
+          <a:p>
+            <a:pPr algn="ctr"/>
+            <a:endParaRPr lang="ko-KR" altLang="en-US"/>
+          </a:p>
+        </p:txBody>
+      </p:sp>
+      <p:sp>
+        <p:nvSpPr>
+          <p:cNvPr id="24" name="설명선: 아래쪽 화살표 23">
+            <a:extLst>
+              <a:ext uri="{FF2B5EF4-FFF2-40B4-BE49-F238E27FC236}">
+                <a16:creationId xmlns:a16="http://schemas.microsoft.com/office/drawing/2014/main" id="{1239CFAD-D7CC-474E-A943-EEF7E38F8E5C}"/>
+              </a:ext>
+            </a:extLst>
+          </p:cNvPr>
+          <p:cNvSpPr/>
+          <p:nvPr/>
+        </p:nvSpPr>
+        <p:spPr>
+          <a:xfrm>
+            <a:off x="463426" y="787693"/>
+            <a:ext cx="1550376" cy="929275"/>
+          </a:xfrm>
+          <a:prstGeom prst="downArrowCallout">
+            <a:avLst/>
+          </a:prstGeom>
+        </p:spPr>
+        <p:style>
+          <a:lnRef idx="2">
+            <a:schemeClr val="accent1">
+              <a:shade val="50000"/>
+            </a:schemeClr>
+          </a:lnRef>
+          <a:fillRef idx="1">
+            <a:schemeClr val="accent1"/>
+          </a:fillRef>
+          <a:effectRef idx="0">
+            <a:schemeClr val="accent1"/>
+          </a:effectRef>
+          <a:fontRef idx="minor">
+            <a:schemeClr val="lt1"/>
+          </a:fontRef>
+        </p:style>
+        <p:txBody>
+          <a:bodyPr rtlCol="0" anchor="ctr"/>
+          <a:lstStyle/>
+          <a:p>
+            <a:pPr algn="ctr"/>
+            <a:r>
+              <a:rPr lang="en-US" altLang="ko-KR" dirty="0"/>
+              <a:t>Master</a:t>
+            </a:r>
+            <a:endParaRPr lang="ko-KR" altLang="en-US" dirty="0"/>
+          </a:p>
+        </p:txBody>
+      </p:sp>
+      <p:sp>
+        <p:nvSpPr>
+          <p:cNvPr id="28" name="TextBox 27">
+            <a:extLst>
+              <a:ext uri="{FF2B5EF4-FFF2-40B4-BE49-F238E27FC236}">
+                <a16:creationId xmlns:a16="http://schemas.microsoft.com/office/drawing/2014/main" id="{4CE041D9-EF56-42E3-AAB0-71620D41D26A}"/>
+              </a:ext>
+            </a:extLst>
+          </p:cNvPr>
+          <p:cNvSpPr txBox="1"/>
+          <p:nvPr/>
+        </p:nvSpPr>
+        <p:spPr>
+          <a:xfrm>
+            <a:off x="1496523" y="1721254"/>
+            <a:ext cx="852854" cy="369332"/>
+          </a:xfrm>
+          <a:prstGeom prst="rect">
+            <a:avLst/>
+          </a:prstGeom>
+          <a:noFill/>
+        </p:spPr>
+        <p:txBody>
+          <a:bodyPr wrap="square" rtlCol="0">
+            <a:spAutoFit/>
+          </a:bodyPr>
+          <a:lstStyle/>
+          <a:p>
+            <a:r>
+              <a:rPr lang="en-US" altLang="ko-KR" dirty="0"/>
+              <a:t>main</a:t>
+            </a:r>
+            <a:endParaRPr lang="ko-KR" altLang="en-US" dirty="0"/>
+          </a:p>
+        </p:txBody>
+      </p:sp>
+      <p:sp>
+        <p:nvSpPr>
+          <p:cNvPr id="31" name="화살표: 아래쪽 30">
+            <a:extLst>
+              <a:ext uri="{FF2B5EF4-FFF2-40B4-BE49-F238E27FC236}">
+                <a16:creationId xmlns:a16="http://schemas.microsoft.com/office/drawing/2014/main" id="{E3D2276F-8FBE-42E5-AABE-83FAC446B0AE}"/>
+              </a:ext>
+            </a:extLst>
+          </p:cNvPr>
+          <p:cNvSpPr/>
+          <p:nvPr/>
+        </p:nvSpPr>
+        <p:spPr>
+          <a:xfrm>
+            <a:off x="7323994" y="3763130"/>
+            <a:ext cx="1056968" cy="471170"/>
+          </a:xfrm>
+          <a:prstGeom prst="downArrow">
+            <a:avLst/>
+          </a:prstGeom>
+        </p:spPr>
+        <p:style>
+          <a:lnRef idx="2">
+            <a:schemeClr val="accent1">
+              <a:shade val="50000"/>
+            </a:schemeClr>
+          </a:lnRef>
+          <a:fillRef idx="1">
+            <a:schemeClr val="accent1"/>
+          </a:fillRef>
+          <a:effectRef idx="0">
+            <a:schemeClr val="accent1"/>
+          </a:effectRef>
+          <a:fontRef idx="minor">
+            <a:schemeClr val="lt1"/>
+          </a:fontRef>
+        </p:style>
+        <p:txBody>
+          <a:bodyPr rtlCol="0" anchor="ctr"/>
+          <a:lstStyle/>
+          <a:p>
+            <a:pPr algn="ctr"/>
+            <a:endParaRPr lang="ko-KR" altLang="en-US" dirty="0"/>
+          </a:p>
+        </p:txBody>
+      </p:sp>
+      <p:sp>
+        <p:nvSpPr>
+          <p:cNvPr id="33" name="TextBox 32">
+            <a:extLst>
+              <a:ext uri="{FF2B5EF4-FFF2-40B4-BE49-F238E27FC236}">
+                <a16:creationId xmlns:a16="http://schemas.microsoft.com/office/drawing/2014/main" id="{7DD4151D-B924-46CA-BFD5-A0E2098874B9}"/>
+              </a:ext>
+            </a:extLst>
+          </p:cNvPr>
+          <p:cNvSpPr txBox="1"/>
+          <p:nvPr/>
+        </p:nvSpPr>
+        <p:spPr>
+          <a:xfrm>
+            <a:off x="0" y="104250"/>
+            <a:ext cx="2212730" cy="369332"/>
+          </a:xfrm>
+          <a:prstGeom prst="rect">
+            <a:avLst/>
+          </a:prstGeom>
+          <a:noFill/>
+        </p:spPr>
+        <p:txBody>
+          <a:bodyPr wrap="square" rtlCol="0">
+            <a:spAutoFit/>
+          </a:bodyPr>
+          <a:lstStyle/>
+          <a:p>
+            <a:r>
+              <a:rPr lang="en-US" altLang="ko-KR" dirty="0"/>
+              <a:t>3 way merge</a:t>
+            </a:r>
+            <a:endParaRPr lang="ko-KR" altLang="en-US" dirty="0"/>
+          </a:p>
+        </p:txBody>
+      </p:sp>
+      <p:sp>
+        <p:nvSpPr>
+          <p:cNvPr id="25" name="설명선: 아래쪽 화살표 24">
+            <a:extLst>
+              <a:ext uri="{FF2B5EF4-FFF2-40B4-BE49-F238E27FC236}">
+                <a16:creationId xmlns:a16="http://schemas.microsoft.com/office/drawing/2014/main" id="{D1FD2ABA-530E-4B80-9D14-76569CBB40E4}"/>
+              </a:ext>
+            </a:extLst>
+          </p:cNvPr>
+          <p:cNvSpPr/>
+          <p:nvPr/>
+        </p:nvSpPr>
+        <p:spPr>
+          <a:xfrm rot="10800000">
+            <a:off x="2412389" y="4255550"/>
+            <a:ext cx="1550376" cy="928269"/>
+          </a:xfrm>
+          <a:prstGeom prst="downArrowCallout">
+            <a:avLst>
+              <a:gd name="adj1" fmla="val 25000"/>
+              <a:gd name="adj2" fmla="val 26894"/>
+              <a:gd name="adj3" fmla="val 25000"/>
+              <a:gd name="adj4" fmla="val 64977"/>
+            </a:avLst>
+          </a:prstGeom>
+        </p:spPr>
+        <p:style>
+          <a:lnRef idx="2">
+            <a:schemeClr val="accent1">
+              <a:shade val="50000"/>
+            </a:schemeClr>
+          </a:lnRef>
+          <a:fillRef idx="1">
+            <a:schemeClr val="accent1"/>
+          </a:fillRef>
+          <a:effectRef idx="0">
+            <a:schemeClr val="accent1"/>
+          </a:effectRef>
+          <a:fontRef idx="minor">
+            <a:schemeClr val="lt1"/>
+          </a:fontRef>
+        </p:style>
+        <p:txBody>
+          <a:bodyPr rtlCol="0" anchor="ctr"/>
+          <a:lstStyle/>
+          <a:p>
+            <a:pPr algn="ctr"/>
+            <a:endParaRPr lang="ko-KR" altLang="en-US" dirty="0"/>
+          </a:p>
+        </p:txBody>
+      </p:sp>
+      <p:sp>
+        <p:nvSpPr>
+          <p:cNvPr id="2" name="TextBox 1">
+            <a:extLst>
+              <a:ext uri="{FF2B5EF4-FFF2-40B4-BE49-F238E27FC236}">
+                <a16:creationId xmlns:a16="http://schemas.microsoft.com/office/drawing/2014/main" id="{B4FAFDB4-C931-483D-AD36-A06E804FD9EB}"/>
+              </a:ext>
+            </a:extLst>
+          </p:cNvPr>
+          <p:cNvSpPr txBox="1"/>
+          <p:nvPr/>
+        </p:nvSpPr>
+        <p:spPr>
+          <a:xfrm>
+            <a:off x="2920877" y="4656253"/>
+            <a:ext cx="882161" cy="369332"/>
+          </a:xfrm>
+          <a:prstGeom prst="rect">
+            <a:avLst/>
+          </a:prstGeom>
+          <a:noFill/>
+        </p:spPr>
+        <p:txBody>
+          <a:bodyPr wrap="square" rtlCol="0">
+            <a:spAutoFit/>
+          </a:bodyPr>
+          <a:lstStyle/>
+          <a:p>
+            <a:r>
+              <a:rPr lang="en-US" altLang="ko-KR" dirty="0">
+                <a:solidFill>
+                  <a:schemeClr val="bg1"/>
+                </a:solidFill>
+              </a:rPr>
+              <a:t>test</a:t>
+            </a:r>
+            <a:endParaRPr lang="ko-KR" altLang="en-US" dirty="0">
+              <a:solidFill>
+                <a:schemeClr val="bg1"/>
+              </a:solidFill>
+            </a:endParaRPr>
+          </a:p>
+        </p:txBody>
+      </p:sp>
+      <p:sp>
+        <p:nvSpPr>
+          <p:cNvPr id="3" name="TextBox 2">
+            <a:extLst>
+              <a:ext uri="{FF2B5EF4-FFF2-40B4-BE49-F238E27FC236}">
+                <a16:creationId xmlns:a16="http://schemas.microsoft.com/office/drawing/2014/main" id="{54B2C317-A900-45CC-81CD-B6892BC9DB6A}"/>
+              </a:ext>
+            </a:extLst>
+          </p:cNvPr>
+          <p:cNvSpPr txBox="1"/>
+          <p:nvPr/>
+        </p:nvSpPr>
+        <p:spPr>
+          <a:xfrm>
+            <a:off x="744780" y="2997978"/>
+            <a:ext cx="1056968" cy="369332"/>
+          </a:xfrm>
+          <a:prstGeom prst="rect">
+            <a:avLst/>
+          </a:prstGeom>
+          <a:noFill/>
+        </p:spPr>
+        <p:txBody>
+          <a:bodyPr wrap="square" rtlCol="0">
+            <a:spAutoFit/>
+          </a:bodyPr>
+          <a:lstStyle/>
+          <a:p>
+            <a:r>
+              <a:rPr lang="en-US" altLang="ko-KR" dirty="0" err="1"/>
+              <a:t>a.Txt</a:t>
+            </a:r>
+            <a:r>
+              <a:rPr lang="en-US" altLang="ko-KR" dirty="0"/>
+              <a:t> : 2</a:t>
+            </a:r>
+            <a:endParaRPr lang="ko-KR" altLang="en-US" dirty="0"/>
+          </a:p>
+        </p:txBody>
+      </p:sp>
+      <p:sp>
+        <p:nvSpPr>
+          <p:cNvPr id="26" name="TextBox 25">
+            <a:extLst>
+              <a:ext uri="{FF2B5EF4-FFF2-40B4-BE49-F238E27FC236}">
+                <a16:creationId xmlns:a16="http://schemas.microsoft.com/office/drawing/2014/main" id="{497EA089-66A6-4552-ACE4-A428B0C1E153}"/>
+              </a:ext>
+            </a:extLst>
+          </p:cNvPr>
+          <p:cNvSpPr txBox="1"/>
+          <p:nvPr/>
+        </p:nvSpPr>
+        <p:spPr>
+          <a:xfrm>
+            <a:off x="2711327" y="3814049"/>
+            <a:ext cx="1056968" cy="369332"/>
+          </a:xfrm>
+          <a:prstGeom prst="rect">
+            <a:avLst/>
+          </a:prstGeom>
+          <a:noFill/>
+        </p:spPr>
+        <p:txBody>
+          <a:bodyPr wrap="square" rtlCol="0">
+            <a:spAutoFit/>
+          </a:bodyPr>
+          <a:lstStyle/>
+          <a:p>
+            <a:r>
+              <a:rPr lang="en-US" altLang="ko-KR" dirty="0" err="1"/>
+              <a:t>a.Txt</a:t>
+            </a:r>
+            <a:r>
+              <a:rPr lang="en-US" altLang="ko-KR" dirty="0"/>
+              <a:t> : 3</a:t>
+            </a:r>
+            <a:endParaRPr lang="ko-KR" altLang="en-US" dirty="0"/>
+          </a:p>
+        </p:txBody>
+      </p:sp>
+      <p:sp>
+        <p:nvSpPr>
+          <p:cNvPr id="13" name="화살표: 아래로 구부러짐 12">
+            <a:extLst>
+              <a:ext uri="{FF2B5EF4-FFF2-40B4-BE49-F238E27FC236}">
+                <a16:creationId xmlns:a16="http://schemas.microsoft.com/office/drawing/2014/main" id="{C28A6BA6-3FBA-423C-BA74-E1A908028BFB}"/>
+              </a:ext>
+            </a:extLst>
+          </p:cNvPr>
+          <p:cNvSpPr/>
+          <p:nvPr/>
+        </p:nvSpPr>
+        <p:spPr>
+          <a:xfrm>
+            <a:off x="6180993" y="764931"/>
+            <a:ext cx="1600200" cy="509904"/>
+          </a:xfrm>
+          <a:prstGeom prst="curvedDownArrow">
+            <a:avLst/>
+          </a:prstGeom>
+        </p:spPr>
+        <p:style>
+          <a:lnRef idx="2">
+            <a:schemeClr val="accent1">
+              <a:shade val="50000"/>
+            </a:schemeClr>
+          </a:lnRef>
+          <a:fillRef idx="1">
+            <a:schemeClr val="accent1"/>
+          </a:fillRef>
+          <a:effectRef idx="0">
+            <a:schemeClr val="accent1"/>
+          </a:effectRef>
+          <a:fontRef idx="minor">
+            <a:schemeClr val="lt1"/>
+          </a:fontRef>
+        </p:style>
+        <p:txBody>
+          <a:bodyPr rtlCol="0" anchor="ctr"/>
+          <a:lstStyle/>
+          <a:p>
+            <a:pPr algn="ctr"/>
+            <a:endParaRPr lang="ko-KR" altLang="en-US">
+              <a:solidFill>
+                <a:schemeClr val="tx1"/>
+              </a:solidFill>
+            </a:endParaRPr>
+          </a:p>
+        </p:txBody>
+      </p:sp>
+      <p:sp>
+        <p:nvSpPr>
+          <p:cNvPr id="15" name="화살표: 아래로 구부러짐 14">
+            <a:extLst>
+              <a:ext uri="{FF2B5EF4-FFF2-40B4-BE49-F238E27FC236}">
+                <a16:creationId xmlns:a16="http://schemas.microsoft.com/office/drawing/2014/main" id="{03D94C28-EE3C-4143-88F8-2DFE6D158567}"/>
+              </a:ext>
+            </a:extLst>
+          </p:cNvPr>
+          <p:cNvSpPr/>
+          <p:nvPr/>
+        </p:nvSpPr>
+        <p:spPr>
+          <a:xfrm>
+            <a:off x="6096000" y="395654"/>
+            <a:ext cx="3549162" cy="879231"/>
+          </a:xfrm>
+          <a:prstGeom prst="curvedDownArrow">
+            <a:avLst/>
+          </a:prstGeom>
+        </p:spPr>
+        <p:style>
+          <a:lnRef idx="2">
+            <a:schemeClr val="accent1">
+              <a:shade val="50000"/>
+            </a:schemeClr>
+          </a:lnRef>
+          <a:fillRef idx="1">
+            <a:schemeClr val="accent1"/>
+          </a:fillRef>
+          <a:effectRef idx="0">
+            <a:schemeClr val="accent1"/>
+          </a:effectRef>
+          <a:fontRef idx="minor">
+            <a:schemeClr val="lt1"/>
+          </a:fontRef>
+        </p:style>
+        <p:txBody>
+          <a:bodyPr rtlCol="0" anchor="ctr"/>
+          <a:lstStyle/>
+          <a:p>
+            <a:pPr algn="ctr"/>
+            <a:endParaRPr lang="ko-KR" altLang="en-US">
+              <a:solidFill>
+                <a:schemeClr val="tx1"/>
+              </a:solidFill>
+            </a:endParaRPr>
+          </a:p>
+        </p:txBody>
+      </p:sp>
+      <p:sp>
+        <p:nvSpPr>
+          <p:cNvPr id="16" name="곱하기 기호 15">
+            <a:extLst>
+              <a:ext uri="{FF2B5EF4-FFF2-40B4-BE49-F238E27FC236}">
+                <a16:creationId xmlns:a16="http://schemas.microsoft.com/office/drawing/2014/main" id="{4BF6D96F-F421-42F9-A270-86174A751BDD}"/>
+              </a:ext>
+            </a:extLst>
+          </p:cNvPr>
+          <p:cNvSpPr/>
+          <p:nvPr/>
+        </p:nvSpPr>
+        <p:spPr>
+          <a:xfrm>
+            <a:off x="7605345" y="210933"/>
+            <a:ext cx="351693" cy="369332"/>
+          </a:xfrm>
+          <a:prstGeom prst="mathMultiply">
+            <a:avLst/>
+          </a:prstGeom>
+        </p:spPr>
+        <p:style>
+          <a:lnRef idx="2">
+            <a:schemeClr val="accent1">
+              <a:shade val="50000"/>
+            </a:schemeClr>
+          </a:lnRef>
+          <a:fillRef idx="1">
+            <a:schemeClr val="accent1"/>
+          </a:fillRef>
+          <a:effectRef idx="0">
+            <a:schemeClr val="accent1"/>
+          </a:effectRef>
+          <a:fontRef idx="minor">
+            <a:schemeClr val="lt1"/>
+          </a:fontRef>
+        </p:style>
+        <p:txBody>
+          <a:bodyPr rtlCol="0" anchor="ctr"/>
+          <a:lstStyle/>
+          <a:p>
+            <a:pPr algn="ctr"/>
+            <a:endParaRPr lang="ko-KR" altLang="en-US"/>
+          </a:p>
+        </p:txBody>
+      </p:sp>
+      <p:sp>
+        <p:nvSpPr>
+          <p:cNvPr id="18" name="원형: 비어 있음 17">
+            <a:extLst>
+              <a:ext uri="{FF2B5EF4-FFF2-40B4-BE49-F238E27FC236}">
+                <a16:creationId xmlns:a16="http://schemas.microsoft.com/office/drawing/2014/main" id="{E1518FBE-E63D-40C2-AB7A-80247A030CE1}"/>
+              </a:ext>
+            </a:extLst>
+          </p:cNvPr>
+          <p:cNvSpPr/>
+          <p:nvPr/>
+        </p:nvSpPr>
+        <p:spPr>
+          <a:xfrm>
+            <a:off x="6850305" y="621489"/>
+            <a:ext cx="351693" cy="416059"/>
+          </a:xfrm>
+          <a:prstGeom prst="donut">
+            <a:avLst/>
+          </a:prstGeom>
+        </p:spPr>
+        <p:style>
+          <a:lnRef idx="2">
+            <a:schemeClr val="accent1">
+              <a:shade val="50000"/>
+            </a:schemeClr>
+          </a:lnRef>
+          <a:fillRef idx="1">
+            <a:schemeClr val="accent1"/>
+          </a:fillRef>
+          <a:effectRef idx="0">
+            <a:schemeClr val="accent1"/>
+          </a:effectRef>
+          <a:fontRef idx="minor">
+            <a:schemeClr val="lt1"/>
+          </a:fontRef>
+        </p:style>
+        <p:txBody>
+          <a:bodyPr rtlCol="0" anchor="ctr"/>
+          <a:lstStyle/>
+          <a:p>
+            <a:pPr algn="ctr"/>
+            <a:endParaRPr lang="ko-KR" altLang="en-US">
+              <a:solidFill>
+                <a:schemeClr val="tx1"/>
+              </a:solidFill>
+            </a:endParaRPr>
+          </a:p>
+        </p:txBody>
+      </p:sp>
+      <p:sp>
+        <p:nvSpPr>
+          <p:cNvPr id="34" name="TextBox 33">
+            <a:extLst>
+              <a:ext uri="{FF2B5EF4-FFF2-40B4-BE49-F238E27FC236}">
+                <a16:creationId xmlns:a16="http://schemas.microsoft.com/office/drawing/2014/main" id="{602FE94A-6FDE-494A-A754-447ACCD1A311}"/>
+              </a:ext>
+            </a:extLst>
+          </p:cNvPr>
+          <p:cNvSpPr txBox="1"/>
+          <p:nvPr/>
+        </p:nvSpPr>
+        <p:spPr>
+          <a:xfrm>
+            <a:off x="3376611" y="2451962"/>
+            <a:ext cx="852854" cy="369332"/>
+          </a:xfrm>
+          <a:prstGeom prst="rect">
+            <a:avLst/>
+          </a:prstGeom>
+          <a:noFill/>
+        </p:spPr>
+        <p:txBody>
+          <a:bodyPr wrap="square" rtlCol="0">
+            <a:spAutoFit/>
+          </a:bodyPr>
+          <a:lstStyle/>
+          <a:p>
+            <a:r>
+              <a:rPr lang="en-US" altLang="ko-KR" dirty="0"/>
+              <a:t>sub</a:t>
+            </a:r>
+            <a:endParaRPr lang="ko-KR" altLang="en-US" dirty="0"/>
+          </a:p>
+        </p:txBody>
+      </p:sp>
+      <p:sp>
+        <p:nvSpPr>
+          <p:cNvPr id="36" name="설명선: 아래쪽 화살표 35">
+            <a:extLst>
+              <a:ext uri="{FF2B5EF4-FFF2-40B4-BE49-F238E27FC236}">
+                <a16:creationId xmlns:a16="http://schemas.microsoft.com/office/drawing/2014/main" id="{890F1E75-EF2B-4EE7-AD00-6BA0F9F845F2}"/>
+              </a:ext>
+            </a:extLst>
+          </p:cNvPr>
+          <p:cNvSpPr/>
+          <p:nvPr/>
+        </p:nvSpPr>
+        <p:spPr>
+          <a:xfrm>
+            <a:off x="2507639" y="1459207"/>
+            <a:ext cx="1550376" cy="929275"/>
+          </a:xfrm>
+          <a:prstGeom prst="downArrowCallout">
+            <a:avLst/>
+          </a:prstGeom>
+        </p:spPr>
+        <p:style>
+          <a:lnRef idx="2">
+            <a:schemeClr val="accent1">
+              <a:shade val="50000"/>
+            </a:schemeClr>
+          </a:lnRef>
+          <a:fillRef idx="1">
+            <a:schemeClr val="accent1"/>
+          </a:fillRef>
+          <a:effectRef idx="0">
+            <a:schemeClr val="accent1"/>
+          </a:effectRef>
+          <a:fontRef idx="minor">
+            <a:schemeClr val="lt1"/>
+          </a:fontRef>
+        </p:style>
+        <p:txBody>
+          <a:bodyPr rtlCol="0" anchor="ctr"/>
+          <a:lstStyle/>
+          <a:p>
+            <a:pPr algn="ctr"/>
+            <a:r>
+              <a:rPr lang="en-US" altLang="ko-KR" dirty="0"/>
+              <a:t>Master</a:t>
+            </a:r>
+            <a:endParaRPr lang="ko-KR" altLang="en-US" dirty="0"/>
+          </a:p>
+        </p:txBody>
+      </p:sp>
+      <p:sp>
+        <p:nvSpPr>
+          <p:cNvPr id="37" name="TextBox 36">
+            <a:extLst>
+              <a:ext uri="{FF2B5EF4-FFF2-40B4-BE49-F238E27FC236}">
+                <a16:creationId xmlns:a16="http://schemas.microsoft.com/office/drawing/2014/main" id="{6266389C-D716-4E70-B298-CAC144C9F86F}"/>
+              </a:ext>
+            </a:extLst>
+          </p:cNvPr>
+          <p:cNvSpPr txBox="1"/>
+          <p:nvPr/>
+        </p:nvSpPr>
+        <p:spPr>
+          <a:xfrm>
+            <a:off x="3536338" y="2102710"/>
+            <a:ext cx="852854" cy="369332"/>
+          </a:xfrm>
+          <a:prstGeom prst="rect">
+            <a:avLst/>
+          </a:prstGeom>
+          <a:noFill/>
+        </p:spPr>
+        <p:txBody>
+          <a:bodyPr wrap="square" rtlCol="0">
+            <a:spAutoFit/>
+          </a:bodyPr>
+          <a:lstStyle/>
+          <a:p>
+            <a:r>
+              <a:rPr lang="en-US" altLang="ko-KR" dirty="0"/>
+              <a:t>main</a:t>
+            </a:r>
+            <a:endParaRPr lang="ko-KR" altLang="en-US" dirty="0"/>
+          </a:p>
+        </p:txBody>
+      </p:sp>
+      <p:sp>
+        <p:nvSpPr>
+          <p:cNvPr id="38" name="화살표: 아래쪽 37">
+            <a:extLst>
+              <a:ext uri="{FF2B5EF4-FFF2-40B4-BE49-F238E27FC236}">
+                <a16:creationId xmlns:a16="http://schemas.microsoft.com/office/drawing/2014/main" id="{E6446436-D4FF-487D-8FF3-E019E238CFB9}"/>
+              </a:ext>
+            </a:extLst>
+          </p:cNvPr>
+          <p:cNvSpPr/>
+          <p:nvPr/>
+        </p:nvSpPr>
+        <p:spPr>
+          <a:xfrm rot="18530237">
+            <a:off x="2104310" y="1082632"/>
+            <a:ext cx="490134" cy="448408"/>
+          </a:xfrm>
+          <a:prstGeom prst="downArrow">
+            <a:avLst/>
+          </a:prstGeom>
+        </p:spPr>
+        <p:style>
+          <a:lnRef idx="2">
+            <a:schemeClr val="accent1">
+              <a:shade val="50000"/>
+            </a:schemeClr>
+          </a:lnRef>
+          <a:fillRef idx="1">
+            <a:schemeClr val="accent1"/>
+          </a:fillRef>
+          <a:effectRef idx="0">
+            <a:schemeClr val="accent1"/>
+          </a:effectRef>
+          <a:fontRef idx="minor">
+            <a:schemeClr val="lt1"/>
+          </a:fontRef>
+        </p:style>
+        <p:txBody>
+          <a:bodyPr rtlCol="0" anchor="ctr"/>
+          <a:lstStyle/>
+          <a:p>
+            <a:pPr algn="ctr"/>
+            <a:endParaRPr lang="ko-KR" altLang="en-US"/>
+          </a:p>
+        </p:txBody>
+      </p:sp>
+      <p:sp>
+        <p:nvSpPr>
+          <p:cNvPr id="19" name="TextBox 18">
+            <a:extLst>
+              <a:ext uri="{FF2B5EF4-FFF2-40B4-BE49-F238E27FC236}">
+                <a16:creationId xmlns:a16="http://schemas.microsoft.com/office/drawing/2014/main" id="{08378C2E-61B7-4FAB-985B-1C422727FE3B}"/>
+              </a:ext>
+            </a:extLst>
+          </p:cNvPr>
+          <p:cNvSpPr txBox="1"/>
+          <p:nvPr/>
+        </p:nvSpPr>
+        <p:spPr>
+          <a:xfrm>
+            <a:off x="7353297" y="4471587"/>
+            <a:ext cx="2420818" cy="369332"/>
+          </a:xfrm>
+          <a:prstGeom prst="rect">
+            <a:avLst/>
+          </a:prstGeom>
+          <a:noFill/>
+        </p:spPr>
+        <p:txBody>
+          <a:bodyPr wrap="square" rtlCol="0">
+            <a:spAutoFit/>
+          </a:bodyPr>
+          <a:lstStyle/>
+          <a:p>
+            <a:r>
+              <a:rPr lang="en-US" altLang="ko-KR" dirty="0" err="1"/>
+              <a:t>a.Txt</a:t>
+            </a:r>
+            <a:r>
+              <a:rPr lang="en-US" altLang="ko-KR" dirty="0"/>
+              <a:t> : 3</a:t>
+            </a:r>
+            <a:endParaRPr lang="ko-KR" altLang="en-US" dirty="0"/>
+          </a:p>
+        </p:txBody>
+      </p:sp>
+      <p:sp>
+        <p:nvSpPr>
+          <p:cNvPr id="39" name="TextBox 38">
+            <a:extLst>
+              <a:ext uri="{FF2B5EF4-FFF2-40B4-BE49-F238E27FC236}">
+                <a16:creationId xmlns:a16="http://schemas.microsoft.com/office/drawing/2014/main" id="{E020BEF4-7898-4497-B49B-510CB76AC981}"/>
+              </a:ext>
+            </a:extLst>
+          </p:cNvPr>
+          <p:cNvSpPr txBox="1"/>
+          <p:nvPr/>
+        </p:nvSpPr>
+        <p:spPr>
+          <a:xfrm>
+            <a:off x="6752492" y="5025585"/>
+            <a:ext cx="2420818" cy="923330"/>
+          </a:xfrm>
+          <a:prstGeom prst="rect">
+            <a:avLst/>
+          </a:prstGeom>
+          <a:noFill/>
+        </p:spPr>
+        <p:txBody>
+          <a:bodyPr wrap="square" rtlCol="0">
+            <a:spAutoFit/>
+          </a:bodyPr>
+          <a:lstStyle/>
+          <a:p>
+            <a:r>
+              <a:rPr lang="en-US" altLang="ko-KR" dirty="0"/>
+              <a:t>Master branch</a:t>
+            </a:r>
+            <a:r>
+              <a:rPr lang="ko-KR" altLang="en-US" dirty="0"/>
+              <a:t>의 </a:t>
+            </a:r>
+            <a:r>
+              <a:rPr lang="en-US" altLang="ko-KR" dirty="0"/>
+              <a:t>head </a:t>
+            </a:r>
+            <a:r>
+              <a:rPr lang="ko-KR" altLang="en-US" dirty="0"/>
+              <a:t>만 </a:t>
+            </a:r>
+            <a:r>
+              <a:rPr lang="en-US" altLang="ko-KR" dirty="0"/>
+              <a:t>test branch</a:t>
+            </a:r>
+            <a:r>
+              <a:rPr lang="ko-KR" altLang="en-US" dirty="0"/>
+              <a:t>의 </a:t>
+            </a:r>
+            <a:r>
+              <a:rPr lang="en-US" altLang="ko-KR" dirty="0"/>
+              <a:t>Head</a:t>
+            </a:r>
+            <a:r>
+              <a:rPr lang="ko-KR" altLang="en-US" dirty="0"/>
+              <a:t>로 옮겨진다</a:t>
+            </a:r>
+            <a:r>
+              <a:rPr lang="en-US" altLang="ko-KR" dirty="0"/>
+              <a:t>.</a:t>
+            </a:r>
+            <a:endParaRPr lang="ko-KR" altLang="en-US" dirty="0"/>
+          </a:p>
+        </p:txBody>
+      </p:sp>
+      <p:sp>
+        <p:nvSpPr>
+          <p:cNvPr id="20" name="별: 꼭짓점 6개 19">
+            <a:extLst>
+              <a:ext uri="{FF2B5EF4-FFF2-40B4-BE49-F238E27FC236}">
+                <a16:creationId xmlns:a16="http://schemas.microsoft.com/office/drawing/2014/main" id="{936FAF9D-4269-46F4-853D-D1918B215F59}"/>
+              </a:ext>
+            </a:extLst>
+          </p:cNvPr>
+          <p:cNvSpPr/>
+          <p:nvPr/>
+        </p:nvSpPr>
+        <p:spPr>
+          <a:xfrm>
+            <a:off x="8914026" y="3527115"/>
+            <a:ext cx="1969294" cy="1406137"/>
+          </a:xfrm>
+          <a:prstGeom prst="star6">
+            <a:avLst/>
+          </a:prstGeom>
+        </p:spPr>
+        <p:style>
+          <a:lnRef idx="2">
+            <a:schemeClr val="accent1">
+              <a:shade val="50000"/>
+            </a:schemeClr>
+          </a:lnRef>
+          <a:fillRef idx="1">
+            <a:schemeClr val="accent1"/>
+          </a:fillRef>
+          <a:effectRef idx="0">
+            <a:schemeClr val="accent1"/>
+          </a:effectRef>
+          <a:fontRef idx="minor">
+            <a:schemeClr val="lt1"/>
+          </a:fontRef>
+        </p:style>
+        <p:txBody>
+          <a:bodyPr rtlCol="0" anchor="ctr"/>
+          <a:lstStyle/>
+          <a:p>
+            <a:pPr algn="ctr"/>
+            <a:r>
+              <a:rPr lang="en-US" altLang="ko-KR" dirty="0"/>
+              <a:t>Fast </a:t>
+            </a:r>
+            <a:r>
+              <a:rPr lang="en-US" altLang="ko-KR" dirty="0" err="1"/>
+              <a:t>forword</a:t>
+            </a:r>
+            <a:endParaRPr lang="ko-KR" altLang="en-US" dirty="0"/>
+          </a:p>
+        </p:txBody>
+      </p:sp>
+    </p:spTree>
+    <p:extLst>
+      <p:ext uri="{BB962C8B-B14F-4D97-AF65-F5344CB8AC3E}">
+        <p14:creationId xmlns:p14="http://schemas.microsoft.com/office/powerpoint/2010/main" val="872077765"/>
+      </p:ext>
+    </p:extLst>
+  </p:cSld>
+  <p:clrMapOvr>
+    <a:masterClrMapping/>
+  </p:clrMapOvr>
+</p:sld>
+</file>
+
+<file path=ppt/slides/slide32.xml><?xml version="1.0" encoding="utf-8"?>
+<p:sld xmlns:a="http://schemas.openxmlformats.org/drawingml/2006/main" xmlns:r="http://schemas.openxmlformats.org/officeDocument/2006/relationships" xmlns:p="http://schemas.openxmlformats.org/presentationml/2006/main">
+  <p:cSld>
+    <p:spTree>
+      <p:nvGrpSpPr>
+        <p:cNvPr id="1" name=""/>
+        <p:cNvGrpSpPr/>
+        <p:nvPr/>
+      </p:nvGrpSpPr>
+      <p:grpSpPr>
+        <a:xfrm>
+          <a:off x="0" y="0"/>
+          <a:ext cx="0" cy="0"/>
+          <a:chOff x="0" y="0"/>
+          <a:chExt cx="0" cy="0"/>
+        </a:xfrm>
+      </p:grpSpPr>
+      <p:sp>
+        <p:nvSpPr>
+          <p:cNvPr id="4" name="타원 3">
+            <a:extLst>
+              <a:ext uri="{FF2B5EF4-FFF2-40B4-BE49-F238E27FC236}">
+                <a16:creationId xmlns:a16="http://schemas.microsoft.com/office/drawing/2014/main" id="{F88841CF-047A-4CEB-9852-4662E4858D5E}"/>
+              </a:ext>
+            </a:extLst>
+          </p:cNvPr>
+          <p:cNvSpPr/>
+          <p:nvPr/>
+        </p:nvSpPr>
+        <p:spPr>
+          <a:xfrm>
+            <a:off x="744780" y="1905920"/>
+            <a:ext cx="993531" cy="984738"/>
+          </a:xfrm>
+          <a:prstGeom prst="ellipse">
+            <a:avLst/>
+          </a:prstGeom>
+        </p:spPr>
+        <p:style>
+          <a:lnRef idx="2">
+            <a:schemeClr val="accent1">
+              <a:shade val="50000"/>
+            </a:schemeClr>
+          </a:lnRef>
+          <a:fillRef idx="1">
+            <a:schemeClr val="accent1"/>
+          </a:fillRef>
+          <a:effectRef idx="0">
+            <a:schemeClr val="accent1"/>
+          </a:effectRef>
+          <a:fontRef idx="minor">
+            <a:schemeClr val="lt1"/>
+          </a:fontRef>
+        </p:style>
+        <p:txBody>
+          <a:bodyPr rtlCol="0" anchor="ctr"/>
+          <a:lstStyle/>
+          <a:p>
+            <a:pPr algn="ctr"/>
+            <a:r>
+              <a:rPr lang="en-US" altLang="ko-KR" dirty="0"/>
+              <a:t>c2</a:t>
+            </a:r>
+            <a:endParaRPr lang="ko-KR" altLang="en-US" dirty="0"/>
+          </a:p>
+        </p:txBody>
+      </p:sp>
+      <p:sp>
+        <p:nvSpPr>
+          <p:cNvPr id="5" name="타원 4">
+            <a:extLst>
+              <a:ext uri="{FF2B5EF4-FFF2-40B4-BE49-F238E27FC236}">
+                <a16:creationId xmlns:a16="http://schemas.microsoft.com/office/drawing/2014/main" id="{BCC57C4B-34F9-4281-9ADE-12D798169C6B}"/>
+              </a:ext>
+            </a:extLst>
+          </p:cNvPr>
+          <p:cNvSpPr/>
+          <p:nvPr/>
+        </p:nvSpPr>
+        <p:spPr>
+          <a:xfrm>
+            <a:off x="2649780" y="2757142"/>
+            <a:ext cx="993531" cy="984738"/>
+          </a:xfrm>
+          <a:prstGeom prst="ellipse">
+            <a:avLst/>
+          </a:prstGeom>
+        </p:spPr>
+        <p:style>
+          <a:lnRef idx="2">
+            <a:schemeClr val="accent1">
+              <a:shade val="50000"/>
+            </a:schemeClr>
+          </a:lnRef>
+          <a:fillRef idx="1">
+            <a:schemeClr val="accent1"/>
+          </a:fillRef>
+          <a:effectRef idx="0">
+            <a:schemeClr val="accent1"/>
+          </a:effectRef>
+          <a:fontRef idx="minor">
+            <a:schemeClr val="lt1"/>
+          </a:fontRef>
+        </p:style>
+        <p:txBody>
+          <a:bodyPr rtlCol="0" anchor="ctr"/>
+          <a:lstStyle/>
+          <a:p>
+            <a:pPr algn="ctr"/>
+            <a:r>
+              <a:rPr lang="en-US" altLang="ko-KR" dirty="0"/>
+              <a:t>c3</a:t>
+            </a:r>
+            <a:endParaRPr lang="ko-KR" altLang="en-US" dirty="0"/>
+          </a:p>
+        </p:txBody>
+      </p:sp>
+      <p:cxnSp>
+        <p:nvCxnSpPr>
+          <p:cNvPr id="17" name="직선 화살표 연결선 16">
+            <a:extLst>
+              <a:ext uri="{FF2B5EF4-FFF2-40B4-BE49-F238E27FC236}">
+                <a16:creationId xmlns:a16="http://schemas.microsoft.com/office/drawing/2014/main" id="{B6118486-042F-4D4F-8CD3-BFB0D5B64F9C}"/>
+              </a:ext>
+            </a:extLst>
+          </p:cNvPr>
+          <p:cNvCxnSpPr>
+            <a:cxnSpLocks/>
+            <a:stCxn id="5" idx="2"/>
+            <a:endCxn id="4" idx="5"/>
+          </p:cNvCxnSpPr>
+          <p:nvPr/>
+        </p:nvCxnSpPr>
+        <p:spPr>
+          <a:xfrm flipH="1" flipV="1">
+            <a:off x="1592812" y="2746446"/>
+            <a:ext cx="1056968" cy="503065"/>
+          </a:xfrm>
+          <a:prstGeom prst="straightConnector1">
+            <a:avLst/>
+          </a:prstGeom>
+          <a:ln>
+            <a:tailEnd type="triangle"/>
+          </a:ln>
+        </p:spPr>
+        <p:style>
+          <a:lnRef idx="1">
+            <a:schemeClr val="accent1"/>
+          </a:lnRef>
+          <a:fillRef idx="0">
+            <a:schemeClr val="accent1"/>
+          </a:fillRef>
+          <a:effectRef idx="0">
+            <a:schemeClr val="accent1"/>
+          </a:effectRef>
+          <a:fontRef idx="minor">
+            <a:schemeClr val="tx1"/>
+          </a:fontRef>
+        </p:style>
+      </p:cxnSp>
+      <p:sp>
+        <p:nvSpPr>
+          <p:cNvPr id="24" name="설명선: 아래쪽 화살표 23">
+            <a:extLst>
+              <a:ext uri="{FF2B5EF4-FFF2-40B4-BE49-F238E27FC236}">
+                <a16:creationId xmlns:a16="http://schemas.microsoft.com/office/drawing/2014/main" id="{1239CFAD-D7CC-474E-A943-EEF7E38F8E5C}"/>
+              </a:ext>
+            </a:extLst>
+          </p:cNvPr>
+          <p:cNvSpPr/>
+          <p:nvPr/>
+        </p:nvSpPr>
+        <p:spPr>
+          <a:xfrm>
+            <a:off x="463426" y="787693"/>
+            <a:ext cx="1550376" cy="929275"/>
+          </a:xfrm>
+          <a:prstGeom prst="downArrowCallout">
+            <a:avLst/>
+          </a:prstGeom>
+        </p:spPr>
+        <p:style>
+          <a:lnRef idx="2">
+            <a:schemeClr val="accent1">
+              <a:shade val="50000"/>
+            </a:schemeClr>
+          </a:lnRef>
+          <a:fillRef idx="1">
+            <a:schemeClr val="accent1"/>
+          </a:fillRef>
+          <a:effectRef idx="0">
+            <a:schemeClr val="accent1"/>
+          </a:effectRef>
+          <a:fontRef idx="minor">
+            <a:schemeClr val="lt1"/>
+          </a:fontRef>
+        </p:style>
+        <p:txBody>
+          <a:bodyPr rtlCol="0" anchor="ctr"/>
+          <a:lstStyle/>
+          <a:p>
+            <a:pPr algn="ctr"/>
+            <a:r>
+              <a:rPr lang="en-US" altLang="ko-KR" dirty="0"/>
+              <a:t>Master</a:t>
+            </a:r>
+            <a:endParaRPr lang="ko-KR" altLang="en-US" dirty="0"/>
+          </a:p>
+        </p:txBody>
+      </p:sp>
+      <p:sp>
+        <p:nvSpPr>
+          <p:cNvPr id="28" name="TextBox 27">
+            <a:extLst>
+              <a:ext uri="{FF2B5EF4-FFF2-40B4-BE49-F238E27FC236}">
+                <a16:creationId xmlns:a16="http://schemas.microsoft.com/office/drawing/2014/main" id="{4CE041D9-EF56-42E3-AAB0-71620D41D26A}"/>
+              </a:ext>
+            </a:extLst>
+          </p:cNvPr>
+          <p:cNvSpPr txBox="1"/>
+          <p:nvPr/>
+        </p:nvSpPr>
+        <p:spPr>
+          <a:xfrm>
+            <a:off x="1496523" y="1721254"/>
+            <a:ext cx="852854" cy="369332"/>
+          </a:xfrm>
+          <a:prstGeom prst="rect">
+            <a:avLst/>
+          </a:prstGeom>
+          <a:noFill/>
+        </p:spPr>
+        <p:txBody>
+          <a:bodyPr wrap="square" rtlCol="0">
+            <a:spAutoFit/>
+          </a:bodyPr>
+          <a:lstStyle/>
+          <a:p>
+            <a:r>
+              <a:rPr lang="en-US" altLang="ko-KR" dirty="0"/>
+              <a:t>main</a:t>
+            </a:r>
+            <a:endParaRPr lang="ko-KR" altLang="en-US" dirty="0"/>
+          </a:p>
+        </p:txBody>
+      </p:sp>
+      <p:sp>
+        <p:nvSpPr>
+          <p:cNvPr id="33" name="TextBox 32">
+            <a:extLst>
+              <a:ext uri="{FF2B5EF4-FFF2-40B4-BE49-F238E27FC236}">
+                <a16:creationId xmlns:a16="http://schemas.microsoft.com/office/drawing/2014/main" id="{7DD4151D-B924-46CA-BFD5-A0E2098874B9}"/>
+              </a:ext>
+            </a:extLst>
+          </p:cNvPr>
+          <p:cNvSpPr txBox="1"/>
+          <p:nvPr/>
+        </p:nvSpPr>
+        <p:spPr>
+          <a:xfrm>
+            <a:off x="0" y="104250"/>
+            <a:ext cx="2212730" cy="369332"/>
+          </a:xfrm>
+          <a:prstGeom prst="rect">
+            <a:avLst/>
+          </a:prstGeom>
+          <a:noFill/>
+        </p:spPr>
+        <p:txBody>
+          <a:bodyPr wrap="square" rtlCol="0">
+            <a:spAutoFit/>
+          </a:bodyPr>
+          <a:lstStyle/>
+          <a:p>
+            <a:r>
+              <a:rPr lang="en-US" altLang="ko-KR" dirty="0"/>
+              <a:t>3 way merge</a:t>
+            </a:r>
+            <a:endParaRPr lang="ko-KR" altLang="en-US" dirty="0"/>
+          </a:p>
+        </p:txBody>
+      </p:sp>
+      <p:sp>
+        <p:nvSpPr>
+          <p:cNvPr id="25" name="설명선: 아래쪽 화살표 24">
+            <a:extLst>
+              <a:ext uri="{FF2B5EF4-FFF2-40B4-BE49-F238E27FC236}">
+                <a16:creationId xmlns:a16="http://schemas.microsoft.com/office/drawing/2014/main" id="{D1FD2ABA-530E-4B80-9D14-76569CBB40E4}"/>
+              </a:ext>
+            </a:extLst>
+          </p:cNvPr>
+          <p:cNvSpPr/>
+          <p:nvPr/>
+        </p:nvSpPr>
+        <p:spPr>
+          <a:xfrm rot="10800000">
+            <a:off x="2412389" y="4255550"/>
+            <a:ext cx="1550376" cy="928269"/>
+          </a:xfrm>
+          <a:prstGeom prst="downArrowCallout">
+            <a:avLst>
+              <a:gd name="adj1" fmla="val 25000"/>
+              <a:gd name="adj2" fmla="val 26894"/>
+              <a:gd name="adj3" fmla="val 25000"/>
+              <a:gd name="adj4" fmla="val 64977"/>
+            </a:avLst>
+          </a:prstGeom>
+        </p:spPr>
+        <p:style>
+          <a:lnRef idx="2">
+            <a:schemeClr val="accent1">
+              <a:shade val="50000"/>
+            </a:schemeClr>
+          </a:lnRef>
+          <a:fillRef idx="1">
+            <a:schemeClr val="accent1"/>
+          </a:fillRef>
+          <a:effectRef idx="0">
+            <a:schemeClr val="accent1"/>
+          </a:effectRef>
+          <a:fontRef idx="minor">
+            <a:schemeClr val="lt1"/>
+          </a:fontRef>
+        </p:style>
+        <p:txBody>
+          <a:bodyPr rtlCol="0" anchor="ctr"/>
+          <a:lstStyle/>
+          <a:p>
+            <a:pPr algn="ctr"/>
+            <a:endParaRPr lang="ko-KR" altLang="en-US" dirty="0"/>
+          </a:p>
+        </p:txBody>
+      </p:sp>
+      <p:sp>
+        <p:nvSpPr>
+          <p:cNvPr id="2" name="TextBox 1">
+            <a:extLst>
+              <a:ext uri="{FF2B5EF4-FFF2-40B4-BE49-F238E27FC236}">
+                <a16:creationId xmlns:a16="http://schemas.microsoft.com/office/drawing/2014/main" id="{B4FAFDB4-C931-483D-AD36-A06E804FD9EB}"/>
+              </a:ext>
+            </a:extLst>
+          </p:cNvPr>
+          <p:cNvSpPr txBox="1"/>
+          <p:nvPr/>
+        </p:nvSpPr>
+        <p:spPr>
+          <a:xfrm>
+            <a:off x="2920877" y="4656253"/>
+            <a:ext cx="882161" cy="369332"/>
+          </a:xfrm>
+          <a:prstGeom prst="rect">
+            <a:avLst/>
+          </a:prstGeom>
+          <a:noFill/>
+        </p:spPr>
+        <p:txBody>
+          <a:bodyPr wrap="square" rtlCol="0">
+            <a:spAutoFit/>
+          </a:bodyPr>
+          <a:lstStyle/>
+          <a:p>
+            <a:r>
+              <a:rPr lang="en-US" altLang="ko-KR" dirty="0">
+                <a:solidFill>
+                  <a:schemeClr val="bg1"/>
+                </a:solidFill>
+              </a:rPr>
+              <a:t>test</a:t>
+            </a:r>
+            <a:endParaRPr lang="ko-KR" altLang="en-US" dirty="0">
+              <a:solidFill>
+                <a:schemeClr val="bg1"/>
+              </a:solidFill>
+            </a:endParaRPr>
+          </a:p>
+        </p:txBody>
+      </p:sp>
+      <p:sp>
+        <p:nvSpPr>
+          <p:cNvPr id="3" name="TextBox 2">
+            <a:extLst>
+              <a:ext uri="{FF2B5EF4-FFF2-40B4-BE49-F238E27FC236}">
+                <a16:creationId xmlns:a16="http://schemas.microsoft.com/office/drawing/2014/main" id="{54B2C317-A900-45CC-81CD-B6892BC9DB6A}"/>
+              </a:ext>
+            </a:extLst>
+          </p:cNvPr>
+          <p:cNvSpPr txBox="1"/>
+          <p:nvPr/>
+        </p:nvSpPr>
+        <p:spPr>
+          <a:xfrm>
+            <a:off x="744780" y="2997978"/>
+            <a:ext cx="1056968" cy="369332"/>
+          </a:xfrm>
+          <a:prstGeom prst="rect">
+            <a:avLst/>
+          </a:prstGeom>
+          <a:noFill/>
+        </p:spPr>
+        <p:txBody>
+          <a:bodyPr wrap="square" rtlCol="0">
+            <a:spAutoFit/>
+          </a:bodyPr>
+          <a:lstStyle/>
+          <a:p>
+            <a:r>
+              <a:rPr lang="en-US" altLang="ko-KR" dirty="0" err="1"/>
+              <a:t>a.Txt</a:t>
+            </a:r>
+            <a:r>
+              <a:rPr lang="en-US" altLang="ko-KR" dirty="0"/>
+              <a:t> : 2</a:t>
+            </a:r>
+            <a:endParaRPr lang="ko-KR" altLang="en-US" dirty="0"/>
+          </a:p>
+        </p:txBody>
+      </p:sp>
+      <p:sp>
+        <p:nvSpPr>
+          <p:cNvPr id="26" name="TextBox 25">
+            <a:extLst>
+              <a:ext uri="{FF2B5EF4-FFF2-40B4-BE49-F238E27FC236}">
+                <a16:creationId xmlns:a16="http://schemas.microsoft.com/office/drawing/2014/main" id="{497EA089-66A6-4552-ACE4-A428B0C1E153}"/>
+              </a:ext>
+            </a:extLst>
+          </p:cNvPr>
+          <p:cNvSpPr txBox="1"/>
+          <p:nvPr/>
+        </p:nvSpPr>
+        <p:spPr>
+          <a:xfrm>
+            <a:off x="2711327" y="3814049"/>
+            <a:ext cx="1550376" cy="369332"/>
+          </a:xfrm>
+          <a:prstGeom prst="rect">
+            <a:avLst/>
+          </a:prstGeom>
+          <a:noFill/>
+        </p:spPr>
+        <p:txBody>
+          <a:bodyPr wrap="square" rtlCol="0">
+            <a:spAutoFit/>
+          </a:bodyPr>
+          <a:lstStyle/>
+          <a:p>
+            <a:r>
+              <a:rPr lang="en-US" altLang="ko-KR" dirty="0" err="1"/>
+              <a:t>a.Txt</a:t>
+            </a:r>
+            <a:r>
+              <a:rPr lang="en-US" altLang="ko-KR" dirty="0"/>
+              <a:t> : </a:t>
+            </a:r>
+            <a:r>
+              <a:rPr lang="ko-KR" altLang="en-US" dirty="0"/>
+              <a:t>삭제</a:t>
+            </a:r>
+          </a:p>
+        </p:txBody>
+      </p:sp>
+      <p:sp>
+        <p:nvSpPr>
+          <p:cNvPr id="34" name="TextBox 33">
+            <a:extLst>
+              <a:ext uri="{FF2B5EF4-FFF2-40B4-BE49-F238E27FC236}">
+                <a16:creationId xmlns:a16="http://schemas.microsoft.com/office/drawing/2014/main" id="{602FE94A-6FDE-494A-A754-447ACCD1A311}"/>
+              </a:ext>
+            </a:extLst>
+          </p:cNvPr>
+          <p:cNvSpPr txBox="1"/>
+          <p:nvPr/>
+        </p:nvSpPr>
+        <p:spPr>
+          <a:xfrm>
+            <a:off x="3376611" y="2451962"/>
+            <a:ext cx="852854" cy="369332"/>
+          </a:xfrm>
+          <a:prstGeom prst="rect">
+            <a:avLst/>
+          </a:prstGeom>
+          <a:noFill/>
+        </p:spPr>
+        <p:txBody>
+          <a:bodyPr wrap="square" rtlCol="0">
+            <a:spAutoFit/>
+          </a:bodyPr>
+          <a:lstStyle/>
+          <a:p>
+            <a:r>
+              <a:rPr lang="en-US" altLang="ko-KR" dirty="0"/>
+              <a:t>sub</a:t>
+            </a:r>
+            <a:endParaRPr lang="ko-KR" altLang="en-US" dirty="0"/>
+          </a:p>
+        </p:txBody>
+      </p:sp>
+      <p:sp>
+        <p:nvSpPr>
+          <p:cNvPr id="37" name="TextBox 36">
+            <a:extLst>
+              <a:ext uri="{FF2B5EF4-FFF2-40B4-BE49-F238E27FC236}">
+                <a16:creationId xmlns:a16="http://schemas.microsoft.com/office/drawing/2014/main" id="{6266389C-D716-4E70-B298-CAC144C9F86F}"/>
+              </a:ext>
+            </a:extLst>
+          </p:cNvPr>
+          <p:cNvSpPr txBox="1"/>
+          <p:nvPr/>
+        </p:nvSpPr>
+        <p:spPr>
+          <a:xfrm>
+            <a:off x="3536338" y="2102710"/>
+            <a:ext cx="852854" cy="369332"/>
+          </a:xfrm>
+          <a:prstGeom prst="rect">
+            <a:avLst/>
+          </a:prstGeom>
+          <a:noFill/>
+        </p:spPr>
+        <p:txBody>
+          <a:bodyPr wrap="square" rtlCol="0">
+            <a:spAutoFit/>
+          </a:bodyPr>
+          <a:lstStyle/>
+          <a:p>
+            <a:r>
+              <a:rPr lang="en-US" altLang="ko-KR" dirty="0"/>
+              <a:t>main</a:t>
+            </a:r>
+            <a:endParaRPr lang="ko-KR" altLang="en-US" dirty="0"/>
+          </a:p>
+        </p:txBody>
+      </p:sp>
+      <p:sp>
+        <p:nvSpPr>
+          <p:cNvPr id="32" name="타원 31">
+            <a:extLst>
+              <a:ext uri="{FF2B5EF4-FFF2-40B4-BE49-F238E27FC236}">
+                <a16:creationId xmlns:a16="http://schemas.microsoft.com/office/drawing/2014/main" id="{380B05F7-1C49-4BFA-A3A2-132BBC1F9885}"/>
+              </a:ext>
+            </a:extLst>
+          </p:cNvPr>
+          <p:cNvSpPr/>
+          <p:nvPr/>
+        </p:nvSpPr>
+        <p:spPr>
+          <a:xfrm>
+            <a:off x="6746997" y="2417092"/>
+            <a:ext cx="993531" cy="984738"/>
+          </a:xfrm>
+          <a:prstGeom prst="ellipse">
+            <a:avLst/>
+          </a:prstGeom>
+        </p:spPr>
+        <p:style>
+          <a:lnRef idx="2">
+            <a:schemeClr val="accent1">
+              <a:shade val="50000"/>
+            </a:schemeClr>
+          </a:lnRef>
+          <a:fillRef idx="1">
+            <a:schemeClr val="accent1"/>
+          </a:fillRef>
+          <a:effectRef idx="0">
+            <a:schemeClr val="accent1"/>
+          </a:effectRef>
+          <a:fontRef idx="minor">
+            <a:schemeClr val="lt1"/>
+          </a:fontRef>
+        </p:style>
+        <p:txBody>
+          <a:bodyPr rtlCol="0" anchor="ctr"/>
+          <a:lstStyle/>
+          <a:p>
+            <a:pPr algn="ctr"/>
+            <a:r>
+              <a:rPr lang="en-US" altLang="ko-KR" dirty="0"/>
+              <a:t>c2</a:t>
+            </a:r>
+            <a:endParaRPr lang="ko-KR" altLang="en-US" dirty="0"/>
+          </a:p>
+        </p:txBody>
+      </p:sp>
+      <p:sp>
+        <p:nvSpPr>
+          <p:cNvPr id="35" name="타원 34">
+            <a:extLst>
+              <a:ext uri="{FF2B5EF4-FFF2-40B4-BE49-F238E27FC236}">
+                <a16:creationId xmlns:a16="http://schemas.microsoft.com/office/drawing/2014/main" id="{8A825679-BBD3-4C40-ACF6-A52FCBEB459C}"/>
+              </a:ext>
+            </a:extLst>
+          </p:cNvPr>
+          <p:cNvSpPr/>
+          <p:nvPr/>
+        </p:nvSpPr>
+        <p:spPr>
+          <a:xfrm>
+            <a:off x="8651997" y="3268314"/>
+            <a:ext cx="993531" cy="984738"/>
+          </a:xfrm>
+          <a:prstGeom prst="ellipse">
+            <a:avLst/>
+          </a:prstGeom>
+        </p:spPr>
+        <p:style>
+          <a:lnRef idx="2">
+            <a:schemeClr val="accent1">
+              <a:shade val="50000"/>
+            </a:schemeClr>
+          </a:lnRef>
+          <a:fillRef idx="1">
+            <a:schemeClr val="accent1"/>
+          </a:fillRef>
+          <a:effectRef idx="0">
+            <a:schemeClr val="accent1"/>
+          </a:effectRef>
+          <a:fontRef idx="minor">
+            <a:schemeClr val="lt1"/>
+          </a:fontRef>
+        </p:style>
+        <p:txBody>
+          <a:bodyPr rtlCol="0" anchor="ctr"/>
+          <a:lstStyle/>
+          <a:p>
+            <a:pPr algn="ctr"/>
+            <a:r>
+              <a:rPr lang="en-US" altLang="ko-KR" dirty="0"/>
+              <a:t>c3</a:t>
+            </a:r>
+            <a:endParaRPr lang="ko-KR" altLang="en-US" dirty="0"/>
+          </a:p>
+        </p:txBody>
+      </p:sp>
+      <p:cxnSp>
+        <p:nvCxnSpPr>
+          <p:cNvPr id="40" name="직선 화살표 연결선 39">
+            <a:extLst>
+              <a:ext uri="{FF2B5EF4-FFF2-40B4-BE49-F238E27FC236}">
+                <a16:creationId xmlns:a16="http://schemas.microsoft.com/office/drawing/2014/main" id="{B0482091-B2F5-4ABD-8517-911485304F9A}"/>
+              </a:ext>
+            </a:extLst>
+          </p:cNvPr>
+          <p:cNvCxnSpPr>
+            <a:cxnSpLocks/>
+            <a:stCxn id="35" idx="2"/>
+            <a:endCxn id="32" idx="6"/>
+          </p:cNvCxnSpPr>
+          <p:nvPr/>
+        </p:nvCxnSpPr>
+        <p:spPr>
+          <a:xfrm flipH="1" flipV="1">
+            <a:off x="7740528" y="2909461"/>
+            <a:ext cx="911469" cy="851222"/>
+          </a:xfrm>
+          <a:prstGeom prst="straightConnector1">
+            <a:avLst/>
+          </a:prstGeom>
+          <a:ln>
+            <a:tailEnd type="triangle"/>
+          </a:ln>
+        </p:spPr>
+        <p:style>
+          <a:lnRef idx="1">
+            <a:schemeClr val="accent1"/>
+          </a:lnRef>
+          <a:fillRef idx="0">
+            <a:schemeClr val="accent1"/>
+          </a:fillRef>
+          <a:effectRef idx="0">
+            <a:schemeClr val="accent1"/>
+          </a:effectRef>
+          <a:fontRef idx="minor">
+            <a:schemeClr val="tx1"/>
+          </a:fontRef>
+        </p:style>
+      </p:cxnSp>
+      <p:sp>
+        <p:nvSpPr>
+          <p:cNvPr id="41" name="설명선: 아래쪽 화살표 40">
+            <a:extLst>
+              <a:ext uri="{FF2B5EF4-FFF2-40B4-BE49-F238E27FC236}">
+                <a16:creationId xmlns:a16="http://schemas.microsoft.com/office/drawing/2014/main" id="{059354EE-D871-4A73-8823-FECCDBA2F49D}"/>
+              </a:ext>
+            </a:extLst>
+          </p:cNvPr>
+          <p:cNvSpPr/>
+          <p:nvPr/>
+        </p:nvSpPr>
+        <p:spPr>
+          <a:xfrm>
+            <a:off x="8379863" y="315702"/>
+            <a:ext cx="1550376" cy="929275"/>
+          </a:xfrm>
+          <a:prstGeom prst="downArrowCallout">
+            <a:avLst/>
+          </a:prstGeom>
+        </p:spPr>
+        <p:style>
+          <a:lnRef idx="2">
+            <a:schemeClr val="accent1">
+              <a:shade val="50000"/>
+            </a:schemeClr>
+          </a:lnRef>
+          <a:fillRef idx="1">
+            <a:schemeClr val="accent1"/>
+          </a:fillRef>
+          <a:effectRef idx="0">
+            <a:schemeClr val="accent1"/>
+          </a:effectRef>
+          <a:fontRef idx="minor">
+            <a:schemeClr val="lt1"/>
+          </a:fontRef>
+        </p:style>
+        <p:txBody>
+          <a:bodyPr rtlCol="0" anchor="ctr"/>
+          <a:lstStyle/>
+          <a:p>
+            <a:pPr algn="ctr"/>
+            <a:r>
+              <a:rPr lang="en-US" altLang="ko-KR" dirty="0"/>
+              <a:t>Master</a:t>
+            </a:r>
+            <a:endParaRPr lang="ko-KR" altLang="en-US" dirty="0"/>
+          </a:p>
+        </p:txBody>
+      </p:sp>
+      <p:sp>
+        <p:nvSpPr>
+          <p:cNvPr id="42" name="TextBox 41">
+            <a:extLst>
+              <a:ext uri="{FF2B5EF4-FFF2-40B4-BE49-F238E27FC236}">
+                <a16:creationId xmlns:a16="http://schemas.microsoft.com/office/drawing/2014/main" id="{6797917C-2E08-4CE8-B0ED-11DF2158ACE2}"/>
+              </a:ext>
+            </a:extLst>
+          </p:cNvPr>
+          <p:cNvSpPr txBox="1"/>
+          <p:nvPr/>
+        </p:nvSpPr>
+        <p:spPr>
+          <a:xfrm>
+            <a:off x="7498740" y="2232426"/>
+            <a:ext cx="852854" cy="369332"/>
+          </a:xfrm>
+          <a:prstGeom prst="rect">
+            <a:avLst/>
+          </a:prstGeom>
+          <a:noFill/>
+        </p:spPr>
+        <p:txBody>
+          <a:bodyPr wrap="square" rtlCol="0">
+            <a:spAutoFit/>
+          </a:bodyPr>
+          <a:lstStyle/>
+          <a:p>
+            <a:r>
+              <a:rPr lang="en-US" altLang="ko-KR" dirty="0"/>
+              <a:t>main</a:t>
+            </a:r>
+            <a:endParaRPr lang="ko-KR" altLang="en-US" dirty="0"/>
+          </a:p>
+        </p:txBody>
+      </p:sp>
+      <p:sp>
+        <p:nvSpPr>
+          <p:cNvPr id="43" name="설명선: 아래쪽 화살표 42">
+            <a:extLst>
+              <a:ext uri="{FF2B5EF4-FFF2-40B4-BE49-F238E27FC236}">
+                <a16:creationId xmlns:a16="http://schemas.microsoft.com/office/drawing/2014/main" id="{575CE25C-A030-448C-A32D-8C5250606B2A}"/>
+              </a:ext>
+            </a:extLst>
+          </p:cNvPr>
+          <p:cNvSpPr/>
+          <p:nvPr/>
+        </p:nvSpPr>
+        <p:spPr>
+          <a:xfrm rot="10800000">
+            <a:off x="8379863" y="4966451"/>
+            <a:ext cx="1550376" cy="928269"/>
+          </a:xfrm>
+          <a:prstGeom prst="downArrowCallout">
+            <a:avLst>
+              <a:gd name="adj1" fmla="val 25000"/>
+              <a:gd name="adj2" fmla="val 26894"/>
+              <a:gd name="adj3" fmla="val 25000"/>
+              <a:gd name="adj4" fmla="val 64977"/>
+            </a:avLst>
+          </a:prstGeom>
+        </p:spPr>
+        <p:style>
+          <a:lnRef idx="2">
+            <a:schemeClr val="accent1">
+              <a:shade val="50000"/>
+            </a:schemeClr>
+          </a:lnRef>
+          <a:fillRef idx="1">
+            <a:schemeClr val="accent1"/>
+          </a:fillRef>
+          <a:effectRef idx="0">
+            <a:schemeClr val="accent1"/>
+          </a:effectRef>
+          <a:fontRef idx="minor">
+            <a:schemeClr val="lt1"/>
+          </a:fontRef>
+        </p:style>
+        <p:txBody>
+          <a:bodyPr rtlCol="0" anchor="ctr"/>
+          <a:lstStyle/>
+          <a:p>
+            <a:pPr algn="ctr"/>
+            <a:endParaRPr lang="ko-KR" altLang="en-US" dirty="0"/>
+          </a:p>
+        </p:txBody>
+      </p:sp>
+      <p:sp>
+        <p:nvSpPr>
+          <p:cNvPr id="44" name="TextBox 43">
+            <a:extLst>
+              <a:ext uri="{FF2B5EF4-FFF2-40B4-BE49-F238E27FC236}">
+                <a16:creationId xmlns:a16="http://schemas.microsoft.com/office/drawing/2014/main" id="{7B227180-1FEF-4575-99BC-464CE4CF1E33}"/>
+              </a:ext>
+            </a:extLst>
+          </p:cNvPr>
+          <p:cNvSpPr txBox="1"/>
+          <p:nvPr/>
+        </p:nvSpPr>
+        <p:spPr>
+          <a:xfrm>
+            <a:off x="8888351" y="5367154"/>
+            <a:ext cx="882161" cy="369332"/>
+          </a:xfrm>
+          <a:prstGeom prst="rect">
+            <a:avLst/>
+          </a:prstGeom>
+          <a:noFill/>
+        </p:spPr>
+        <p:txBody>
+          <a:bodyPr wrap="square" rtlCol="0">
+            <a:spAutoFit/>
+          </a:bodyPr>
+          <a:lstStyle/>
+          <a:p>
+            <a:r>
+              <a:rPr lang="en-US" altLang="ko-KR" dirty="0">
+                <a:solidFill>
+                  <a:schemeClr val="bg1"/>
+                </a:solidFill>
+              </a:rPr>
+              <a:t>test</a:t>
+            </a:r>
+            <a:endParaRPr lang="ko-KR" altLang="en-US" dirty="0">
+              <a:solidFill>
+                <a:schemeClr val="bg1"/>
+              </a:solidFill>
+            </a:endParaRPr>
+          </a:p>
+        </p:txBody>
+      </p:sp>
+      <p:sp>
+        <p:nvSpPr>
+          <p:cNvPr id="45" name="TextBox 44">
+            <a:extLst>
+              <a:ext uri="{FF2B5EF4-FFF2-40B4-BE49-F238E27FC236}">
+                <a16:creationId xmlns:a16="http://schemas.microsoft.com/office/drawing/2014/main" id="{72721B15-468B-401D-8A43-6436A1D5A712}"/>
+              </a:ext>
+            </a:extLst>
+          </p:cNvPr>
+          <p:cNvSpPr txBox="1"/>
+          <p:nvPr/>
+        </p:nvSpPr>
+        <p:spPr>
+          <a:xfrm>
+            <a:off x="6746997" y="3509150"/>
+            <a:ext cx="1056968" cy="369332"/>
+          </a:xfrm>
+          <a:prstGeom prst="rect">
+            <a:avLst/>
+          </a:prstGeom>
+          <a:noFill/>
+        </p:spPr>
+        <p:txBody>
+          <a:bodyPr wrap="square" rtlCol="0">
+            <a:spAutoFit/>
+          </a:bodyPr>
+          <a:lstStyle/>
+          <a:p>
+            <a:r>
+              <a:rPr lang="en-US" altLang="ko-KR" dirty="0" err="1"/>
+              <a:t>a.Txt</a:t>
+            </a:r>
+            <a:r>
+              <a:rPr lang="en-US" altLang="ko-KR" dirty="0"/>
+              <a:t> : 2</a:t>
+            </a:r>
+            <a:endParaRPr lang="ko-KR" altLang="en-US" dirty="0"/>
+          </a:p>
+        </p:txBody>
+      </p:sp>
+      <p:sp>
+        <p:nvSpPr>
+          <p:cNvPr id="46" name="TextBox 45">
+            <a:extLst>
+              <a:ext uri="{FF2B5EF4-FFF2-40B4-BE49-F238E27FC236}">
+                <a16:creationId xmlns:a16="http://schemas.microsoft.com/office/drawing/2014/main" id="{09BB212C-1F65-499C-BBFC-8A7810E4DF3A}"/>
+              </a:ext>
+            </a:extLst>
+          </p:cNvPr>
+          <p:cNvSpPr txBox="1"/>
+          <p:nvPr/>
+        </p:nvSpPr>
+        <p:spPr>
+          <a:xfrm>
+            <a:off x="8713544" y="4325221"/>
+            <a:ext cx="1056968" cy="646331"/>
+          </a:xfrm>
+          <a:prstGeom prst="rect">
+            <a:avLst/>
+          </a:prstGeom>
+          <a:noFill/>
+        </p:spPr>
+        <p:txBody>
+          <a:bodyPr wrap="square" rtlCol="0">
+            <a:spAutoFit/>
+          </a:bodyPr>
+          <a:lstStyle/>
+          <a:p>
+            <a:r>
+              <a:rPr lang="en-US" altLang="ko-KR" dirty="0" err="1"/>
+              <a:t>a.Txt</a:t>
+            </a:r>
+            <a:r>
+              <a:rPr lang="en-US" altLang="ko-KR" dirty="0"/>
+              <a:t> : 2</a:t>
+            </a:r>
+          </a:p>
+          <a:p>
+            <a:r>
+              <a:rPr lang="en-US" altLang="ko-KR" dirty="0" err="1"/>
+              <a:t>b.Txt</a:t>
+            </a:r>
+            <a:r>
+              <a:rPr lang="en-US" altLang="ko-KR" dirty="0"/>
+              <a:t> : 1</a:t>
+            </a:r>
+            <a:endParaRPr lang="ko-KR" altLang="en-US" dirty="0"/>
+          </a:p>
+        </p:txBody>
+      </p:sp>
+      <p:sp>
+        <p:nvSpPr>
+          <p:cNvPr id="47" name="TextBox 46">
+            <a:extLst>
+              <a:ext uri="{FF2B5EF4-FFF2-40B4-BE49-F238E27FC236}">
+                <a16:creationId xmlns:a16="http://schemas.microsoft.com/office/drawing/2014/main" id="{7DE4848C-0F32-48A5-90CB-BEDE514FD39F}"/>
+              </a:ext>
+            </a:extLst>
+          </p:cNvPr>
+          <p:cNvSpPr txBox="1"/>
+          <p:nvPr/>
+        </p:nvSpPr>
+        <p:spPr>
+          <a:xfrm>
+            <a:off x="9378828" y="2963134"/>
+            <a:ext cx="852854" cy="369332"/>
+          </a:xfrm>
+          <a:prstGeom prst="rect">
+            <a:avLst/>
+          </a:prstGeom>
+          <a:noFill/>
+        </p:spPr>
+        <p:txBody>
+          <a:bodyPr wrap="square" rtlCol="0">
+            <a:spAutoFit/>
+          </a:bodyPr>
+          <a:lstStyle/>
+          <a:p>
+            <a:r>
+              <a:rPr lang="en-US" altLang="ko-KR" dirty="0"/>
+              <a:t>sub</a:t>
+            </a:r>
+            <a:endParaRPr lang="ko-KR" altLang="en-US" dirty="0"/>
+          </a:p>
+        </p:txBody>
+      </p:sp>
+      <p:sp>
+        <p:nvSpPr>
+          <p:cNvPr id="49" name="TextBox 48">
+            <a:extLst>
+              <a:ext uri="{FF2B5EF4-FFF2-40B4-BE49-F238E27FC236}">
+                <a16:creationId xmlns:a16="http://schemas.microsoft.com/office/drawing/2014/main" id="{FB22C100-0122-4F07-A7DC-00E429E4487A}"/>
+              </a:ext>
+            </a:extLst>
+          </p:cNvPr>
+          <p:cNvSpPr txBox="1"/>
+          <p:nvPr/>
+        </p:nvSpPr>
+        <p:spPr>
+          <a:xfrm>
+            <a:off x="9757692" y="1578836"/>
+            <a:ext cx="852854" cy="369332"/>
+          </a:xfrm>
+          <a:prstGeom prst="rect">
+            <a:avLst/>
+          </a:prstGeom>
+          <a:noFill/>
+        </p:spPr>
+        <p:txBody>
+          <a:bodyPr wrap="square" rtlCol="0">
+            <a:spAutoFit/>
+          </a:bodyPr>
+          <a:lstStyle/>
+          <a:p>
+            <a:r>
+              <a:rPr lang="en-US" altLang="ko-KR" dirty="0"/>
+              <a:t>main</a:t>
+            </a:r>
+            <a:endParaRPr lang="ko-KR" altLang="en-US" dirty="0"/>
+          </a:p>
+        </p:txBody>
+      </p:sp>
+      <p:sp>
+        <p:nvSpPr>
+          <p:cNvPr id="51" name="타원 50">
+            <a:extLst>
+              <a:ext uri="{FF2B5EF4-FFF2-40B4-BE49-F238E27FC236}">
+                <a16:creationId xmlns:a16="http://schemas.microsoft.com/office/drawing/2014/main" id="{4E0A9013-807B-428A-B296-AFAAF7F97C63}"/>
+              </a:ext>
+            </a:extLst>
+          </p:cNvPr>
+          <p:cNvSpPr/>
+          <p:nvPr/>
+        </p:nvSpPr>
+        <p:spPr>
+          <a:xfrm>
+            <a:off x="8651996" y="1294830"/>
+            <a:ext cx="993531" cy="984738"/>
+          </a:xfrm>
+          <a:prstGeom prst="ellipse">
+            <a:avLst/>
+          </a:prstGeom>
+        </p:spPr>
+        <p:style>
+          <a:lnRef idx="2">
+            <a:schemeClr val="accent1">
+              <a:shade val="50000"/>
+            </a:schemeClr>
+          </a:lnRef>
+          <a:fillRef idx="1">
+            <a:schemeClr val="accent1"/>
+          </a:fillRef>
+          <a:effectRef idx="0">
+            <a:schemeClr val="accent1"/>
+          </a:effectRef>
+          <a:fontRef idx="minor">
+            <a:schemeClr val="lt1"/>
+          </a:fontRef>
+        </p:style>
+        <p:txBody>
+          <a:bodyPr rtlCol="0" anchor="ctr"/>
+          <a:lstStyle/>
+          <a:p>
+            <a:pPr algn="ctr"/>
+            <a:r>
+              <a:rPr lang="en-US" altLang="ko-KR" dirty="0"/>
+              <a:t>c3</a:t>
+            </a:r>
+            <a:endParaRPr lang="ko-KR" altLang="en-US" dirty="0"/>
+          </a:p>
+        </p:txBody>
+      </p:sp>
+      <p:cxnSp>
+        <p:nvCxnSpPr>
+          <p:cNvPr id="14" name="직선 화살표 연결선 13">
+            <a:extLst>
+              <a:ext uri="{FF2B5EF4-FFF2-40B4-BE49-F238E27FC236}">
+                <a16:creationId xmlns:a16="http://schemas.microsoft.com/office/drawing/2014/main" id="{4DFA7A49-C383-4698-A62E-497D097CD2D2}"/>
+              </a:ext>
+            </a:extLst>
+          </p:cNvPr>
+          <p:cNvCxnSpPr>
+            <a:cxnSpLocks/>
+            <a:stCxn id="51" idx="2"/>
+            <a:endCxn id="32" idx="6"/>
+          </p:cNvCxnSpPr>
+          <p:nvPr/>
+        </p:nvCxnSpPr>
+        <p:spPr>
+          <a:xfrm flipH="1">
+            <a:off x="7740528" y="1787199"/>
+            <a:ext cx="911468" cy="1122262"/>
+          </a:xfrm>
+          <a:prstGeom prst="straightConnector1">
+            <a:avLst/>
+          </a:prstGeom>
+          <a:ln>
+            <a:tailEnd type="triangle"/>
+          </a:ln>
+        </p:spPr>
+        <p:style>
+          <a:lnRef idx="1">
+            <a:schemeClr val="accent1"/>
+          </a:lnRef>
+          <a:fillRef idx="0">
+            <a:schemeClr val="accent1"/>
+          </a:fillRef>
+          <a:effectRef idx="0">
+            <a:schemeClr val="accent1"/>
+          </a:effectRef>
+          <a:fontRef idx="minor">
+            <a:schemeClr val="tx1"/>
+          </a:fontRef>
+        </p:style>
+      </p:cxnSp>
+      <p:sp>
+        <p:nvSpPr>
+          <p:cNvPr id="27" name="TextBox 26">
+            <a:extLst>
+              <a:ext uri="{FF2B5EF4-FFF2-40B4-BE49-F238E27FC236}">
+                <a16:creationId xmlns:a16="http://schemas.microsoft.com/office/drawing/2014/main" id="{F23AE0BE-8FA2-4F82-A2D3-5CEF13C36932}"/>
+              </a:ext>
+            </a:extLst>
+          </p:cNvPr>
+          <p:cNvSpPr txBox="1"/>
+          <p:nvPr/>
+        </p:nvSpPr>
+        <p:spPr>
+          <a:xfrm>
+            <a:off x="1850199" y="5948988"/>
+            <a:ext cx="3023515" cy="369332"/>
+          </a:xfrm>
+          <a:prstGeom prst="rect">
+            <a:avLst/>
+          </a:prstGeom>
+          <a:noFill/>
+        </p:spPr>
+        <p:txBody>
+          <a:bodyPr wrap="square" rtlCol="0">
+            <a:spAutoFit/>
+          </a:bodyPr>
+          <a:lstStyle/>
+          <a:p>
+            <a:r>
+              <a:rPr lang="en-US" altLang="ko-KR" dirty="0" err="1"/>
+              <a:t>a.Txt</a:t>
+            </a:r>
+            <a:r>
+              <a:rPr lang="en-US" altLang="ko-KR" dirty="0"/>
+              <a:t> </a:t>
+            </a:r>
+            <a:r>
+              <a:rPr lang="ko-KR" altLang="en-US" dirty="0"/>
+              <a:t>가 사라짐</a:t>
+            </a:r>
+          </a:p>
+        </p:txBody>
+      </p:sp>
+      <p:sp>
+        <p:nvSpPr>
+          <p:cNvPr id="53" name="TextBox 52">
+            <a:extLst>
+              <a:ext uri="{FF2B5EF4-FFF2-40B4-BE49-F238E27FC236}">
+                <a16:creationId xmlns:a16="http://schemas.microsoft.com/office/drawing/2014/main" id="{FACBB1AC-CEF8-4AE4-A4FF-1028A97ADDBD}"/>
+              </a:ext>
+            </a:extLst>
+          </p:cNvPr>
+          <p:cNvSpPr txBox="1"/>
+          <p:nvPr/>
+        </p:nvSpPr>
+        <p:spPr>
+          <a:xfrm>
+            <a:off x="8723375" y="2288754"/>
+            <a:ext cx="1056968" cy="369332"/>
+          </a:xfrm>
+          <a:prstGeom prst="rect">
+            <a:avLst/>
+          </a:prstGeom>
+          <a:noFill/>
+        </p:spPr>
+        <p:txBody>
+          <a:bodyPr wrap="square" rtlCol="0">
+            <a:spAutoFit/>
+          </a:bodyPr>
+          <a:lstStyle/>
+          <a:p>
+            <a:r>
+              <a:rPr lang="en-US" altLang="ko-KR" dirty="0" err="1"/>
+              <a:t>a.Txt</a:t>
+            </a:r>
+            <a:r>
+              <a:rPr lang="en-US" altLang="ko-KR" dirty="0"/>
+              <a:t> : 3</a:t>
+            </a:r>
+            <a:endParaRPr lang="ko-KR" altLang="en-US" dirty="0"/>
+          </a:p>
+        </p:txBody>
+      </p:sp>
+      <p:sp>
+        <p:nvSpPr>
+          <p:cNvPr id="54" name="별: 꼭짓점 6개 53">
+            <a:extLst>
+              <a:ext uri="{FF2B5EF4-FFF2-40B4-BE49-F238E27FC236}">
+                <a16:creationId xmlns:a16="http://schemas.microsoft.com/office/drawing/2014/main" id="{9A3068C2-070C-498E-BFB9-18544F7E9C40}"/>
+              </a:ext>
+            </a:extLst>
+          </p:cNvPr>
+          <p:cNvSpPr/>
+          <p:nvPr/>
+        </p:nvSpPr>
+        <p:spPr>
+          <a:xfrm>
+            <a:off x="-48113" y="5430586"/>
+            <a:ext cx="1969294" cy="1406137"/>
+          </a:xfrm>
+          <a:prstGeom prst="star6">
+            <a:avLst/>
+          </a:prstGeom>
+        </p:spPr>
+        <p:style>
+          <a:lnRef idx="2">
+            <a:schemeClr val="accent1">
+              <a:shade val="50000"/>
+            </a:schemeClr>
+          </a:lnRef>
+          <a:fillRef idx="1">
+            <a:schemeClr val="accent1"/>
+          </a:fillRef>
+          <a:effectRef idx="0">
+            <a:schemeClr val="accent1"/>
+          </a:effectRef>
+          <a:fontRef idx="minor">
+            <a:schemeClr val="lt1"/>
+          </a:fontRef>
+        </p:style>
+        <p:txBody>
+          <a:bodyPr rtlCol="0" anchor="ctr"/>
+          <a:lstStyle/>
+          <a:p>
+            <a:pPr algn="ctr"/>
+            <a:r>
+              <a:rPr lang="en-US" altLang="ko-KR" dirty="0"/>
+              <a:t>Fast </a:t>
+            </a:r>
+            <a:r>
+              <a:rPr lang="en-US" altLang="ko-KR" dirty="0" err="1"/>
+              <a:t>forword</a:t>
+            </a:r>
+            <a:endParaRPr lang="ko-KR" altLang="en-US" dirty="0"/>
+          </a:p>
+        </p:txBody>
+      </p:sp>
+    </p:spTree>
+    <p:extLst>
+      <p:ext uri="{BB962C8B-B14F-4D97-AF65-F5344CB8AC3E}">
+        <p14:creationId xmlns:p14="http://schemas.microsoft.com/office/powerpoint/2010/main" val="124204596"/>
+      </p:ext>
+    </p:extLst>
+  </p:cSld>
+  <p:clrMapOvr>
+    <a:masterClrMapping/>
+  </p:clrMapOvr>
+</p:sld>
+</file>
+
+<file path=ppt/slides/slide33.xml><?xml version="1.0" encoding="utf-8"?>
+<p:sld xmlns:a="http://schemas.openxmlformats.org/drawingml/2006/main" xmlns:r="http://schemas.openxmlformats.org/officeDocument/2006/relationships" xmlns:p="http://schemas.openxmlformats.org/presentationml/2006/main">
+  <p:cSld>
+    <p:spTree>
+      <p:nvGrpSpPr>
+        <p:cNvPr id="1" name=""/>
+        <p:cNvGrpSpPr/>
+        <p:nvPr/>
+      </p:nvGrpSpPr>
+      <p:grpSpPr>
+        <a:xfrm>
+          <a:off x="0" y="0"/>
+          <a:ext cx="0" cy="0"/>
+          <a:chOff x="0" y="0"/>
+          <a:chExt cx="0" cy="0"/>
+        </a:xfrm>
+      </p:grpSpPr>
+      <p:sp>
+        <p:nvSpPr>
+          <p:cNvPr id="32" name="타원 31">
+            <a:extLst>
+              <a:ext uri="{FF2B5EF4-FFF2-40B4-BE49-F238E27FC236}">
+                <a16:creationId xmlns:a16="http://schemas.microsoft.com/office/drawing/2014/main" id="{380B05F7-1C49-4BFA-A3A2-132BBC1F9885}"/>
+              </a:ext>
+            </a:extLst>
+          </p:cNvPr>
+          <p:cNvSpPr/>
+          <p:nvPr/>
+        </p:nvSpPr>
+        <p:spPr>
+          <a:xfrm>
+            <a:off x="231897" y="2883084"/>
+            <a:ext cx="993531" cy="984738"/>
+          </a:xfrm>
+          <a:prstGeom prst="ellipse">
+            <a:avLst/>
+          </a:prstGeom>
+        </p:spPr>
+        <p:style>
+          <a:lnRef idx="2">
+            <a:schemeClr val="accent1">
+              <a:shade val="50000"/>
+            </a:schemeClr>
+          </a:lnRef>
+          <a:fillRef idx="1">
+            <a:schemeClr val="accent1"/>
+          </a:fillRef>
+          <a:effectRef idx="0">
+            <a:schemeClr val="accent1"/>
+          </a:effectRef>
+          <a:fontRef idx="minor">
+            <a:schemeClr val="lt1"/>
+          </a:fontRef>
+        </p:style>
+        <p:txBody>
+          <a:bodyPr rtlCol="0" anchor="ctr"/>
+          <a:lstStyle/>
+          <a:p>
+            <a:pPr algn="ctr"/>
+            <a:r>
+              <a:rPr lang="en-US" altLang="ko-KR" dirty="0"/>
+              <a:t>c2</a:t>
+            </a:r>
+            <a:endParaRPr lang="ko-KR" altLang="en-US" dirty="0"/>
+          </a:p>
+        </p:txBody>
+      </p:sp>
+      <p:sp>
+        <p:nvSpPr>
+          <p:cNvPr id="35" name="타원 34">
+            <a:extLst>
+              <a:ext uri="{FF2B5EF4-FFF2-40B4-BE49-F238E27FC236}">
+                <a16:creationId xmlns:a16="http://schemas.microsoft.com/office/drawing/2014/main" id="{8A825679-BBD3-4C40-ACF6-A52FCBEB459C}"/>
+              </a:ext>
+            </a:extLst>
+          </p:cNvPr>
+          <p:cNvSpPr/>
+          <p:nvPr/>
+        </p:nvSpPr>
+        <p:spPr>
+          <a:xfrm>
+            <a:off x="2136897" y="3734306"/>
+            <a:ext cx="993531" cy="984738"/>
+          </a:xfrm>
+          <a:prstGeom prst="ellipse">
+            <a:avLst/>
+          </a:prstGeom>
+        </p:spPr>
+        <p:style>
+          <a:lnRef idx="2">
+            <a:schemeClr val="accent1">
+              <a:shade val="50000"/>
+            </a:schemeClr>
+          </a:lnRef>
+          <a:fillRef idx="1">
+            <a:schemeClr val="accent1"/>
+          </a:fillRef>
+          <a:effectRef idx="0">
+            <a:schemeClr val="accent1"/>
+          </a:effectRef>
+          <a:fontRef idx="minor">
+            <a:schemeClr val="lt1"/>
+          </a:fontRef>
+        </p:style>
+        <p:txBody>
+          <a:bodyPr rtlCol="0" anchor="ctr"/>
+          <a:lstStyle/>
+          <a:p>
+            <a:pPr algn="ctr"/>
+            <a:r>
+              <a:rPr lang="en-US" altLang="ko-KR" dirty="0"/>
+              <a:t>c3</a:t>
+            </a:r>
+            <a:endParaRPr lang="ko-KR" altLang="en-US" dirty="0"/>
+          </a:p>
+        </p:txBody>
+      </p:sp>
+      <p:cxnSp>
+        <p:nvCxnSpPr>
+          <p:cNvPr id="40" name="직선 화살표 연결선 39">
+            <a:extLst>
+              <a:ext uri="{FF2B5EF4-FFF2-40B4-BE49-F238E27FC236}">
+                <a16:creationId xmlns:a16="http://schemas.microsoft.com/office/drawing/2014/main" id="{B0482091-B2F5-4ABD-8517-911485304F9A}"/>
+              </a:ext>
+            </a:extLst>
+          </p:cNvPr>
+          <p:cNvCxnSpPr>
+            <a:cxnSpLocks/>
+            <a:stCxn id="35" idx="2"/>
+            <a:endCxn id="32" idx="6"/>
+          </p:cNvCxnSpPr>
+          <p:nvPr/>
+        </p:nvCxnSpPr>
+        <p:spPr>
+          <a:xfrm flipH="1" flipV="1">
+            <a:off x="1225428" y="3375453"/>
+            <a:ext cx="911469" cy="851222"/>
+          </a:xfrm>
+          <a:prstGeom prst="straightConnector1">
+            <a:avLst/>
+          </a:prstGeom>
+          <a:ln>
+            <a:tailEnd type="triangle"/>
+          </a:ln>
+        </p:spPr>
+        <p:style>
+          <a:lnRef idx="1">
+            <a:schemeClr val="accent1"/>
+          </a:lnRef>
+          <a:fillRef idx="0">
+            <a:schemeClr val="accent1"/>
+          </a:fillRef>
+          <a:effectRef idx="0">
+            <a:schemeClr val="accent1"/>
+          </a:effectRef>
+          <a:fontRef idx="minor">
+            <a:schemeClr val="tx1"/>
+          </a:fontRef>
+        </p:style>
+      </p:cxnSp>
+      <p:sp>
+        <p:nvSpPr>
+          <p:cNvPr id="41" name="설명선: 아래쪽 화살표 40">
+            <a:extLst>
+              <a:ext uri="{FF2B5EF4-FFF2-40B4-BE49-F238E27FC236}">
+                <a16:creationId xmlns:a16="http://schemas.microsoft.com/office/drawing/2014/main" id="{059354EE-D871-4A73-8823-FECCDBA2F49D}"/>
+              </a:ext>
+            </a:extLst>
+          </p:cNvPr>
+          <p:cNvSpPr/>
+          <p:nvPr/>
+        </p:nvSpPr>
+        <p:spPr>
+          <a:xfrm>
+            <a:off x="1864763" y="781694"/>
+            <a:ext cx="1550376" cy="929275"/>
+          </a:xfrm>
+          <a:prstGeom prst="downArrowCallout">
+            <a:avLst/>
+          </a:prstGeom>
+        </p:spPr>
+        <p:style>
+          <a:lnRef idx="2">
+            <a:schemeClr val="accent1">
+              <a:shade val="50000"/>
+            </a:schemeClr>
+          </a:lnRef>
+          <a:fillRef idx="1">
+            <a:schemeClr val="accent1"/>
+          </a:fillRef>
+          <a:effectRef idx="0">
+            <a:schemeClr val="accent1"/>
+          </a:effectRef>
+          <a:fontRef idx="minor">
+            <a:schemeClr val="lt1"/>
+          </a:fontRef>
+        </p:style>
+        <p:txBody>
+          <a:bodyPr rtlCol="0" anchor="ctr"/>
+          <a:lstStyle/>
+          <a:p>
+            <a:pPr algn="ctr"/>
+            <a:r>
+              <a:rPr lang="en-US" altLang="ko-KR" dirty="0"/>
+              <a:t>Master</a:t>
+            </a:r>
+            <a:endParaRPr lang="ko-KR" altLang="en-US" dirty="0"/>
+          </a:p>
+        </p:txBody>
+      </p:sp>
+      <p:sp>
+        <p:nvSpPr>
+          <p:cNvPr id="42" name="TextBox 41">
+            <a:extLst>
+              <a:ext uri="{FF2B5EF4-FFF2-40B4-BE49-F238E27FC236}">
+                <a16:creationId xmlns:a16="http://schemas.microsoft.com/office/drawing/2014/main" id="{6797917C-2E08-4CE8-B0ED-11DF2158ACE2}"/>
+              </a:ext>
+            </a:extLst>
+          </p:cNvPr>
+          <p:cNvSpPr txBox="1"/>
+          <p:nvPr/>
+        </p:nvSpPr>
+        <p:spPr>
+          <a:xfrm>
+            <a:off x="983640" y="2698418"/>
+            <a:ext cx="852854" cy="369332"/>
+          </a:xfrm>
+          <a:prstGeom prst="rect">
+            <a:avLst/>
+          </a:prstGeom>
+          <a:noFill/>
+        </p:spPr>
+        <p:txBody>
+          <a:bodyPr wrap="square" rtlCol="0">
+            <a:spAutoFit/>
+          </a:bodyPr>
+          <a:lstStyle/>
+          <a:p>
+            <a:r>
+              <a:rPr lang="en-US" altLang="ko-KR" dirty="0"/>
+              <a:t>main</a:t>
+            </a:r>
+            <a:endParaRPr lang="ko-KR" altLang="en-US" dirty="0"/>
+          </a:p>
+        </p:txBody>
+      </p:sp>
+      <p:sp>
+        <p:nvSpPr>
+          <p:cNvPr id="43" name="설명선: 아래쪽 화살표 42">
+            <a:extLst>
+              <a:ext uri="{FF2B5EF4-FFF2-40B4-BE49-F238E27FC236}">
+                <a16:creationId xmlns:a16="http://schemas.microsoft.com/office/drawing/2014/main" id="{575CE25C-A030-448C-A32D-8C5250606B2A}"/>
+              </a:ext>
+            </a:extLst>
+          </p:cNvPr>
+          <p:cNvSpPr/>
+          <p:nvPr/>
+        </p:nvSpPr>
+        <p:spPr>
+          <a:xfrm rot="10800000">
+            <a:off x="1864763" y="5432443"/>
+            <a:ext cx="1550376" cy="928269"/>
+          </a:xfrm>
+          <a:prstGeom prst="downArrowCallout">
+            <a:avLst>
+              <a:gd name="adj1" fmla="val 25000"/>
+              <a:gd name="adj2" fmla="val 26894"/>
+              <a:gd name="adj3" fmla="val 25000"/>
+              <a:gd name="adj4" fmla="val 64977"/>
+            </a:avLst>
+          </a:prstGeom>
+        </p:spPr>
+        <p:style>
+          <a:lnRef idx="2">
+            <a:schemeClr val="accent1">
+              <a:shade val="50000"/>
+            </a:schemeClr>
+          </a:lnRef>
+          <a:fillRef idx="1">
+            <a:schemeClr val="accent1"/>
+          </a:fillRef>
+          <a:effectRef idx="0">
+            <a:schemeClr val="accent1"/>
+          </a:effectRef>
+          <a:fontRef idx="minor">
+            <a:schemeClr val="lt1"/>
+          </a:fontRef>
+        </p:style>
+        <p:txBody>
+          <a:bodyPr rtlCol="0" anchor="ctr"/>
+          <a:lstStyle/>
+          <a:p>
+            <a:pPr algn="ctr"/>
+            <a:endParaRPr lang="ko-KR" altLang="en-US" dirty="0"/>
+          </a:p>
+        </p:txBody>
+      </p:sp>
+      <p:sp>
+        <p:nvSpPr>
+          <p:cNvPr id="44" name="TextBox 43">
+            <a:extLst>
+              <a:ext uri="{FF2B5EF4-FFF2-40B4-BE49-F238E27FC236}">
+                <a16:creationId xmlns:a16="http://schemas.microsoft.com/office/drawing/2014/main" id="{7B227180-1FEF-4575-99BC-464CE4CF1E33}"/>
+              </a:ext>
+            </a:extLst>
+          </p:cNvPr>
+          <p:cNvSpPr txBox="1"/>
+          <p:nvPr/>
+        </p:nvSpPr>
+        <p:spPr>
+          <a:xfrm>
+            <a:off x="2373251" y="5833146"/>
+            <a:ext cx="882161" cy="369332"/>
+          </a:xfrm>
+          <a:prstGeom prst="rect">
+            <a:avLst/>
+          </a:prstGeom>
+          <a:noFill/>
+        </p:spPr>
+        <p:txBody>
+          <a:bodyPr wrap="square" rtlCol="0">
+            <a:spAutoFit/>
+          </a:bodyPr>
+          <a:lstStyle/>
+          <a:p>
+            <a:r>
+              <a:rPr lang="en-US" altLang="ko-KR" dirty="0">
+                <a:solidFill>
+                  <a:schemeClr val="bg1"/>
+                </a:solidFill>
+              </a:rPr>
+              <a:t>test</a:t>
+            </a:r>
+            <a:endParaRPr lang="ko-KR" altLang="en-US" dirty="0">
+              <a:solidFill>
+                <a:schemeClr val="bg1"/>
+              </a:solidFill>
+            </a:endParaRPr>
+          </a:p>
+        </p:txBody>
+      </p:sp>
+      <p:sp>
+        <p:nvSpPr>
+          <p:cNvPr id="45" name="TextBox 44">
+            <a:extLst>
+              <a:ext uri="{FF2B5EF4-FFF2-40B4-BE49-F238E27FC236}">
+                <a16:creationId xmlns:a16="http://schemas.microsoft.com/office/drawing/2014/main" id="{72721B15-468B-401D-8A43-6436A1D5A712}"/>
+              </a:ext>
+            </a:extLst>
+          </p:cNvPr>
+          <p:cNvSpPr txBox="1"/>
+          <p:nvPr/>
+        </p:nvSpPr>
+        <p:spPr>
+          <a:xfrm>
+            <a:off x="231897" y="3975142"/>
+            <a:ext cx="1056968" cy="369332"/>
+          </a:xfrm>
+          <a:prstGeom prst="rect">
+            <a:avLst/>
+          </a:prstGeom>
+          <a:noFill/>
+        </p:spPr>
+        <p:txBody>
+          <a:bodyPr wrap="square" rtlCol="0">
+            <a:spAutoFit/>
+          </a:bodyPr>
+          <a:lstStyle/>
+          <a:p>
+            <a:r>
+              <a:rPr lang="en-US" altLang="ko-KR" dirty="0" err="1"/>
+              <a:t>a.Txt</a:t>
+            </a:r>
+            <a:r>
+              <a:rPr lang="en-US" altLang="ko-KR" dirty="0"/>
+              <a:t> : 2</a:t>
+            </a:r>
+            <a:endParaRPr lang="ko-KR" altLang="en-US" dirty="0"/>
+          </a:p>
+        </p:txBody>
+      </p:sp>
+      <p:sp>
+        <p:nvSpPr>
+          <p:cNvPr id="46" name="TextBox 45">
+            <a:extLst>
+              <a:ext uri="{FF2B5EF4-FFF2-40B4-BE49-F238E27FC236}">
+                <a16:creationId xmlns:a16="http://schemas.microsoft.com/office/drawing/2014/main" id="{09BB212C-1F65-499C-BBFC-8A7810E4DF3A}"/>
+              </a:ext>
+            </a:extLst>
+          </p:cNvPr>
+          <p:cNvSpPr txBox="1"/>
+          <p:nvPr/>
+        </p:nvSpPr>
+        <p:spPr>
+          <a:xfrm>
+            <a:off x="2198444" y="4791213"/>
+            <a:ext cx="1056968" cy="646331"/>
+          </a:xfrm>
+          <a:prstGeom prst="rect">
+            <a:avLst/>
+          </a:prstGeom>
+          <a:noFill/>
+        </p:spPr>
+        <p:txBody>
+          <a:bodyPr wrap="square" rtlCol="0">
+            <a:spAutoFit/>
+          </a:bodyPr>
+          <a:lstStyle/>
+          <a:p>
+            <a:r>
+              <a:rPr lang="en-US" altLang="ko-KR" dirty="0" err="1"/>
+              <a:t>a.Txt</a:t>
+            </a:r>
+            <a:r>
+              <a:rPr lang="en-US" altLang="ko-KR" dirty="0"/>
+              <a:t> : 2</a:t>
+            </a:r>
+          </a:p>
+          <a:p>
+            <a:r>
+              <a:rPr lang="en-US" altLang="ko-KR" dirty="0" err="1"/>
+              <a:t>b.Txt</a:t>
+            </a:r>
+            <a:r>
+              <a:rPr lang="en-US" altLang="ko-KR" dirty="0"/>
+              <a:t> : 1</a:t>
+            </a:r>
+            <a:endParaRPr lang="ko-KR" altLang="en-US" dirty="0"/>
+          </a:p>
+        </p:txBody>
+      </p:sp>
+      <p:sp>
+        <p:nvSpPr>
+          <p:cNvPr id="47" name="TextBox 46">
+            <a:extLst>
+              <a:ext uri="{FF2B5EF4-FFF2-40B4-BE49-F238E27FC236}">
+                <a16:creationId xmlns:a16="http://schemas.microsoft.com/office/drawing/2014/main" id="{7DE4848C-0F32-48A5-90CB-BEDE514FD39F}"/>
+              </a:ext>
+            </a:extLst>
+          </p:cNvPr>
+          <p:cNvSpPr txBox="1"/>
+          <p:nvPr/>
+        </p:nvSpPr>
+        <p:spPr>
+          <a:xfrm>
+            <a:off x="2863728" y="3429126"/>
+            <a:ext cx="852854" cy="369332"/>
+          </a:xfrm>
+          <a:prstGeom prst="rect">
+            <a:avLst/>
+          </a:prstGeom>
+          <a:noFill/>
+        </p:spPr>
+        <p:txBody>
+          <a:bodyPr wrap="square" rtlCol="0">
+            <a:spAutoFit/>
+          </a:bodyPr>
+          <a:lstStyle/>
+          <a:p>
+            <a:r>
+              <a:rPr lang="en-US" altLang="ko-KR" dirty="0"/>
+              <a:t>sub</a:t>
+            </a:r>
+            <a:endParaRPr lang="ko-KR" altLang="en-US" dirty="0"/>
+          </a:p>
+        </p:txBody>
+      </p:sp>
+      <p:sp>
+        <p:nvSpPr>
+          <p:cNvPr id="49" name="TextBox 48">
+            <a:extLst>
+              <a:ext uri="{FF2B5EF4-FFF2-40B4-BE49-F238E27FC236}">
+                <a16:creationId xmlns:a16="http://schemas.microsoft.com/office/drawing/2014/main" id="{FB22C100-0122-4F07-A7DC-00E429E4487A}"/>
+              </a:ext>
+            </a:extLst>
+          </p:cNvPr>
+          <p:cNvSpPr txBox="1"/>
+          <p:nvPr/>
+        </p:nvSpPr>
+        <p:spPr>
+          <a:xfrm>
+            <a:off x="3242592" y="2044828"/>
+            <a:ext cx="852854" cy="369332"/>
+          </a:xfrm>
+          <a:prstGeom prst="rect">
+            <a:avLst/>
+          </a:prstGeom>
+          <a:noFill/>
+        </p:spPr>
+        <p:txBody>
+          <a:bodyPr wrap="square" rtlCol="0">
+            <a:spAutoFit/>
+          </a:bodyPr>
+          <a:lstStyle/>
+          <a:p>
+            <a:r>
+              <a:rPr lang="en-US" altLang="ko-KR" dirty="0"/>
+              <a:t>main</a:t>
+            </a:r>
+            <a:endParaRPr lang="ko-KR" altLang="en-US" dirty="0"/>
+          </a:p>
+        </p:txBody>
+      </p:sp>
+      <p:sp>
+        <p:nvSpPr>
+          <p:cNvPr id="51" name="타원 50">
+            <a:extLst>
+              <a:ext uri="{FF2B5EF4-FFF2-40B4-BE49-F238E27FC236}">
+                <a16:creationId xmlns:a16="http://schemas.microsoft.com/office/drawing/2014/main" id="{4E0A9013-807B-428A-B296-AFAAF7F97C63}"/>
+              </a:ext>
+            </a:extLst>
+          </p:cNvPr>
+          <p:cNvSpPr/>
+          <p:nvPr/>
+        </p:nvSpPr>
+        <p:spPr>
+          <a:xfrm>
+            <a:off x="2136896" y="1760822"/>
+            <a:ext cx="993531" cy="984738"/>
+          </a:xfrm>
+          <a:prstGeom prst="ellipse">
+            <a:avLst/>
+          </a:prstGeom>
+        </p:spPr>
+        <p:style>
+          <a:lnRef idx="2">
+            <a:schemeClr val="accent1">
+              <a:shade val="50000"/>
+            </a:schemeClr>
+          </a:lnRef>
+          <a:fillRef idx="1">
+            <a:schemeClr val="accent1"/>
+          </a:fillRef>
+          <a:effectRef idx="0">
+            <a:schemeClr val="accent1"/>
+          </a:effectRef>
+          <a:fontRef idx="minor">
+            <a:schemeClr val="lt1"/>
+          </a:fontRef>
+        </p:style>
+        <p:txBody>
+          <a:bodyPr rtlCol="0" anchor="ctr"/>
+          <a:lstStyle/>
+          <a:p>
+            <a:pPr algn="ctr"/>
+            <a:r>
+              <a:rPr lang="en-US" altLang="ko-KR" dirty="0"/>
+              <a:t>c3</a:t>
+            </a:r>
+            <a:endParaRPr lang="ko-KR" altLang="en-US" dirty="0"/>
+          </a:p>
+        </p:txBody>
+      </p:sp>
+      <p:cxnSp>
+        <p:nvCxnSpPr>
+          <p:cNvPr id="14" name="직선 화살표 연결선 13">
+            <a:extLst>
+              <a:ext uri="{FF2B5EF4-FFF2-40B4-BE49-F238E27FC236}">
+                <a16:creationId xmlns:a16="http://schemas.microsoft.com/office/drawing/2014/main" id="{4DFA7A49-C383-4698-A62E-497D097CD2D2}"/>
+              </a:ext>
+            </a:extLst>
+          </p:cNvPr>
+          <p:cNvCxnSpPr>
+            <a:cxnSpLocks/>
+            <a:stCxn id="51" idx="2"/>
+            <a:endCxn id="32" idx="6"/>
+          </p:cNvCxnSpPr>
+          <p:nvPr/>
+        </p:nvCxnSpPr>
+        <p:spPr>
+          <a:xfrm flipH="1">
+            <a:off x="1225428" y="2253191"/>
+            <a:ext cx="911468" cy="1122262"/>
+          </a:xfrm>
+          <a:prstGeom prst="straightConnector1">
+            <a:avLst/>
+          </a:prstGeom>
+          <a:ln>
+            <a:tailEnd type="triangle"/>
+          </a:ln>
+        </p:spPr>
+        <p:style>
+          <a:lnRef idx="1">
+            <a:schemeClr val="accent1"/>
+          </a:lnRef>
+          <a:fillRef idx="0">
+            <a:schemeClr val="accent1"/>
+          </a:fillRef>
+          <a:effectRef idx="0">
+            <a:schemeClr val="accent1"/>
+          </a:effectRef>
+          <a:fontRef idx="minor">
+            <a:schemeClr val="tx1"/>
+          </a:fontRef>
+        </p:style>
+      </p:cxnSp>
+      <p:sp>
+        <p:nvSpPr>
+          <p:cNvPr id="53" name="TextBox 52">
+            <a:extLst>
+              <a:ext uri="{FF2B5EF4-FFF2-40B4-BE49-F238E27FC236}">
+                <a16:creationId xmlns:a16="http://schemas.microsoft.com/office/drawing/2014/main" id="{FACBB1AC-CEF8-4AE4-A4FF-1028A97ADDBD}"/>
+              </a:ext>
+            </a:extLst>
+          </p:cNvPr>
+          <p:cNvSpPr txBox="1"/>
+          <p:nvPr/>
+        </p:nvSpPr>
+        <p:spPr>
+          <a:xfrm>
+            <a:off x="2208275" y="2754746"/>
+            <a:ext cx="1056968" cy="369332"/>
+          </a:xfrm>
+          <a:prstGeom prst="rect">
+            <a:avLst/>
+          </a:prstGeom>
+          <a:noFill/>
+        </p:spPr>
+        <p:txBody>
+          <a:bodyPr wrap="square" rtlCol="0">
+            <a:spAutoFit/>
+          </a:bodyPr>
+          <a:lstStyle/>
+          <a:p>
+            <a:r>
+              <a:rPr lang="en-US" altLang="ko-KR" dirty="0" err="1"/>
+              <a:t>a.Txt</a:t>
+            </a:r>
+            <a:r>
+              <a:rPr lang="en-US" altLang="ko-KR" dirty="0"/>
+              <a:t> : 3</a:t>
+            </a:r>
+            <a:endParaRPr lang="ko-KR" altLang="en-US" dirty="0"/>
+          </a:p>
+        </p:txBody>
+      </p:sp>
+      <p:sp>
+        <p:nvSpPr>
+          <p:cNvPr id="30" name="TextBox 29">
+            <a:extLst>
+              <a:ext uri="{FF2B5EF4-FFF2-40B4-BE49-F238E27FC236}">
+                <a16:creationId xmlns:a16="http://schemas.microsoft.com/office/drawing/2014/main" id="{C3577236-DDE1-4479-A4EE-DBE8DE9B3236}"/>
+              </a:ext>
+            </a:extLst>
+          </p:cNvPr>
+          <p:cNvSpPr txBox="1"/>
+          <p:nvPr/>
+        </p:nvSpPr>
+        <p:spPr>
+          <a:xfrm>
+            <a:off x="5758962" y="1274885"/>
+            <a:ext cx="879230" cy="369332"/>
+          </a:xfrm>
+          <a:prstGeom prst="rect">
+            <a:avLst/>
+          </a:prstGeom>
+          <a:noFill/>
+        </p:spPr>
+        <p:txBody>
+          <a:bodyPr wrap="square" rtlCol="0">
+            <a:spAutoFit/>
+          </a:bodyPr>
+          <a:lstStyle/>
+          <a:p>
+            <a:r>
+              <a:rPr lang="en-US" altLang="ko-KR" dirty="0">
+                <a:solidFill>
+                  <a:srgbClr val="FF0000"/>
+                </a:solidFill>
+              </a:rPr>
+              <a:t>base</a:t>
+            </a:r>
+            <a:endParaRPr lang="ko-KR" altLang="en-US" dirty="0">
+              <a:solidFill>
+                <a:srgbClr val="FF0000"/>
+              </a:solidFill>
+            </a:endParaRPr>
+          </a:p>
+        </p:txBody>
+      </p:sp>
+      <p:sp>
+        <p:nvSpPr>
+          <p:cNvPr id="31" name="TextBox 30">
+            <a:extLst>
+              <a:ext uri="{FF2B5EF4-FFF2-40B4-BE49-F238E27FC236}">
+                <a16:creationId xmlns:a16="http://schemas.microsoft.com/office/drawing/2014/main" id="{42547EDC-1D50-4D1C-8369-F5624031E5F5}"/>
+              </a:ext>
+            </a:extLst>
+          </p:cNvPr>
+          <p:cNvSpPr txBox="1"/>
+          <p:nvPr/>
+        </p:nvSpPr>
+        <p:spPr>
+          <a:xfrm>
+            <a:off x="7450017" y="1274885"/>
+            <a:ext cx="879230" cy="369332"/>
+          </a:xfrm>
+          <a:prstGeom prst="rect">
+            <a:avLst/>
+          </a:prstGeom>
+          <a:noFill/>
+        </p:spPr>
+        <p:txBody>
+          <a:bodyPr wrap="square" rtlCol="0">
+            <a:spAutoFit/>
+          </a:bodyPr>
+          <a:lstStyle/>
+          <a:p>
+            <a:r>
+              <a:rPr lang="en-US" altLang="ko-KR" dirty="0">
+                <a:solidFill>
+                  <a:srgbClr val="FF0000"/>
+                </a:solidFill>
+              </a:rPr>
+              <a:t>Main</a:t>
+            </a:r>
+            <a:endParaRPr lang="ko-KR" altLang="en-US" dirty="0">
+              <a:solidFill>
+                <a:srgbClr val="FF0000"/>
+              </a:solidFill>
+            </a:endParaRPr>
+          </a:p>
+        </p:txBody>
+      </p:sp>
+      <p:sp>
+        <p:nvSpPr>
+          <p:cNvPr id="36" name="TextBox 35">
+            <a:extLst>
+              <a:ext uri="{FF2B5EF4-FFF2-40B4-BE49-F238E27FC236}">
+                <a16:creationId xmlns:a16="http://schemas.microsoft.com/office/drawing/2014/main" id="{B8192BF5-87C4-4145-9EB7-9E07A515FDAF}"/>
+              </a:ext>
+            </a:extLst>
+          </p:cNvPr>
+          <p:cNvSpPr txBox="1"/>
+          <p:nvPr/>
+        </p:nvSpPr>
+        <p:spPr>
+          <a:xfrm>
+            <a:off x="9334500" y="1274885"/>
+            <a:ext cx="879230" cy="369332"/>
+          </a:xfrm>
+          <a:prstGeom prst="rect">
+            <a:avLst/>
+          </a:prstGeom>
+          <a:noFill/>
+        </p:spPr>
+        <p:txBody>
+          <a:bodyPr wrap="square" rtlCol="0">
+            <a:spAutoFit/>
+          </a:bodyPr>
+          <a:lstStyle/>
+          <a:p>
+            <a:r>
+              <a:rPr lang="en-US" altLang="ko-KR" dirty="0">
+                <a:solidFill>
+                  <a:srgbClr val="FF0000"/>
+                </a:solidFill>
+              </a:rPr>
+              <a:t>Sub</a:t>
+            </a:r>
+            <a:endParaRPr lang="ko-KR" altLang="en-US" dirty="0">
+              <a:solidFill>
+                <a:srgbClr val="FF0000"/>
+              </a:solidFill>
+            </a:endParaRPr>
+          </a:p>
+        </p:txBody>
+      </p:sp>
+      <p:sp>
+        <p:nvSpPr>
+          <p:cNvPr id="38" name="TextBox 37">
+            <a:extLst>
+              <a:ext uri="{FF2B5EF4-FFF2-40B4-BE49-F238E27FC236}">
+                <a16:creationId xmlns:a16="http://schemas.microsoft.com/office/drawing/2014/main" id="{FAD17DEF-CF18-4E5B-9882-67AE086A0CAA}"/>
+              </a:ext>
+            </a:extLst>
+          </p:cNvPr>
+          <p:cNvSpPr txBox="1"/>
+          <p:nvPr/>
+        </p:nvSpPr>
+        <p:spPr>
+          <a:xfrm>
+            <a:off x="5758962" y="1799603"/>
+            <a:ext cx="993530" cy="369332"/>
+          </a:xfrm>
+          <a:prstGeom prst="rect">
+            <a:avLst/>
+          </a:prstGeom>
+          <a:noFill/>
+        </p:spPr>
+        <p:txBody>
+          <a:bodyPr wrap="square" rtlCol="0">
+            <a:spAutoFit/>
+          </a:bodyPr>
+          <a:lstStyle/>
+          <a:p>
+            <a:r>
+              <a:rPr lang="en-US" altLang="ko-KR" dirty="0"/>
+              <a:t>a.txt :2</a:t>
+            </a:r>
+            <a:endParaRPr lang="ko-KR" altLang="en-US" dirty="0"/>
+          </a:p>
+        </p:txBody>
+      </p:sp>
+      <p:sp>
+        <p:nvSpPr>
+          <p:cNvPr id="50" name="화살표: 아래로 구부러짐 49">
+            <a:extLst>
+              <a:ext uri="{FF2B5EF4-FFF2-40B4-BE49-F238E27FC236}">
+                <a16:creationId xmlns:a16="http://schemas.microsoft.com/office/drawing/2014/main" id="{2DA9A5F3-2E31-4897-814C-2C635EEA227C}"/>
+              </a:ext>
+            </a:extLst>
+          </p:cNvPr>
+          <p:cNvSpPr/>
+          <p:nvPr/>
+        </p:nvSpPr>
+        <p:spPr>
+          <a:xfrm>
+            <a:off x="6180993" y="764931"/>
+            <a:ext cx="1600200" cy="509904"/>
+          </a:xfrm>
+          <a:prstGeom prst="curvedDownArrow">
+            <a:avLst/>
+          </a:prstGeom>
+        </p:spPr>
+        <p:style>
+          <a:lnRef idx="2">
+            <a:schemeClr val="accent1">
+              <a:shade val="50000"/>
+            </a:schemeClr>
+          </a:lnRef>
+          <a:fillRef idx="1">
+            <a:schemeClr val="accent1"/>
+          </a:fillRef>
+          <a:effectRef idx="0">
+            <a:schemeClr val="accent1"/>
+          </a:effectRef>
+          <a:fontRef idx="minor">
+            <a:schemeClr val="lt1"/>
+          </a:fontRef>
+        </p:style>
+        <p:txBody>
+          <a:bodyPr rtlCol="0" anchor="ctr"/>
+          <a:lstStyle/>
+          <a:p>
+            <a:pPr algn="ctr"/>
+            <a:endParaRPr lang="ko-KR" altLang="en-US">
+              <a:solidFill>
+                <a:schemeClr val="tx1"/>
+              </a:solidFill>
+            </a:endParaRPr>
+          </a:p>
+        </p:txBody>
+      </p:sp>
+      <p:sp>
+        <p:nvSpPr>
+          <p:cNvPr id="52" name="화살표: 아래로 구부러짐 51">
+            <a:extLst>
+              <a:ext uri="{FF2B5EF4-FFF2-40B4-BE49-F238E27FC236}">
+                <a16:creationId xmlns:a16="http://schemas.microsoft.com/office/drawing/2014/main" id="{4151795E-6E10-4722-B1A4-1B6F79B5CDC5}"/>
+              </a:ext>
+            </a:extLst>
+          </p:cNvPr>
+          <p:cNvSpPr/>
+          <p:nvPr/>
+        </p:nvSpPr>
+        <p:spPr>
+          <a:xfrm>
+            <a:off x="6096000" y="395654"/>
+            <a:ext cx="3549162" cy="879231"/>
+          </a:xfrm>
+          <a:prstGeom prst="curvedDownArrow">
+            <a:avLst/>
+          </a:prstGeom>
+        </p:spPr>
+        <p:style>
+          <a:lnRef idx="2">
+            <a:schemeClr val="accent1">
+              <a:shade val="50000"/>
+            </a:schemeClr>
+          </a:lnRef>
+          <a:fillRef idx="1">
+            <a:schemeClr val="accent1"/>
+          </a:fillRef>
+          <a:effectRef idx="0">
+            <a:schemeClr val="accent1"/>
+          </a:effectRef>
+          <a:fontRef idx="minor">
+            <a:schemeClr val="lt1"/>
+          </a:fontRef>
+        </p:style>
+        <p:txBody>
+          <a:bodyPr rtlCol="0" anchor="ctr"/>
+          <a:lstStyle/>
+          <a:p>
+            <a:pPr algn="ctr"/>
+            <a:endParaRPr lang="ko-KR" altLang="en-US">
+              <a:solidFill>
+                <a:schemeClr val="tx1"/>
+              </a:solidFill>
+            </a:endParaRPr>
+          </a:p>
+        </p:txBody>
+      </p:sp>
+      <p:sp>
+        <p:nvSpPr>
+          <p:cNvPr id="57" name="곱하기 기호 56">
+            <a:extLst>
+              <a:ext uri="{FF2B5EF4-FFF2-40B4-BE49-F238E27FC236}">
+                <a16:creationId xmlns:a16="http://schemas.microsoft.com/office/drawing/2014/main" id="{E4183E0D-BE9C-4950-A6F2-13A328C6FBC4}"/>
+              </a:ext>
+            </a:extLst>
+          </p:cNvPr>
+          <p:cNvSpPr/>
+          <p:nvPr/>
+        </p:nvSpPr>
+        <p:spPr>
+          <a:xfrm>
+            <a:off x="6805246" y="650524"/>
+            <a:ext cx="351693" cy="369332"/>
+          </a:xfrm>
+          <a:prstGeom prst="mathMultiply">
+            <a:avLst/>
+          </a:prstGeom>
+        </p:spPr>
+        <p:style>
+          <a:lnRef idx="2">
+            <a:schemeClr val="accent1">
+              <a:shade val="50000"/>
+            </a:schemeClr>
+          </a:lnRef>
+          <a:fillRef idx="1">
+            <a:schemeClr val="accent1"/>
+          </a:fillRef>
+          <a:effectRef idx="0">
+            <a:schemeClr val="accent1"/>
+          </a:effectRef>
+          <a:fontRef idx="minor">
+            <a:schemeClr val="lt1"/>
+          </a:fontRef>
+        </p:style>
+        <p:txBody>
+          <a:bodyPr rtlCol="0" anchor="ctr"/>
+          <a:lstStyle/>
+          <a:p>
+            <a:pPr algn="ctr"/>
+            <a:endParaRPr lang="ko-KR" altLang="en-US"/>
+          </a:p>
+        </p:txBody>
+      </p:sp>
+      <p:sp>
+        <p:nvSpPr>
+          <p:cNvPr id="58" name="TextBox 57">
+            <a:extLst>
+              <a:ext uri="{FF2B5EF4-FFF2-40B4-BE49-F238E27FC236}">
+                <a16:creationId xmlns:a16="http://schemas.microsoft.com/office/drawing/2014/main" id="{8773BF7B-A423-4AA4-A98E-FF74D68112E3}"/>
+              </a:ext>
+            </a:extLst>
+          </p:cNvPr>
+          <p:cNvSpPr txBox="1"/>
+          <p:nvPr/>
+        </p:nvSpPr>
+        <p:spPr>
+          <a:xfrm>
+            <a:off x="7460273" y="1817111"/>
+            <a:ext cx="993530" cy="369332"/>
+          </a:xfrm>
+          <a:prstGeom prst="rect">
+            <a:avLst/>
+          </a:prstGeom>
+          <a:noFill/>
+        </p:spPr>
+        <p:txBody>
+          <a:bodyPr wrap="square" rtlCol="0">
+            <a:spAutoFit/>
+          </a:bodyPr>
+          <a:lstStyle/>
+          <a:p>
+            <a:r>
+              <a:rPr lang="en-US" altLang="ko-KR" dirty="0"/>
+              <a:t>a.txt :3</a:t>
+            </a:r>
+            <a:endParaRPr lang="ko-KR" altLang="en-US" dirty="0"/>
+          </a:p>
+        </p:txBody>
+      </p:sp>
+      <p:sp>
+        <p:nvSpPr>
+          <p:cNvPr id="59" name="TextBox 58">
+            <a:extLst>
+              <a:ext uri="{FF2B5EF4-FFF2-40B4-BE49-F238E27FC236}">
+                <a16:creationId xmlns:a16="http://schemas.microsoft.com/office/drawing/2014/main" id="{78E23027-7DAE-4E2C-BD06-1ACCE5F16EEC}"/>
+              </a:ext>
+            </a:extLst>
+          </p:cNvPr>
+          <p:cNvSpPr txBox="1"/>
+          <p:nvPr/>
+        </p:nvSpPr>
+        <p:spPr>
+          <a:xfrm>
+            <a:off x="9148397" y="1799581"/>
+            <a:ext cx="993530" cy="369332"/>
+          </a:xfrm>
+          <a:prstGeom prst="rect">
+            <a:avLst/>
+          </a:prstGeom>
+          <a:noFill/>
+        </p:spPr>
+        <p:txBody>
+          <a:bodyPr wrap="square" rtlCol="0">
+            <a:spAutoFit/>
+          </a:bodyPr>
+          <a:lstStyle/>
+          <a:p>
+            <a:r>
+              <a:rPr lang="en-US" altLang="ko-KR" dirty="0"/>
+              <a:t>a.txt :2</a:t>
+            </a:r>
+            <a:endParaRPr lang="ko-KR" altLang="en-US" dirty="0"/>
+          </a:p>
+        </p:txBody>
+      </p:sp>
+      <p:sp>
+        <p:nvSpPr>
+          <p:cNvPr id="60" name="원형: 비어 있음 59">
+            <a:extLst>
+              <a:ext uri="{FF2B5EF4-FFF2-40B4-BE49-F238E27FC236}">
+                <a16:creationId xmlns:a16="http://schemas.microsoft.com/office/drawing/2014/main" id="{97F2D429-24EE-4E79-9D05-2BAC2892AD4D}"/>
+              </a:ext>
+            </a:extLst>
+          </p:cNvPr>
+          <p:cNvSpPr/>
+          <p:nvPr/>
+        </p:nvSpPr>
+        <p:spPr>
+          <a:xfrm>
+            <a:off x="7650404" y="249006"/>
+            <a:ext cx="306634" cy="272667"/>
+          </a:xfrm>
+          <a:prstGeom prst="donut">
+            <a:avLst/>
+          </a:prstGeom>
+        </p:spPr>
+        <p:style>
+          <a:lnRef idx="2">
+            <a:schemeClr val="accent1">
+              <a:shade val="50000"/>
+            </a:schemeClr>
+          </a:lnRef>
+          <a:fillRef idx="1">
+            <a:schemeClr val="accent1"/>
+          </a:fillRef>
+          <a:effectRef idx="0">
+            <a:schemeClr val="accent1"/>
+          </a:effectRef>
+          <a:fontRef idx="minor">
+            <a:schemeClr val="lt1"/>
+          </a:fontRef>
+        </p:style>
+        <p:txBody>
+          <a:bodyPr rtlCol="0" anchor="ctr"/>
+          <a:lstStyle/>
+          <a:p>
+            <a:pPr algn="ctr"/>
+            <a:endParaRPr lang="ko-KR" altLang="en-US">
+              <a:solidFill>
+                <a:schemeClr val="tx1"/>
+              </a:solidFill>
+            </a:endParaRPr>
+          </a:p>
+        </p:txBody>
+      </p:sp>
+      <p:sp>
+        <p:nvSpPr>
+          <p:cNvPr id="6" name="TextBox 5">
+            <a:extLst>
+              <a:ext uri="{FF2B5EF4-FFF2-40B4-BE49-F238E27FC236}">
+                <a16:creationId xmlns:a16="http://schemas.microsoft.com/office/drawing/2014/main" id="{F624C141-1B24-4692-9E95-0B0522EB5456}"/>
+              </a:ext>
+            </a:extLst>
+          </p:cNvPr>
+          <p:cNvSpPr txBox="1"/>
+          <p:nvPr/>
+        </p:nvSpPr>
+        <p:spPr>
+          <a:xfrm>
+            <a:off x="10503088" y="3507984"/>
+            <a:ext cx="1230923" cy="1477328"/>
+          </a:xfrm>
+          <a:prstGeom prst="rect">
+            <a:avLst/>
+          </a:prstGeom>
+          <a:noFill/>
+        </p:spPr>
+        <p:txBody>
+          <a:bodyPr wrap="square" rtlCol="0">
+            <a:spAutoFit/>
+          </a:bodyPr>
+          <a:lstStyle/>
+          <a:p>
+            <a:r>
+              <a:rPr lang="ko-KR" altLang="en-US" dirty="0"/>
+              <a:t>베이스와 다른 놈이 변함</a:t>
+            </a:r>
+            <a:endParaRPr lang="en-US" altLang="ko-KR" dirty="0"/>
+          </a:p>
+          <a:p>
+            <a:endParaRPr lang="en-US" altLang="ko-KR" dirty="0"/>
+          </a:p>
+          <a:p>
+            <a:r>
+              <a:rPr lang="en-US" altLang="ko-KR" dirty="0"/>
+              <a:t>b.txt: 1</a:t>
+            </a:r>
+            <a:endParaRPr lang="ko-KR" altLang="en-US" dirty="0"/>
+          </a:p>
+        </p:txBody>
+      </p:sp>
+      <p:sp>
+        <p:nvSpPr>
+          <p:cNvPr id="61" name="TextBox 60">
+            <a:extLst>
+              <a:ext uri="{FF2B5EF4-FFF2-40B4-BE49-F238E27FC236}">
+                <a16:creationId xmlns:a16="http://schemas.microsoft.com/office/drawing/2014/main" id="{527589BE-4CDA-48D9-8EC2-023C7FC7AFC2}"/>
+              </a:ext>
+            </a:extLst>
+          </p:cNvPr>
+          <p:cNvSpPr txBox="1"/>
+          <p:nvPr/>
+        </p:nvSpPr>
+        <p:spPr>
+          <a:xfrm>
+            <a:off x="5805063" y="4202604"/>
+            <a:ext cx="879230" cy="369332"/>
+          </a:xfrm>
+          <a:prstGeom prst="rect">
+            <a:avLst/>
+          </a:prstGeom>
+          <a:noFill/>
+        </p:spPr>
+        <p:txBody>
+          <a:bodyPr wrap="square" rtlCol="0">
+            <a:spAutoFit/>
+          </a:bodyPr>
+          <a:lstStyle/>
+          <a:p>
+            <a:r>
+              <a:rPr lang="en-US" altLang="ko-KR" dirty="0">
+                <a:solidFill>
+                  <a:srgbClr val="FF0000"/>
+                </a:solidFill>
+              </a:rPr>
+              <a:t>base</a:t>
+            </a:r>
+            <a:endParaRPr lang="ko-KR" altLang="en-US" dirty="0">
+              <a:solidFill>
+                <a:srgbClr val="FF0000"/>
+              </a:solidFill>
+            </a:endParaRPr>
+          </a:p>
+        </p:txBody>
+      </p:sp>
+      <p:sp>
+        <p:nvSpPr>
+          <p:cNvPr id="62" name="TextBox 61">
+            <a:extLst>
+              <a:ext uri="{FF2B5EF4-FFF2-40B4-BE49-F238E27FC236}">
+                <a16:creationId xmlns:a16="http://schemas.microsoft.com/office/drawing/2014/main" id="{6F61EC6F-448D-422B-8ED5-DAB482A0C741}"/>
+              </a:ext>
+            </a:extLst>
+          </p:cNvPr>
+          <p:cNvSpPr txBox="1"/>
+          <p:nvPr/>
+        </p:nvSpPr>
+        <p:spPr>
+          <a:xfrm>
+            <a:off x="7496118" y="4202604"/>
+            <a:ext cx="879230" cy="369332"/>
+          </a:xfrm>
+          <a:prstGeom prst="rect">
+            <a:avLst/>
+          </a:prstGeom>
+          <a:noFill/>
+        </p:spPr>
+        <p:txBody>
+          <a:bodyPr wrap="square" rtlCol="0">
+            <a:spAutoFit/>
+          </a:bodyPr>
+          <a:lstStyle/>
+          <a:p>
+            <a:r>
+              <a:rPr lang="en-US" altLang="ko-KR" dirty="0">
+                <a:solidFill>
+                  <a:srgbClr val="FF0000"/>
+                </a:solidFill>
+              </a:rPr>
+              <a:t>Main</a:t>
+            </a:r>
+            <a:endParaRPr lang="ko-KR" altLang="en-US" dirty="0">
+              <a:solidFill>
+                <a:srgbClr val="FF0000"/>
+              </a:solidFill>
+            </a:endParaRPr>
+          </a:p>
+        </p:txBody>
+      </p:sp>
+      <p:sp>
+        <p:nvSpPr>
+          <p:cNvPr id="63" name="TextBox 62">
+            <a:extLst>
+              <a:ext uri="{FF2B5EF4-FFF2-40B4-BE49-F238E27FC236}">
+                <a16:creationId xmlns:a16="http://schemas.microsoft.com/office/drawing/2014/main" id="{D916C610-4E7F-4066-ABB1-9290B4F6F9C1}"/>
+              </a:ext>
+            </a:extLst>
+          </p:cNvPr>
+          <p:cNvSpPr txBox="1"/>
+          <p:nvPr/>
+        </p:nvSpPr>
+        <p:spPr>
+          <a:xfrm>
+            <a:off x="9380601" y="4202604"/>
+            <a:ext cx="879230" cy="369332"/>
+          </a:xfrm>
+          <a:prstGeom prst="rect">
+            <a:avLst/>
+          </a:prstGeom>
+          <a:noFill/>
+        </p:spPr>
+        <p:txBody>
+          <a:bodyPr wrap="square" rtlCol="0">
+            <a:spAutoFit/>
+          </a:bodyPr>
+          <a:lstStyle/>
+          <a:p>
+            <a:r>
+              <a:rPr lang="en-US" altLang="ko-KR" dirty="0">
+                <a:solidFill>
+                  <a:srgbClr val="FF0000"/>
+                </a:solidFill>
+              </a:rPr>
+              <a:t>Sub</a:t>
+            </a:r>
+            <a:endParaRPr lang="ko-KR" altLang="en-US" dirty="0">
+              <a:solidFill>
+                <a:srgbClr val="FF0000"/>
+              </a:solidFill>
+            </a:endParaRPr>
+          </a:p>
+        </p:txBody>
+      </p:sp>
+      <p:sp>
+        <p:nvSpPr>
+          <p:cNvPr id="65" name="화살표: 아래로 구부러짐 64">
+            <a:extLst>
+              <a:ext uri="{FF2B5EF4-FFF2-40B4-BE49-F238E27FC236}">
+                <a16:creationId xmlns:a16="http://schemas.microsoft.com/office/drawing/2014/main" id="{54EB1225-96B3-4044-9801-1FEE31B94624}"/>
+              </a:ext>
+            </a:extLst>
+          </p:cNvPr>
+          <p:cNvSpPr/>
+          <p:nvPr/>
+        </p:nvSpPr>
+        <p:spPr>
+          <a:xfrm>
+            <a:off x="6227094" y="3692650"/>
+            <a:ext cx="1600200" cy="509904"/>
+          </a:xfrm>
+          <a:prstGeom prst="curvedDownArrow">
+            <a:avLst/>
+          </a:prstGeom>
+        </p:spPr>
+        <p:style>
+          <a:lnRef idx="2">
+            <a:schemeClr val="accent1">
+              <a:shade val="50000"/>
+            </a:schemeClr>
+          </a:lnRef>
+          <a:fillRef idx="1">
+            <a:schemeClr val="accent1"/>
+          </a:fillRef>
+          <a:effectRef idx="0">
+            <a:schemeClr val="accent1"/>
+          </a:effectRef>
+          <a:fontRef idx="minor">
+            <a:schemeClr val="lt1"/>
+          </a:fontRef>
+        </p:style>
+        <p:txBody>
+          <a:bodyPr rtlCol="0" anchor="ctr"/>
+          <a:lstStyle/>
+          <a:p>
+            <a:pPr algn="ctr"/>
+            <a:endParaRPr lang="ko-KR" altLang="en-US">
+              <a:solidFill>
+                <a:schemeClr val="tx1"/>
+              </a:solidFill>
+            </a:endParaRPr>
+          </a:p>
+        </p:txBody>
+      </p:sp>
+      <p:sp>
+        <p:nvSpPr>
+          <p:cNvPr id="66" name="화살표: 아래로 구부러짐 65">
+            <a:extLst>
+              <a:ext uri="{FF2B5EF4-FFF2-40B4-BE49-F238E27FC236}">
+                <a16:creationId xmlns:a16="http://schemas.microsoft.com/office/drawing/2014/main" id="{45BF7CA3-7484-4784-A297-5B909883AFDB}"/>
+              </a:ext>
+            </a:extLst>
+          </p:cNvPr>
+          <p:cNvSpPr/>
+          <p:nvPr/>
+        </p:nvSpPr>
+        <p:spPr>
+          <a:xfrm>
+            <a:off x="6142101" y="3323373"/>
+            <a:ext cx="3549162" cy="879231"/>
+          </a:xfrm>
+          <a:prstGeom prst="curvedDownArrow">
+            <a:avLst/>
+          </a:prstGeom>
+        </p:spPr>
+        <p:style>
+          <a:lnRef idx="2">
+            <a:schemeClr val="accent1">
+              <a:shade val="50000"/>
+            </a:schemeClr>
+          </a:lnRef>
+          <a:fillRef idx="1">
+            <a:schemeClr val="accent1"/>
+          </a:fillRef>
+          <a:effectRef idx="0">
+            <a:schemeClr val="accent1"/>
+          </a:effectRef>
+          <a:fontRef idx="minor">
+            <a:schemeClr val="lt1"/>
+          </a:fontRef>
+        </p:style>
+        <p:txBody>
+          <a:bodyPr rtlCol="0" anchor="ctr"/>
+          <a:lstStyle/>
+          <a:p>
+            <a:pPr algn="ctr"/>
+            <a:endParaRPr lang="ko-KR" altLang="en-US">
+              <a:solidFill>
+                <a:schemeClr val="tx1"/>
+              </a:solidFill>
+            </a:endParaRPr>
+          </a:p>
+        </p:txBody>
+      </p:sp>
+      <p:sp>
+        <p:nvSpPr>
+          <p:cNvPr id="67" name="곱하기 기호 66">
+            <a:extLst>
+              <a:ext uri="{FF2B5EF4-FFF2-40B4-BE49-F238E27FC236}">
+                <a16:creationId xmlns:a16="http://schemas.microsoft.com/office/drawing/2014/main" id="{3868E7B9-D3D8-4B0E-8AAB-641A866F3080}"/>
+              </a:ext>
+            </a:extLst>
+          </p:cNvPr>
+          <p:cNvSpPr/>
+          <p:nvPr/>
+        </p:nvSpPr>
+        <p:spPr>
+          <a:xfrm>
+            <a:off x="7694734" y="3138652"/>
+            <a:ext cx="351693" cy="369332"/>
+          </a:xfrm>
+          <a:prstGeom prst="mathMultiply">
+            <a:avLst/>
+          </a:prstGeom>
+        </p:spPr>
+        <p:style>
+          <a:lnRef idx="2">
+            <a:schemeClr val="accent1">
+              <a:shade val="50000"/>
+            </a:schemeClr>
+          </a:lnRef>
+          <a:fillRef idx="1">
+            <a:schemeClr val="accent1"/>
+          </a:fillRef>
+          <a:effectRef idx="0">
+            <a:schemeClr val="accent1"/>
+          </a:effectRef>
+          <a:fontRef idx="minor">
+            <a:schemeClr val="lt1"/>
+          </a:fontRef>
+        </p:style>
+        <p:txBody>
+          <a:bodyPr rtlCol="0" anchor="ctr"/>
+          <a:lstStyle/>
+          <a:p>
+            <a:pPr algn="ctr"/>
+            <a:endParaRPr lang="ko-KR" altLang="en-US"/>
+          </a:p>
+        </p:txBody>
+      </p:sp>
+      <p:sp>
+        <p:nvSpPr>
+          <p:cNvPr id="69" name="TextBox 68">
+            <a:extLst>
+              <a:ext uri="{FF2B5EF4-FFF2-40B4-BE49-F238E27FC236}">
+                <a16:creationId xmlns:a16="http://schemas.microsoft.com/office/drawing/2014/main" id="{F18BB0CB-5BA0-4F03-8095-EA26CD62E1EC}"/>
+              </a:ext>
+            </a:extLst>
+          </p:cNvPr>
+          <p:cNvSpPr txBox="1"/>
+          <p:nvPr/>
+        </p:nvSpPr>
+        <p:spPr>
+          <a:xfrm>
+            <a:off x="9194498" y="4727300"/>
+            <a:ext cx="993530" cy="369332"/>
+          </a:xfrm>
+          <a:prstGeom prst="rect">
+            <a:avLst/>
+          </a:prstGeom>
+          <a:noFill/>
+        </p:spPr>
+        <p:txBody>
+          <a:bodyPr wrap="square" rtlCol="0">
+            <a:spAutoFit/>
+          </a:bodyPr>
+          <a:lstStyle/>
+          <a:p>
+            <a:r>
+              <a:rPr lang="en-US" altLang="ko-KR" dirty="0"/>
+              <a:t>a.txt :2</a:t>
+            </a:r>
+            <a:endParaRPr lang="ko-KR" altLang="en-US" dirty="0"/>
+          </a:p>
+        </p:txBody>
+      </p:sp>
+      <p:sp>
+        <p:nvSpPr>
+          <p:cNvPr id="70" name="원형: 비어 있음 69">
+            <a:extLst>
+              <a:ext uri="{FF2B5EF4-FFF2-40B4-BE49-F238E27FC236}">
+                <a16:creationId xmlns:a16="http://schemas.microsoft.com/office/drawing/2014/main" id="{2CF21ADC-AEE8-44D7-9437-8106D1CCC987}"/>
+              </a:ext>
+            </a:extLst>
+          </p:cNvPr>
+          <p:cNvSpPr/>
+          <p:nvPr/>
+        </p:nvSpPr>
+        <p:spPr>
+          <a:xfrm>
+            <a:off x="6900686" y="3594959"/>
+            <a:ext cx="306634" cy="272667"/>
+          </a:xfrm>
+          <a:prstGeom prst="donut">
+            <a:avLst/>
+          </a:prstGeom>
+        </p:spPr>
+        <p:style>
+          <a:lnRef idx="2">
+            <a:schemeClr val="accent1">
+              <a:shade val="50000"/>
+            </a:schemeClr>
+          </a:lnRef>
+          <a:fillRef idx="1">
+            <a:schemeClr val="accent1"/>
+          </a:fillRef>
+          <a:effectRef idx="0">
+            <a:schemeClr val="accent1"/>
+          </a:effectRef>
+          <a:fontRef idx="minor">
+            <a:schemeClr val="lt1"/>
+          </a:fontRef>
+        </p:style>
+        <p:txBody>
+          <a:bodyPr rtlCol="0" anchor="ctr"/>
+          <a:lstStyle/>
+          <a:p>
+            <a:pPr algn="ctr"/>
+            <a:endParaRPr lang="ko-KR" altLang="en-US">
+              <a:solidFill>
+                <a:schemeClr val="tx1"/>
+              </a:solidFill>
+            </a:endParaRPr>
+          </a:p>
+        </p:txBody>
+      </p:sp>
+      <p:sp>
+        <p:nvSpPr>
+          <p:cNvPr id="71" name="TextBox 70">
+            <a:extLst>
+              <a:ext uri="{FF2B5EF4-FFF2-40B4-BE49-F238E27FC236}">
+                <a16:creationId xmlns:a16="http://schemas.microsoft.com/office/drawing/2014/main" id="{3F9C7D3B-6EC5-4E25-AD8F-910F9E32788B}"/>
+              </a:ext>
+            </a:extLst>
+          </p:cNvPr>
+          <p:cNvSpPr txBox="1"/>
+          <p:nvPr/>
+        </p:nvSpPr>
+        <p:spPr>
+          <a:xfrm>
+            <a:off x="10896600" y="987590"/>
+            <a:ext cx="1230923" cy="1477328"/>
+          </a:xfrm>
+          <a:prstGeom prst="rect">
+            <a:avLst/>
+          </a:prstGeom>
+          <a:noFill/>
+        </p:spPr>
+        <p:txBody>
+          <a:bodyPr wrap="square" rtlCol="0">
+            <a:spAutoFit/>
+          </a:bodyPr>
+          <a:lstStyle/>
+          <a:p>
+            <a:r>
+              <a:rPr lang="ko-KR" altLang="en-US" dirty="0"/>
+              <a:t>베이스와 다른 놈이 변함</a:t>
+            </a:r>
+            <a:endParaRPr lang="en-US" altLang="ko-KR" dirty="0"/>
+          </a:p>
+          <a:p>
+            <a:endParaRPr lang="en-US" altLang="ko-KR" dirty="0"/>
+          </a:p>
+          <a:p>
+            <a:r>
+              <a:rPr lang="en-US" altLang="ko-KR" dirty="0"/>
+              <a:t>a.txt: 3</a:t>
+            </a:r>
+            <a:endParaRPr lang="ko-KR" altLang="en-US" dirty="0"/>
+          </a:p>
+        </p:txBody>
+      </p:sp>
+      <p:sp>
+        <p:nvSpPr>
+          <p:cNvPr id="7" name="TextBox 6">
+            <a:extLst>
+              <a:ext uri="{FF2B5EF4-FFF2-40B4-BE49-F238E27FC236}">
+                <a16:creationId xmlns:a16="http://schemas.microsoft.com/office/drawing/2014/main" id="{98409610-4A49-41D2-B9F7-854F9FBDCFE3}"/>
+              </a:ext>
+            </a:extLst>
+          </p:cNvPr>
+          <p:cNvSpPr txBox="1"/>
+          <p:nvPr/>
+        </p:nvSpPr>
+        <p:spPr>
+          <a:xfrm>
+            <a:off x="6227094" y="5833146"/>
+            <a:ext cx="2459706" cy="646331"/>
+          </a:xfrm>
+          <a:prstGeom prst="rect">
+            <a:avLst/>
+          </a:prstGeom>
+          <a:noFill/>
+        </p:spPr>
+        <p:txBody>
+          <a:bodyPr wrap="square" rtlCol="0">
+            <a:spAutoFit/>
+          </a:bodyPr>
+          <a:lstStyle/>
+          <a:p>
+            <a:r>
+              <a:rPr lang="ko-KR" altLang="en-US" dirty="0"/>
+              <a:t>페스트 포워드 불가 </a:t>
+            </a:r>
+            <a:r>
+              <a:rPr lang="en-US" altLang="ko-KR" dirty="0"/>
+              <a:t>= </a:t>
+            </a:r>
+            <a:r>
+              <a:rPr lang="ko-KR" altLang="en-US" dirty="0"/>
+              <a:t>새로운 </a:t>
+            </a:r>
+            <a:r>
+              <a:rPr lang="ko-KR" altLang="en-US" dirty="0" err="1"/>
+              <a:t>커밋</a:t>
+            </a:r>
+            <a:r>
+              <a:rPr lang="ko-KR" altLang="en-US" dirty="0"/>
+              <a:t> 발생</a:t>
+            </a:r>
+          </a:p>
+        </p:txBody>
+      </p:sp>
+      <p:sp>
+        <p:nvSpPr>
+          <p:cNvPr id="8" name="사각형: 둥근 한쪽 모서리 7">
+            <a:extLst>
+              <a:ext uri="{FF2B5EF4-FFF2-40B4-BE49-F238E27FC236}">
+                <a16:creationId xmlns:a16="http://schemas.microsoft.com/office/drawing/2014/main" id="{C436B8F2-3B90-4109-B3BF-E72A13CE1ED6}"/>
+              </a:ext>
+            </a:extLst>
+          </p:cNvPr>
+          <p:cNvSpPr/>
+          <p:nvPr/>
+        </p:nvSpPr>
+        <p:spPr>
+          <a:xfrm>
+            <a:off x="4457700" y="3067750"/>
+            <a:ext cx="772932" cy="527209"/>
+          </a:xfrm>
+          <a:prstGeom prst="round1Rect">
+            <a:avLst/>
+          </a:prstGeom>
+        </p:spPr>
+        <p:style>
+          <a:lnRef idx="2">
+            <a:schemeClr val="accent1">
+              <a:shade val="50000"/>
+            </a:schemeClr>
+          </a:lnRef>
+          <a:fillRef idx="1">
+            <a:schemeClr val="accent1"/>
+          </a:fillRef>
+          <a:effectRef idx="0">
+            <a:schemeClr val="accent1"/>
+          </a:effectRef>
+          <a:fontRef idx="minor">
+            <a:schemeClr val="lt1"/>
+          </a:fontRef>
+        </p:style>
+        <p:txBody>
+          <a:bodyPr rtlCol="0" anchor="ctr"/>
+          <a:lstStyle/>
+          <a:p>
+            <a:pPr algn="ctr"/>
+            <a:r>
+              <a:rPr lang="en-US" altLang="ko-KR" dirty="0"/>
+              <a:t>M1</a:t>
+            </a:r>
+            <a:endParaRPr lang="ko-KR" altLang="en-US" dirty="0"/>
+          </a:p>
+        </p:txBody>
+      </p:sp>
+      <p:cxnSp>
+        <p:nvCxnSpPr>
+          <p:cNvPr id="72" name="직선 화살표 연결선 71">
+            <a:extLst>
+              <a:ext uri="{FF2B5EF4-FFF2-40B4-BE49-F238E27FC236}">
+                <a16:creationId xmlns:a16="http://schemas.microsoft.com/office/drawing/2014/main" id="{606E6CE1-63AC-466F-AB22-D023BD74537F}"/>
+              </a:ext>
+            </a:extLst>
+          </p:cNvPr>
+          <p:cNvCxnSpPr>
+            <a:cxnSpLocks/>
+            <a:stCxn id="8" idx="1"/>
+            <a:endCxn id="51" idx="6"/>
+          </p:cNvCxnSpPr>
+          <p:nvPr/>
+        </p:nvCxnSpPr>
+        <p:spPr>
+          <a:xfrm flipH="1" flipV="1">
+            <a:off x="3130427" y="2253191"/>
+            <a:ext cx="1327273" cy="1078164"/>
+          </a:xfrm>
+          <a:prstGeom prst="straightConnector1">
+            <a:avLst/>
+          </a:prstGeom>
+          <a:ln>
+            <a:tailEnd type="triangle"/>
+          </a:ln>
+        </p:spPr>
+        <p:style>
+          <a:lnRef idx="1">
+            <a:schemeClr val="accent1"/>
+          </a:lnRef>
+          <a:fillRef idx="0">
+            <a:schemeClr val="accent1"/>
+          </a:fillRef>
+          <a:effectRef idx="0">
+            <a:schemeClr val="accent1"/>
+          </a:effectRef>
+          <a:fontRef idx="minor">
+            <a:schemeClr val="tx1"/>
+          </a:fontRef>
+        </p:style>
+      </p:cxnSp>
+      <p:cxnSp>
+        <p:nvCxnSpPr>
+          <p:cNvPr id="73" name="직선 화살표 연결선 72">
+            <a:extLst>
+              <a:ext uri="{FF2B5EF4-FFF2-40B4-BE49-F238E27FC236}">
+                <a16:creationId xmlns:a16="http://schemas.microsoft.com/office/drawing/2014/main" id="{4B065AF1-AD04-4C6A-876D-961A62C60BD1}"/>
+              </a:ext>
+            </a:extLst>
+          </p:cNvPr>
+          <p:cNvCxnSpPr>
+            <a:cxnSpLocks/>
+            <a:stCxn id="8" idx="1"/>
+            <a:endCxn id="35" idx="6"/>
+          </p:cNvCxnSpPr>
+          <p:nvPr/>
+        </p:nvCxnSpPr>
+        <p:spPr>
+          <a:xfrm flipH="1">
+            <a:off x="3130428" y="3331355"/>
+            <a:ext cx="1327272" cy="895320"/>
+          </a:xfrm>
+          <a:prstGeom prst="straightConnector1">
+            <a:avLst/>
+          </a:prstGeom>
+          <a:ln>
+            <a:tailEnd type="triangle"/>
+          </a:ln>
+        </p:spPr>
+        <p:style>
+          <a:lnRef idx="1">
+            <a:schemeClr val="accent1"/>
+          </a:lnRef>
+          <a:fillRef idx="0">
+            <a:schemeClr val="accent1"/>
+          </a:fillRef>
+          <a:effectRef idx="0">
+            <a:schemeClr val="accent1"/>
+          </a:effectRef>
+          <a:fontRef idx="minor">
+            <a:schemeClr val="tx1"/>
+          </a:fontRef>
+        </p:style>
+      </p:cxnSp>
+      <p:sp>
+        <p:nvSpPr>
+          <p:cNvPr id="74" name="TextBox 73">
+            <a:extLst>
+              <a:ext uri="{FF2B5EF4-FFF2-40B4-BE49-F238E27FC236}">
+                <a16:creationId xmlns:a16="http://schemas.microsoft.com/office/drawing/2014/main" id="{B2EB8590-6175-41EE-9617-F484EBCBFC07}"/>
+              </a:ext>
+            </a:extLst>
+          </p:cNvPr>
+          <p:cNvSpPr txBox="1"/>
+          <p:nvPr/>
+        </p:nvSpPr>
+        <p:spPr>
+          <a:xfrm>
+            <a:off x="0" y="104250"/>
+            <a:ext cx="2212730" cy="369332"/>
+          </a:xfrm>
+          <a:prstGeom prst="rect">
+            <a:avLst/>
+          </a:prstGeom>
+          <a:noFill/>
+        </p:spPr>
+        <p:txBody>
+          <a:bodyPr wrap="square" rtlCol="0">
+            <a:spAutoFit/>
+          </a:bodyPr>
+          <a:lstStyle/>
+          <a:p>
+            <a:r>
+              <a:rPr lang="en-US" altLang="ko-KR" dirty="0"/>
+              <a:t>3 way merge</a:t>
+            </a:r>
+            <a:endParaRPr lang="ko-KR" altLang="en-US" dirty="0"/>
+          </a:p>
+        </p:txBody>
+      </p:sp>
+    </p:spTree>
+    <p:extLst>
+      <p:ext uri="{BB962C8B-B14F-4D97-AF65-F5344CB8AC3E}">
+        <p14:creationId xmlns:p14="http://schemas.microsoft.com/office/powerpoint/2010/main" val="2900800287"/>
+      </p:ext>
+    </p:extLst>
+  </p:cSld>
+  <p:clrMapOvr>
+    <a:masterClrMapping/>
+  </p:clrMapOvr>
+</p:sld>
+</file>
+
+<file path=ppt/slides/slide34.xml><?xml version="1.0" encoding="utf-8"?>
+<p:sld xmlns:a="http://schemas.openxmlformats.org/drawingml/2006/main" xmlns:r="http://schemas.openxmlformats.org/officeDocument/2006/relationships" xmlns:p="http://schemas.openxmlformats.org/presentationml/2006/main">
+  <p:cSld>
+    <p:spTree>
+      <p:nvGrpSpPr>
+        <p:cNvPr id="1" name=""/>
+        <p:cNvGrpSpPr/>
+        <p:nvPr/>
+      </p:nvGrpSpPr>
+      <p:grpSpPr>
+        <a:xfrm>
+          <a:off x="0" y="0"/>
+          <a:ext cx="0" cy="0"/>
+          <a:chOff x="0" y="0"/>
+          <a:chExt cx="0" cy="0"/>
+        </a:xfrm>
+      </p:grpSpPr>
+      <p:sp>
+        <p:nvSpPr>
+          <p:cNvPr id="2" name="직사각형 1">
+            <a:extLst>
+              <a:ext uri="{FF2B5EF4-FFF2-40B4-BE49-F238E27FC236}">
+                <a16:creationId xmlns:a16="http://schemas.microsoft.com/office/drawing/2014/main" id="{260E9D7A-CFB5-4121-AEE4-F6FD1D11E870}"/>
+              </a:ext>
+            </a:extLst>
+          </p:cNvPr>
+          <p:cNvSpPr/>
+          <p:nvPr/>
+        </p:nvSpPr>
+        <p:spPr>
+          <a:xfrm>
+            <a:off x="826477" y="2549769"/>
+            <a:ext cx="747346" cy="720969"/>
+          </a:xfrm>
+          <a:prstGeom prst="rect">
+            <a:avLst/>
+          </a:prstGeom>
+        </p:spPr>
+        <p:style>
+          <a:lnRef idx="2">
+            <a:schemeClr val="accent1">
+              <a:shade val="50000"/>
+            </a:schemeClr>
+          </a:lnRef>
+          <a:fillRef idx="1">
+            <a:schemeClr val="accent1"/>
+          </a:fillRef>
+          <a:effectRef idx="0">
+            <a:schemeClr val="accent1"/>
+          </a:effectRef>
+          <a:fontRef idx="minor">
+            <a:schemeClr val="lt1"/>
+          </a:fontRef>
+        </p:style>
+        <p:txBody>
+          <a:bodyPr rtlCol="0" anchor="ctr"/>
+          <a:lstStyle/>
+          <a:p>
+            <a:pPr algn="ctr"/>
+            <a:r>
+              <a:rPr lang="en-US" altLang="ko-KR" dirty="0"/>
+              <a:t>c1</a:t>
+            </a:r>
+            <a:endParaRPr lang="ko-KR" altLang="en-US" dirty="0"/>
+          </a:p>
+        </p:txBody>
+      </p:sp>
+      <p:sp>
+        <p:nvSpPr>
+          <p:cNvPr id="56" name="직사각형 55">
+            <a:extLst>
+              <a:ext uri="{FF2B5EF4-FFF2-40B4-BE49-F238E27FC236}">
+                <a16:creationId xmlns:a16="http://schemas.microsoft.com/office/drawing/2014/main" id="{BEBF1AB3-48D6-4B1A-9D26-959BFECDB492}"/>
+              </a:ext>
+            </a:extLst>
+          </p:cNvPr>
+          <p:cNvSpPr/>
+          <p:nvPr/>
+        </p:nvSpPr>
+        <p:spPr>
+          <a:xfrm>
+            <a:off x="2222988" y="4085490"/>
+            <a:ext cx="747346" cy="720969"/>
+          </a:xfrm>
+          <a:prstGeom prst="rect">
+            <a:avLst/>
+          </a:prstGeom>
+        </p:spPr>
+        <p:style>
+          <a:lnRef idx="2">
+            <a:schemeClr val="accent1">
+              <a:shade val="50000"/>
+            </a:schemeClr>
+          </a:lnRef>
+          <a:fillRef idx="1">
+            <a:schemeClr val="accent1"/>
+          </a:fillRef>
+          <a:effectRef idx="0">
+            <a:schemeClr val="accent1"/>
+          </a:effectRef>
+          <a:fontRef idx="minor">
+            <a:schemeClr val="lt1"/>
+          </a:fontRef>
+        </p:style>
+        <p:txBody>
+          <a:bodyPr rtlCol="0" anchor="ctr"/>
+          <a:lstStyle/>
+          <a:p>
+            <a:pPr algn="ctr"/>
+            <a:r>
+              <a:rPr lang="en-US" altLang="ko-KR" dirty="0"/>
+              <a:t>c3</a:t>
+            </a:r>
+            <a:endParaRPr lang="ko-KR" altLang="en-US" dirty="0"/>
+          </a:p>
+        </p:txBody>
+      </p:sp>
+      <p:sp>
+        <p:nvSpPr>
+          <p:cNvPr id="64" name="직사각형 63">
+            <a:extLst>
+              <a:ext uri="{FF2B5EF4-FFF2-40B4-BE49-F238E27FC236}">
+                <a16:creationId xmlns:a16="http://schemas.microsoft.com/office/drawing/2014/main" id="{BE25F4D2-EBF2-4260-99A1-A242D255EC58}"/>
+              </a:ext>
+            </a:extLst>
+          </p:cNvPr>
+          <p:cNvSpPr/>
+          <p:nvPr/>
+        </p:nvSpPr>
+        <p:spPr>
+          <a:xfrm>
+            <a:off x="3974122" y="4111867"/>
+            <a:ext cx="747346" cy="720969"/>
+          </a:xfrm>
+          <a:prstGeom prst="rect">
+            <a:avLst/>
+          </a:prstGeom>
+        </p:spPr>
+        <p:style>
+          <a:lnRef idx="2">
+            <a:schemeClr val="accent1">
+              <a:shade val="50000"/>
+            </a:schemeClr>
+          </a:lnRef>
+          <a:fillRef idx="1">
+            <a:schemeClr val="accent1"/>
+          </a:fillRef>
+          <a:effectRef idx="0">
+            <a:schemeClr val="accent1"/>
+          </a:effectRef>
+          <a:fontRef idx="minor">
+            <a:schemeClr val="lt1"/>
+          </a:fontRef>
+        </p:style>
+        <p:txBody>
+          <a:bodyPr rtlCol="0" anchor="ctr"/>
+          <a:lstStyle/>
+          <a:p>
+            <a:pPr algn="ctr"/>
+            <a:r>
+              <a:rPr lang="en-US" altLang="ko-KR" dirty="0"/>
+              <a:t>c4</a:t>
+            </a:r>
+            <a:endParaRPr lang="ko-KR" altLang="en-US" dirty="0"/>
+          </a:p>
+        </p:txBody>
+      </p:sp>
+      <p:sp>
+        <p:nvSpPr>
+          <p:cNvPr id="68" name="직사각형 67">
+            <a:extLst>
+              <a:ext uri="{FF2B5EF4-FFF2-40B4-BE49-F238E27FC236}">
+                <a16:creationId xmlns:a16="http://schemas.microsoft.com/office/drawing/2014/main" id="{5053BAB6-E818-4E6F-AED7-A8C0742DFB79}"/>
+              </a:ext>
+            </a:extLst>
+          </p:cNvPr>
+          <p:cNvSpPr/>
+          <p:nvPr/>
+        </p:nvSpPr>
+        <p:spPr>
+          <a:xfrm>
+            <a:off x="6427177" y="4103075"/>
+            <a:ext cx="747346" cy="720969"/>
+          </a:xfrm>
+          <a:prstGeom prst="rect">
+            <a:avLst/>
+          </a:prstGeom>
+        </p:spPr>
+        <p:style>
+          <a:lnRef idx="2">
+            <a:schemeClr val="accent1">
+              <a:shade val="50000"/>
+            </a:schemeClr>
+          </a:lnRef>
+          <a:fillRef idx="1">
+            <a:schemeClr val="accent1"/>
+          </a:fillRef>
+          <a:effectRef idx="0">
+            <a:schemeClr val="accent1"/>
+          </a:effectRef>
+          <a:fontRef idx="minor">
+            <a:schemeClr val="lt1"/>
+          </a:fontRef>
+        </p:style>
+        <p:txBody>
+          <a:bodyPr rtlCol="0" anchor="ctr"/>
+          <a:lstStyle/>
+          <a:p>
+            <a:pPr algn="ctr"/>
+            <a:r>
+              <a:rPr lang="en-US" altLang="ko-KR" dirty="0"/>
+              <a:t>c5</a:t>
+            </a:r>
+            <a:endParaRPr lang="ko-KR" altLang="en-US" dirty="0"/>
+          </a:p>
+        </p:txBody>
+      </p:sp>
+      <p:sp>
+        <p:nvSpPr>
+          <p:cNvPr id="75" name="직사각형 74">
+            <a:extLst>
+              <a:ext uri="{FF2B5EF4-FFF2-40B4-BE49-F238E27FC236}">
+                <a16:creationId xmlns:a16="http://schemas.microsoft.com/office/drawing/2014/main" id="{6458E514-0CD3-453B-AD2E-C1326F90C20B}"/>
+              </a:ext>
+            </a:extLst>
+          </p:cNvPr>
+          <p:cNvSpPr/>
+          <p:nvPr/>
+        </p:nvSpPr>
+        <p:spPr>
+          <a:xfrm>
+            <a:off x="8847993" y="4085491"/>
+            <a:ext cx="747346" cy="720969"/>
+          </a:xfrm>
+          <a:prstGeom prst="rect">
+            <a:avLst/>
+          </a:prstGeom>
+        </p:spPr>
+        <p:style>
+          <a:lnRef idx="2">
+            <a:schemeClr val="accent1">
+              <a:shade val="50000"/>
+            </a:schemeClr>
+          </a:lnRef>
+          <a:fillRef idx="1">
+            <a:schemeClr val="accent1"/>
+          </a:fillRef>
+          <a:effectRef idx="0">
+            <a:schemeClr val="accent1"/>
+          </a:effectRef>
+          <a:fontRef idx="minor">
+            <a:schemeClr val="lt1"/>
+          </a:fontRef>
+        </p:style>
+        <p:txBody>
+          <a:bodyPr rtlCol="0" anchor="ctr"/>
+          <a:lstStyle/>
+          <a:p>
+            <a:pPr algn="ctr"/>
+            <a:r>
+              <a:rPr lang="en-US" altLang="ko-KR" dirty="0"/>
+              <a:t>c6</a:t>
+            </a:r>
+            <a:endParaRPr lang="ko-KR" altLang="en-US" dirty="0"/>
+          </a:p>
+        </p:txBody>
+      </p:sp>
+      <p:sp>
+        <p:nvSpPr>
+          <p:cNvPr id="76" name="직사각형 75">
+            <a:extLst>
+              <a:ext uri="{FF2B5EF4-FFF2-40B4-BE49-F238E27FC236}">
+                <a16:creationId xmlns:a16="http://schemas.microsoft.com/office/drawing/2014/main" id="{6A641DB3-FC43-4AB3-A2F9-BEBFD1717C61}"/>
+              </a:ext>
+            </a:extLst>
+          </p:cNvPr>
+          <p:cNvSpPr/>
+          <p:nvPr/>
+        </p:nvSpPr>
+        <p:spPr>
+          <a:xfrm>
+            <a:off x="2596661" y="1720361"/>
+            <a:ext cx="747346" cy="720969"/>
+          </a:xfrm>
+          <a:prstGeom prst="rect">
+            <a:avLst/>
+          </a:prstGeom>
+        </p:spPr>
+        <p:style>
+          <a:lnRef idx="2">
+            <a:schemeClr val="accent1">
+              <a:shade val="50000"/>
+            </a:schemeClr>
+          </a:lnRef>
+          <a:fillRef idx="1">
+            <a:schemeClr val="accent1"/>
+          </a:fillRef>
+          <a:effectRef idx="0">
+            <a:schemeClr val="accent1"/>
+          </a:effectRef>
+          <a:fontRef idx="minor">
+            <a:schemeClr val="lt1"/>
+          </a:fontRef>
+        </p:style>
+        <p:txBody>
+          <a:bodyPr rtlCol="0" anchor="ctr"/>
+          <a:lstStyle/>
+          <a:p>
+            <a:pPr algn="ctr"/>
+            <a:r>
+              <a:rPr lang="en-US" altLang="ko-KR" dirty="0"/>
+              <a:t>c2</a:t>
+            </a:r>
+            <a:endParaRPr lang="ko-KR" altLang="en-US" dirty="0"/>
+          </a:p>
+        </p:txBody>
+      </p:sp>
+      <p:sp>
+        <p:nvSpPr>
+          <p:cNvPr id="4" name="설명선: 아래쪽 화살표 3">
+            <a:extLst>
+              <a:ext uri="{FF2B5EF4-FFF2-40B4-BE49-F238E27FC236}">
+                <a16:creationId xmlns:a16="http://schemas.microsoft.com/office/drawing/2014/main" id="{645B9BC9-C2F0-4F81-920D-69E48CC04A32}"/>
+              </a:ext>
+            </a:extLst>
+          </p:cNvPr>
+          <p:cNvSpPr/>
+          <p:nvPr/>
+        </p:nvSpPr>
+        <p:spPr>
+          <a:xfrm>
+            <a:off x="2429607" y="441081"/>
+            <a:ext cx="914400" cy="914400"/>
+          </a:xfrm>
+          <a:prstGeom prst="downArrowCallout">
+            <a:avLst/>
+          </a:prstGeom>
+        </p:spPr>
+        <p:style>
+          <a:lnRef idx="2">
+            <a:schemeClr val="accent1">
+              <a:shade val="50000"/>
+            </a:schemeClr>
+          </a:lnRef>
+          <a:fillRef idx="1">
+            <a:schemeClr val="accent1"/>
+          </a:fillRef>
+          <a:effectRef idx="0">
+            <a:schemeClr val="accent1"/>
+          </a:effectRef>
+          <a:fontRef idx="minor">
+            <a:schemeClr val="lt1"/>
+          </a:fontRef>
+        </p:style>
+        <p:txBody>
+          <a:bodyPr rtlCol="0" anchor="ctr"/>
+          <a:lstStyle/>
+          <a:p>
+            <a:pPr algn="ctr"/>
+            <a:r>
+              <a:rPr lang="en-US" altLang="ko-KR" dirty="0"/>
+              <a:t>master</a:t>
+            </a:r>
+            <a:endParaRPr lang="ko-KR" altLang="en-US" dirty="0"/>
+          </a:p>
+        </p:txBody>
+      </p:sp>
+      <p:sp>
+        <p:nvSpPr>
+          <p:cNvPr id="77" name="설명선: 아래쪽 화살표 76">
+            <a:extLst>
+              <a:ext uri="{FF2B5EF4-FFF2-40B4-BE49-F238E27FC236}">
+                <a16:creationId xmlns:a16="http://schemas.microsoft.com/office/drawing/2014/main" id="{5526BEE4-2580-4E38-804F-62150ACDB574}"/>
+              </a:ext>
+            </a:extLst>
+          </p:cNvPr>
+          <p:cNvSpPr/>
+          <p:nvPr/>
+        </p:nvSpPr>
+        <p:spPr>
+          <a:xfrm>
+            <a:off x="8764466" y="2813538"/>
+            <a:ext cx="914400" cy="914400"/>
+          </a:xfrm>
+          <a:prstGeom prst="downArrowCallout">
+            <a:avLst/>
+          </a:prstGeom>
+        </p:spPr>
+        <p:style>
+          <a:lnRef idx="2">
+            <a:schemeClr val="accent1">
+              <a:shade val="50000"/>
+            </a:schemeClr>
+          </a:lnRef>
+          <a:fillRef idx="1">
+            <a:schemeClr val="accent1"/>
+          </a:fillRef>
+          <a:effectRef idx="0">
+            <a:schemeClr val="accent1"/>
+          </a:effectRef>
+          <a:fontRef idx="minor">
+            <a:schemeClr val="lt1"/>
+          </a:fontRef>
+        </p:style>
+        <p:txBody>
+          <a:bodyPr rtlCol="0" anchor="ctr"/>
+          <a:lstStyle/>
+          <a:p>
+            <a:pPr algn="ctr"/>
+            <a:r>
+              <a:rPr lang="en-US" altLang="ko-KR" dirty="0"/>
+              <a:t>test</a:t>
+            </a:r>
+            <a:endParaRPr lang="ko-KR" altLang="en-US" dirty="0"/>
+          </a:p>
+        </p:txBody>
+      </p:sp>
+      <p:sp>
+        <p:nvSpPr>
+          <p:cNvPr id="5" name="TextBox 4">
+            <a:extLst>
+              <a:ext uri="{FF2B5EF4-FFF2-40B4-BE49-F238E27FC236}">
+                <a16:creationId xmlns:a16="http://schemas.microsoft.com/office/drawing/2014/main" id="{C6B824FB-F4E8-4AFC-925B-2AF95C7025AC}"/>
+              </a:ext>
+            </a:extLst>
+          </p:cNvPr>
+          <p:cNvSpPr txBox="1"/>
+          <p:nvPr/>
+        </p:nvSpPr>
+        <p:spPr>
+          <a:xfrm>
+            <a:off x="2634763" y="1355481"/>
+            <a:ext cx="914400" cy="369332"/>
+          </a:xfrm>
+          <a:prstGeom prst="rect">
+            <a:avLst/>
+          </a:prstGeom>
+          <a:noFill/>
+        </p:spPr>
+        <p:txBody>
+          <a:bodyPr wrap="square" rtlCol="0">
+            <a:spAutoFit/>
+          </a:bodyPr>
+          <a:lstStyle/>
+          <a:p>
+            <a:r>
+              <a:rPr lang="en-US" altLang="ko-KR" dirty="0"/>
+              <a:t>main</a:t>
+            </a:r>
+            <a:endParaRPr lang="ko-KR" altLang="en-US" dirty="0"/>
+          </a:p>
+        </p:txBody>
+      </p:sp>
+      <p:sp>
+        <p:nvSpPr>
+          <p:cNvPr id="78" name="TextBox 77">
+            <a:extLst>
+              <a:ext uri="{FF2B5EF4-FFF2-40B4-BE49-F238E27FC236}">
+                <a16:creationId xmlns:a16="http://schemas.microsoft.com/office/drawing/2014/main" id="{8F07B568-7E78-469D-8D14-4C7D2FDF5A5D}"/>
+              </a:ext>
+            </a:extLst>
+          </p:cNvPr>
+          <p:cNvSpPr txBox="1"/>
+          <p:nvPr/>
+        </p:nvSpPr>
+        <p:spPr>
+          <a:xfrm>
+            <a:off x="8950571" y="3733743"/>
+            <a:ext cx="914400" cy="369332"/>
+          </a:xfrm>
+          <a:prstGeom prst="rect">
+            <a:avLst/>
+          </a:prstGeom>
+          <a:noFill/>
+        </p:spPr>
+        <p:txBody>
+          <a:bodyPr wrap="square" rtlCol="0">
+            <a:spAutoFit/>
+          </a:bodyPr>
+          <a:lstStyle/>
+          <a:p>
+            <a:r>
+              <a:rPr lang="en-US" altLang="ko-KR" dirty="0"/>
+              <a:t>sub</a:t>
+            </a:r>
+            <a:endParaRPr lang="ko-KR" altLang="en-US" dirty="0"/>
+          </a:p>
+        </p:txBody>
+      </p:sp>
+      <p:sp>
+        <p:nvSpPr>
+          <p:cNvPr id="79" name="TextBox 78">
+            <a:extLst>
+              <a:ext uri="{FF2B5EF4-FFF2-40B4-BE49-F238E27FC236}">
+                <a16:creationId xmlns:a16="http://schemas.microsoft.com/office/drawing/2014/main" id="{5612372E-2F76-4074-A519-55565B4328EA}"/>
+              </a:ext>
+            </a:extLst>
+          </p:cNvPr>
+          <p:cNvSpPr txBox="1"/>
+          <p:nvPr/>
+        </p:nvSpPr>
+        <p:spPr>
+          <a:xfrm>
+            <a:off x="899748" y="2180437"/>
+            <a:ext cx="914400" cy="369332"/>
+          </a:xfrm>
+          <a:prstGeom prst="rect">
+            <a:avLst/>
+          </a:prstGeom>
+          <a:noFill/>
+        </p:spPr>
+        <p:txBody>
+          <a:bodyPr wrap="square" rtlCol="0">
+            <a:spAutoFit/>
+          </a:bodyPr>
+          <a:lstStyle/>
+          <a:p>
+            <a:r>
+              <a:rPr lang="en-US" altLang="ko-KR" dirty="0"/>
+              <a:t>base</a:t>
+            </a:r>
+            <a:endParaRPr lang="ko-KR" altLang="en-US" dirty="0"/>
+          </a:p>
+        </p:txBody>
+      </p:sp>
+    </p:spTree>
+    <p:extLst>
+      <p:ext uri="{BB962C8B-B14F-4D97-AF65-F5344CB8AC3E}">
+        <p14:creationId xmlns:p14="http://schemas.microsoft.com/office/powerpoint/2010/main" val="1366397545"/>
+      </p:ext>
+    </p:extLst>
+  </p:cSld>
+  <p:clrMapOvr>
+    <a:masterClrMapping/>
+  </p:clrMapOvr>
+</p:sld>
+</file>
+
+<file path=ppt/slides/slide35.xml><?xml version="1.0" encoding="utf-8"?>
+<p:sld xmlns:a="http://schemas.openxmlformats.org/drawingml/2006/main" xmlns:r="http://schemas.openxmlformats.org/officeDocument/2006/relationships" xmlns:p="http://schemas.openxmlformats.org/presentationml/2006/main">
+  <p:cSld>
+    <p:spTree>
+      <p:nvGrpSpPr>
+        <p:cNvPr id="1" name=""/>
+        <p:cNvGrpSpPr/>
+        <p:nvPr/>
+      </p:nvGrpSpPr>
+      <p:grpSpPr>
+        <a:xfrm>
+          <a:off x="0" y="0"/>
+          <a:ext cx="0" cy="0"/>
+          <a:chOff x="0" y="0"/>
+          <a:chExt cx="0" cy="0"/>
+        </a:xfrm>
+      </p:grpSpPr>
+      <p:sp>
+        <p:nvSpPr>
+          <p:cNvPr id="2" name="제목 1">
+            <a:extLst>
+              <a:ext uri="{FF2B5EF4-FFF2-40B4-BE49-F238E27FC236}">
+                <a16:creationId xmlns:a16="http://schemas.microsoft.com/office/drawing/2014/main" id="{8804F504-F550-414B-A4DA-076E67EC01CA}"/>
+              </a:ext>
+            </a:extLst>
+          </p:cNvPr>
+          <p:cNvSpPr>
+            <a:spLocks noGrp="1"/>
+          </p:cNvSpPr>
+          <p:nvPr>
+            <p:ph type="title"/>
+          </p:nvPr>
+        </p:nvSpPr>
+        <p:spPr/>
+        <p:txBody>
+          <a:bodyPr/>
+          <a:lstStyle/>
+          <a:p>
+            <a:endParaRPr lang="ko-KR" altLang="en-US" dirty="0"/>
+          </a:p>
+        </p:txBody>
+      </p:sp>
+      <p:sp>
+        <p:nvSpPr>
+          <p:cNvPr id="3" name="내용 개체 틀 2">
+            <a:extLst>
+              <a:ext uri="{FF2B5EF4-FFF2-40B4-BE49-F238E27FC236}">
+                <a16:creationId xmlns:a16="http://schemas.microsoft.com/office/drawing/2014/main" id="{C6890160-7212-4993-BC01-01A4C0F06133}"/>
+              </a:ext>
+            </a:extLst>
+          </p:cNvPr>
+          <p:cNvSpPr>
+            <a:spLocks noGrp="1"/>
+          </p:cNvSpPr>
+          <p:nvPr>
+            <p:ph idx="1"/>
+          </p:nvPr>
+        </p:nvSpPr>
+        <p:spPr/>
+        <p:txBody>
+          <a:bodyPr/>
+          <a:lstStyle/>
+          <a:p>
+            <a:r>
+              <a:rPr lang="en-US" altLang="ko-KR" dirty="0"/>
+              <a:t>Shoot </a:t>
+            </a:r>
+            <a:r>
+              <a:rPr lang="ko-KR" altLang="en-US" dirty="0"/>
+              <a:t>완성</a:t>
+            </a:r>
+            <a:endParaRPr lang="en-US" altLang="ko-KR" dirty="0"/>
+          </a:p>
+          <a:p>
+            <a:endParaRPr lang="en-US" altLang="ko-KR" dirty="0"/>
+          </a:p>
+          <a:p>
+            <a:r>
+              <a:rPr lang="en-US" altLang="ko-KR" dirty="0"/>
+              <a:t>Collision test </a:t>
+            </a:r>
+            <a:r>
+              <a:rPr lang="en-US" altLang="ko-KR" dirty="0" err="1"/>
+              <a:t>api</a:t>
+            </a:r>
+            <a:r>
+              <a:rPr lang="en-US" altLang="ko-KR" dirty="0"/>
+              <a:t> </a:t>
+            </a:r>
+            <a:r>
+              <a:rPr lang="ko-KR" altLang="en-US" dirty="0"/>
+              <a:t>추가 </a:t>
+            </a:r>
+            <a:r>
+              <a:rPr lang="en-US" altLang="ko-KR" dirty="0"/>
+              <a:t>(axis aligned rectangle </a:t>
+            </a:r>
+            <a:r>
+              <a:rPr lang="ko-KR" altLang="en-US" dirty="0"/>
+              <a:t>가정</a:t>
+            </a:r>
+            <a:r>
+              <a:rPr lang="en-US" altLang="ko-KR" dirty="0"/>
+              <a:t>)</a:t>
+            </a:r>
+          </a:p>
+          <a:p>
+            <a:endParaRPr lang="en-US" altLang="ko-KR" dirty="0"/>
+          </a:p>
+          <a:p>
+            <a:r>
+              <a:rPr lang="ko-KR" altLang="en-US" dirty="0"/>
+              <a:t>간단한 </a:t>
+            </a:r>
+            <a:r>
+              <a:rPr lang="en-US" altLang="ko-KR" dirty="0"/>
+              <a:t>Collision </a:t>
+            </a:r>
+            <a:r>
+              <a:rPr lang="ko-KR" altLang="en-US"/>
+              <a:t>체크 추가</a:t>
+            </a:r>
+          </a:p>
+        </p:txBody>
+      </p:sp>
+    </p:spTree>
+    <p:extLst>
+      <p:ext uri="{BB962C8B-B14F-4D97-AF65-F5344CB8AC3E}">
+        <p14:creationId xmlns:p14="http://schemas.microsoft.com/office/powerpoint/2010/main" val="3553290271"/>
       </p:ext>
     </p:extLst>
   </p:cSld>
